--- a/PPT/ModernCppStudy_14_(37).pptx
+++ b/PPT/ModernCppStudy_14_(37).pptx
@@ -5,7 +5,7 @@
     <p:sldMasterId id="2147483648" r:id="rId1"/>
   </p:sldMasterIdLst>
   <p:notesMasterIdLst>
-    <p:notesMasterId r:id="rId22"/>
+    <p:notesMasterId r:id="rId28"/>
   </p:notesMasterIdLst>
   <p:sldIdLst>
     <p:sldId id="256" r:id="rId2"/>
@@ -19,15 +19,21 @@
     <p:sldId id="318" r:id="rId10"/>
     <p:sldId id="319" r:id="rId11"/>
     <p:sldId id="320" r:id="rId12"/>
-    <p:sldId id="321" r:id="rId13"/>
-    <p:sldId id="322" r:id="rId14"/>
-    <p:sldId id="316" r:id="rId15"/>
-    <p:sldId id="323" r:id="rId16"/>
-    <p:sldId id="325" r:id="rId17"/>
-    <p:sldId id="324" r:id="rId18"/>
-    <p:sldId id="266" r:id="rId19"/>
-    <p:sldId id="326" r:id="rId20"/>
-    <p:sldId id="327" r:id="rId21"/>
+    <p:sldId id="328" r:id="rId13"/>
+    <p:sldId id="330" r:id="rId14"/>
+    <p:sldId id="331" r:id="rId15"/>
+    <p:sldId id="332" r:id="rId16"/>
+    <p:sldId id="321" r:id="rId17"/>
+    <p:sldId id="322" r:id="rId18"/>
+    <p:sldId id="316" r:id="rId19"/>
+    <p:sldId id="323" r:id="rId20"/>
+    <p:sldId id="325" r:id="rId21"/>
+    <p:sldId id="324" r:id="rId22"/>
+    <p:sldId id="266" r:id="rId23"/>
+    <p:sldId id="333" r:id="rId24"/>
+    <p:sldId id="334" r:id="rId25"/>
+    <p:sldId id="326" r:id="rId26"/>
+    <p:sldId id="327" r:id="rId27"/>
   </p:sldIdLst>
   <p:sldSz cx="12192000" cy="6858000"/>
   <p:notesSz cx="6858000" cy="9144000"/>
@@ -230,7 +236,7 @@
           <a:p>
             <a:fld id="{865ACDCB-DFED-45AB-8476-95ECA388475E}" type="datetimeFigureOut">
               <a:rPr lang="ko-KR" altLang="en-US" smtClean="0"/>
-              <a:t>2019-05-21</a:t>
+              <a:t>2019-05-22</a:t>
             </a:fld>
             <a:endParaRPr lang="ko-KR" altLang="en-US"/>
           </a:p>
@@ -644,7 +650,7 @@
           <a:p>
             <a:fld id="{3FBEE078-56CF-468E-BCFD-5FB355A7E9B5}" type="datetimeFigureOut">
               <a:rPr lang="ko-KR" altLang="en-US" smtClean="0"/>
-              <a:t>2019-05-21</a:t>
+              <a:t>2019-05-22</a:t>
             </a:fld>
             <a:endParaRPr lang="ko-KR" altLang="en-US"/>
           </a:p>
@@ -842,7 +848,7 @@
           <a:p>
             <a:fld id="{3FBEE078-56CF-468E-BCFD-5FB355A7E9B5}" type="datetimeFigureOut">
               <a:rPr lang="ko-KR" altLang="en-US" smtClean="0"/>
-              <a:t>2019-05-21</a:t>
+              <a:t>2019-05-22</a:t>
             </a:fld>
             <a:endParaRPr lang="ko-KR" altLang="en-US"/>
           </a:p>
@@ -1050,7 +1056,7 @@
           <a:p>
             <a:fld id="{3FBEE078-56CF-468E-BCFD-5FB355A7E9B5}" type="datetimeFigureOut">
               <a:rPr lang="ko-KR" altLang="en-US" smtClean="0"/>
-              <a:t>2019-05-21</a:t>
+              <a:t>2019-05-22</a:t>
             </a:fld>
             <a:endParaRPr lang="ko-KR" altLang="en-US"/>
           </a:p>
@@ -1248,7 +1254,7 @@
           <a:p>
             <a:fld id="{3FBEE078-56CF-468E-BCFD-5FB355A7E9B5}" type="datetimeFigureOut">
               <a:rPr lang="ko-KR" altLang="en-US" smtClean="0"/>
-              <a:t>2019-05-21</a:t>
+              <a:t>2019-05-22</a:t>
             </a:fld>
             <a:endParaRPr lang="ko-KR" altLang="en-US"/>
           </a:p>
@@ -1523,7 +1529,7 @@
           <a:p>
             <a:fld id="{3FBEE078-56CF-468E-BCFD-5FB355A7E9B5}" type="datetimeFigureOut">
               <a:rPr lang="ko-KR" altLang="en-US" smtClean="0"/>
-              <a:t>2019-05-21</a:t>
+              <a:t>2019-05-22</a:t>
             </a:fld>
             <a:endParaRPr lang="ko-KR" altLang="en-US"/>
           </a:p>
@@ -1788,7 +1794,7 @@
           <a:p>
             <a:fld id="{3FBEE078-56CF-468E-BCFD-5FB355A7E9B5}" type="datetimeFigureOut">
               <a:rPr lang="ko-KR" altLang="en-US" smtClean="0"/>
-              <a:t>2019-05-21</a:t>
+              <a:t>2019-05-22</a:t>
             </a:fld>
             <a:endParaRPr lang="ko-KR" altLang="en-US"/>
           </a:p>
@@ -2200,7 +2206,7 @@
           <a:p>
             <a:fld id="{3FBEE078-56CF-468E-BCFD-5FB355A7E9B5}" type="datetimeFigureOut">
               <a:rPr lang="ko-KR" altLang="en-US" smtClean="0"/>
-              <a:t>2019-05-21</a:t>
+              <a:t>2019-05-22</a:t>
             </a:fld>
             <a:endParaRPr lang="ko-KR" altLang="en-US"/>
           </a:p>
@@ -2341,7 +2347,7 @@
           <a:p>
             <a:fld id="{3FBEE078-56CF-468E-BCFD-5FB355A7E9B5}" type="datetimeFigureOut">
               <a:rPr lang="ko-KR" altLang="en-US" smtClean="0"/>
-              <a:t>2019-05-21</a:t>
+              <a:t>2019-05-22</a:t>
             </a:fld>
             <a:endParaRPr lang="ko-KR" altLang="en-US"/>
           </a:p>
@@ -2454,7 +2460,7 @@
           <a:p>
             <a:fld id="{3FBEE078-56CF-468E-BCFD-5FB355A7E9B5}" type="datetimeFigureOut">
               <a:rPr lang="ko-KR" altLang="en-US" smtClean="0"/>
-              <a:t>2019-05-21</a:t>
+              <a:t>2019-05-22</a:t>
             </a:fld>
             <a:endParaRPr lang="ko-KR" altLang="en-US"/>
           </a:p>
@@ -2765,7 +2771,7 @@
           <a:p>
             <a:fld id="{3FBEE078-56CF-468E-BCFD-5FB355A7E9B5}" type="datetimeFigureOut">
               <a:rPr lang="ko-KR" altLang="en-US" smtClean="0"/>
-              <a:t>2019-05-21</a:t>
+              <a:t>2019-05-22</a:t>
             </a:fld>
             <a:endParaRPr lang="ko-KR" altLang="en-US"/>
           </a:p>
@@ -3053,7 +3059,7 @@
           <a:p>
             <a:fld id="{3FBEE078-56CF-468E-BCFD-5FB355A7E9B5}" type="datetimeFigureOut">
               <a:rPr lang="ko-KR" altLang="en-US" smtClean="0"/>
-              <a:t>2019-05-21</a:t>
+              <a:t>2019-05-22</a:t>
             </a:fld>
             <a:endParaRPr lang="ko-KR" altLang="en-US"/>
           </a:p>
@@ -3294,7 +3300,7 @@
           <a:p>
             <a:fld id="{3FBEE078-56CF-468E-BCFD-5FB355A7E9B5}" type="datetimeFigureOut">
               <a:rPr lang="ko-KR" altLang="en-US" smtClean="0"/>
-              <a:t>2019-05-21</a:t>
+              <a:t>2019-05-22</a:t>
             </a:fld>
             <a:endParaRPr lang="ko-KR" altLang="en-US"/>
           </a:p>
@@ -4334,6 +4340,2084 @@
           <p:cNvPr id="2" name="제목 1">
             <a:extLst>
               <a:ext uri="{FF2B5EF4-FFF2-40B4-BE49-F238E27FC236}">
+                <a16:creationId xmlns:a16="http://schemas.microsoft.com/office/drawing/2014/main" id="{AC11968B-3A0C-41D2-B521-9AD362E9A18C}"/>
+              </a:ext>
+            </a:extLst>
+          </p:cNvPr>
+          <p:cNvSpPr>
+            <a:spLocks noGrp="1"/>
+          </p:cNvSpPr>
+          <p:nvPr>
+            <p:ph type="title"/>
+          </p:nvPr>
+        </p:nvSpPr>
+        <p:spPr/>
+        <p:txBody>
+          <a:bodyPr/>
+          <a:lstStyle/>
+          <a:p>
+            <a:r>
+              <a:rPr lang="ko-KR" altLang="en-US" dirty="0"/>
+              <a:t>무조건 </a:t>
+            </a:r>
+            <a:r>
+              <a:rPr lang="en-US" altLang="ko-KR" dirty="0"/>
+              <a:t>join() </a:t>
+            </a:r>
+            <a:r>
+              <a:rPr lang="ko-KR" altLang="en-US" dirty="0"/>
+              <a:t>하면 되지 않나요</a:t>
+            </a:r>
+            <a:r>
+              <a:rPr lang="en-US" altLang="ko-KR" dirty="0"/>
+              <a:t>?</a:t>
+            </a:r>
+            <a:endParaRPr lang="ko-KR" altLang="en-US" dirty="0"/>
+          </a:p>
+        </p:txBody>
+      </p:sp>
+      <p:sp>
+        <p:nvSpPr>
+          <p:cNvPr id="4" name="내용 개체 틀 2">
+            <a:extLst>
+              <a:ext uri="{FF2B5EF4-FFF2-40B4-BE49-F238E27FC236}">
+                <a16:creationId xmlns:a16="http://schemas.microsoft.com/office/drawing/2014/main" id="{B9E266A2-0035-4F13-8EDD-687D08A2EE0A}"/>
+              </a:ext>
+            </a:extLst>
+          </p:cNvPr>
+          <p:cNvSpPr txBox="1">
+            <a:spLocks/>
+          </p:cNvSpPr>
+          <p:nvPr/>
+        </p:nvSpPr>
+        <p:spPr>
+          <a:xfrm>
+            <a:off x="838200" y="1897380"/>
+            <a:ext cx="10515600" cy="4123373"/>
+          </a:xfrm>
+          <a:prstGeom prst="rect">
+            <a:avLst/>
+          </a:prstGeom>
+          <a:solidFill>
+            <a:schemeClr val="tx1"/>
+          </a:solidFill>
+        </p:spPr>
+        <p:txBody>
+          <a:bodyPr vert="horz" lIns="91440" tIns="45720" rIns="91440" bIns="45720" rtlCol="0">
+            <a:normAutofit/>
+          </a:bodyPr>
+          <a:lstStyle>
+            <a:lvl1pPr marL="228600" indent="-228600" algn="l" defTabSz="914400" rtl="0" eaLnBrk="1" latinLnBrk="1" hangingPunct="1">
+              <a:lnSpc>
+                <a:spcPct val="90000"/>
+              </a:lnSpc>
+              <a:spcBef>
+                <a:spcPts val="1000"/>
+              </a:spcBef>
+              <a:buFont typeface="Arial" panose="020B0604020202020204" pitchFamily="34" charset="0"/>
+              <a:buChar char="•"/>
+              <a:defRPr sz="2800" kern="1200">
+                <a:solidFill>
+                  <a:schemeClr val="tx1"/>
+                </a:solidFill>
+                <a:latin typeface="+mn-lt"/>
+                <a:ea typeface="+mn-ea"/>
+                <a:cs typeface="+mn-cs"/>
+              </a:defRPr>
+            </a:lvl1pPr>
+            <a:lvl2pPr marL="685800" indent="-228600" algn="l" defTabSz="914400" rtl="0" eaLnBrk="1" latinLnBrk="1" hangingPunct="1">
+              <a:lnSpc>
+                <a:spcPct val="90000"/>
+              </a:lnSpc>
+              <a:spcBef>
+                <a:spcPts val="500"/>
+              </a:spcBef>
+              <a:buFont typeface="Arial" panose="020B0604020202020204" pitchFamily="34" charset="0"/>
+              <a:buChar char="•"/>
+              <a:defRPr sz="2400" kern="1200">
+                <a:solidFill>
+                  <a:schemeClr val="tx1"/>
+                </a:solidFill>
+                <a:latin typeface="+mn-lt"/>
+                <a:ea typeface="+mn-ea"/>
+                <a:cs typeface="+mn-cs"/>
+              </a:defRPr>
+            </a:lvl2pPr>
+            <a:lvl3pPr marL="1143000" indent="-228600" algn="l" defTabSz="914400" rtl="0" eaLnBrk="1" latinLnBrk="1" hangingPunct="1">
+              <a:lnSpc>
+                <a:spcPct val="90000"/>
+              </a:lnSpc>
+              <a:spcBef>
+                <a:spcPts val="500"/>
+              </a:spcBef>
+              <a:buFont typeface="Arial" panose="020B0604020202020204" pitchFamily="34" charset="0"/>
+              <a:buChar char="•"/>
+              <a:defRPr sz="2000" kern="1200">
+                <a:solidFill>
+                  <a:schemeClr val="tx1"/>
+                </a:solidFill>
+                <a:latin typeface="+mn-lt"/>
+                <a:ea typeface="+mn-ea"/>
+                <a:cs typeface="+mn-cs"/>
+              </a:defRPr>
+            </a:lvl3pPr>
+            <a:lvl4pPr marL="1600200" indent="-228600" algn="l" defTabSz="914400" rtl="0" eaLnBrk="1" latinLnBrk="1" hangingPunct="1">
+              <a:lnSpc>
+                <a:spcPct val="90000"/>
+              </a:lnSpc>
+              <a:spcBef>
+                <a:spcPts val="500"/>
+              </a:spcBef>
+              <a:buFont typeface="Arial" panose="020B0604020202020204" pitchFamily="34" charset="0"/>
+              <a:buChar char="•"/>
+              <a:defRPr sz="1800" kern="1200">
+                <a:solidFill>
+                  <a:schemeClr val="tx1"/>
+                </a:solidFill>
+                <a:latin typeface="+mn-lt"/>
+                <a:ea typeface="+mn-ea"/>
+                <a:cs typeface="+mn-cs"/>
+              </a:defRPr>
+            </a:lvl4pPr>
+            <a:lvl5pPr marL="2057400" indent="-228600" algn="l" defTabSz="914400" rtl="0" eaLnBrk="1" latinLnBrk="1" hangingPunct="1">
+              <a:lnSpc>
+                <a:spcPct val="90000"/>
+              </a:lnSpc>
+              <a:spcBef>
+                <a:spcPts val="500"/>
+              </a:spcBef>
+              <a:buFont typeface="Arial" panose="020B0604020202020204" pitchFamily="34" charset="0"/>
+              <a:buChar char="•"/>
+              <a:defRPr sz="1800" kern="1200">
+                <a:solidFill>
+                  <a:schemeClr val="tx1"/>
+                </a:solidFill>
+                <a:latin typeface="+mn-lt"/>
+                <a:ea typeface="+mn-ea"/>
+                <a:cs typeface="+mn-cs"/>
+              </a:defRPr>
+            </a:lvl5pPr>
+            <a:lvl6pPr marL="2514600" indent="-228600" algn="l" defTabSz="914400" rtl="0" eaLnBrk="1" latinLnBrk="1" hangingPunct="1">
+              <a:lnSpc>
+                <a:spcPct val="90000"/>
+              </a:lnSpc>
+              <a:spcBef>
+                <a:spcPts val="500"/>
+              </a:spcBef>
+              <a:buFont typeface="Arial" panose="020B0604020202020204" pitchFamily="34" charset="0"/>
+              <a:buChar char="•"/>
+              <a:defRPr sz="1800" kern="1200">
+                <a:solidFill>
+                  <a:schemeClr val="tx1"/>
+                </a:solidFill>
+                <a:latin typeface="+mn-lt"/>
+                <a:ea typeface="+mn-ea"/>
+                <a:cs typeface="+mn-cs"/>
+              </a:defRPr>
+            </a:lvl6pPr>
+            <a:lvl7pPr marL="2971800" indent="-228600" algn="l" defTabSz="914400" rtl="0" eaLnBrk="1" latinLnBrk="1" hangingPunct="1">
+              <a:lnSpc>
+                <a:spcPct val="90000"/>
+              </a:lnSpc>
+              <a:spcBef>
+                <a:spcPts val="500"/>
+              </a:spcBef>
+              <a:buFont typeface="Arial" panose="020B0604020202020204" pitchFamily="34" charset="0"/>
+              <a:buChar char="•"/>
+              <a:defRPr sz="1800" kern="1200">
+                <a:solidFill>
+                  <a:schemeClr val="tx1"/>
+                </a:solidFill>
+                <a:latin typeface="+mn-lt"/>
+                <a:ea typeface="+mn-ea"/>
+                <a:cs typeface="+mn-cs"/>
+              </a:defRPr>
+            </a:lvl7pPr>
+            <a:lvl8pPr marL="3429000" indent="-228600" algn="l" defTabSz="914400" rtl="0" eaLnBrk="1" latinLnBrk="1" hangingPunct="1">
+              <a:lnSpc>
+                <a:spcPct val="90000"/>
+              </a:lnSpc>
+              <a:spcBef>
+                <a:spcPts val="500"/>
+              </a:spcBef>
+              <a:buFont typeface="Arial" panose="020B0604020202020204" pitchFamily="34" charset="0"/>
+              <a:buChar char="•"/>
+              <a:defRPr sz="1800" kern="1200">
+                <a:solidFill>
+                  <a:schemeClr val="tx1"/>
+                </a:solidFill>
+                <a:latin typeface="+mn-lt"/>
+                <a:ea typeface="+mn-ea"/>
+                <a:cs typeface="+mn-cs"/>
+              </a:defRPr>
+            </a:lvl8pPr>
+            <a:lvl9pPr marL="3886200" indent="-228600" algn="l" defTabSz="914400" rtl="0" eaLnBrk="1" latinLnBrk="1" hangingPunct="1">
+              <a:lnSpc>
+                <a:spcPct val="90000"/>
+              </a:lnSpc>
+              <a:spcBef>
+                <a:spcPts val="500"/>
+              </a:spcBef>
+              <a:buFont typeface="Arial" panose="020B0604020202020204" pitchFamily="34" charset="0"/>
+              <a:buChar char="•"/>
+              <a:defRPr sz="1800" kern="1200">
+                <a:solidFill>
+                  <a:schemeClr val="tx1"/>
+                </a:solidFill>
+                <a:latin typeface="+mn-lt"/>
+                <a:ea typeface="+mn-ea"/>
+                <a:cs typeface="+mn-cs"/>
+              </a:defRPr>
+            </a:lvl9pPr>
+          </a:lstStyle>
+          <a:p>
+            <a:pPr marL="0" indent="0" defTabSz="576000">
+              <a:buNone/>
+            </a:pPr>
+            <a:endParaRPr lang="en-US" altLang="ko-KR" sz="2000" dirty="0">
+              <a:solidFill>
+                <a:schemeClr val="bg1"/>
+              </a:solidFill>
+              <a:latin typeface="Consolas" panose="020B0609020204030204" pitchFamily="49" charset="0"/>
+              <a:ea typeface="돋움체" panose="020B0609000101010101" pitchFamily="49" charset="-127"/>
+            </a:endParaRPr>
+          </a:p>
+          <a:p>
+            <a:pPr marL="0" indent="0" defTabSz="576000">
+              <a:buNone/>
+            </a:pPr>
+            <a:r>
+              <a:rPr lang="en-US" altLang="ko-KR" sz="2000" dirty="0">
+                <a:solidFill>
+                  <a:schemeClr val="bg1"/>
+                </a:solidFill>
+                <a:latin typeface="Consolas" panose="020B0609020204030204" pitchFamily="49" charset="0"/>
+                <a:ea typeface="돋움체" panose="020B0609000101010101" pitchFamily="49" charset="-127"/>
+              </a:rPr>
+              <a:t>	{</a:t>
+            </a:r>
+          </a:p>
+          <a:p>
+            <a:pPr marL="0" indent="0" defTabSz="576000">
+              <a:buNone/>
+            </a:pPr>
+            <a:r>
+              <a:rPr lang="en-US" altLang="ko-KR" sz="2000" dirty="0">
+                <a:solidFill>
+                  <a:schemeClr val="bg1"/>
+                </a:solidFill>
+                <a:latin typeface="Consolas" panose="020B0609020204030204" pitchFamily="49" charset="0"/>
+                <a:ea typeface="돋움체" panose="020B0609000101010101" pitchFamily="49" charset="-127"/>
+              </a:rPr>
+              <a:t>		std::thread t(</a:t>
+            </a:r>
+            <a:r>
+              <a:rPr lang="en-US" altLang="ko-KR" sz="2000" dirty="0" err="1">
+                <a:solidFill>
+                  <a:schemeClr val="bg1"/>
+                </a:solidFill>
+                <a:latin typeface="Consolas" panose="020B0609020204030204" pitchFamily="49" charset="0"/>
+                <a:ea typeface="돋움체" panose="020B0609000101010101" pitchFamily="49" charset="-127"/>
+              </a:rPr>
+              <a:t>threadEntry</a:t>
+            </a:r>
+            <a:r>
+              <a:rPr lang="en-US" altLang="ko-KR" sz="2000" dirty="0">
+                <a:solidFill>
+                  <a:schemeClr val="bg1"/>
+                </a:solidFill>
+                <a:latin typeface="Consolas" panose="020B0609020204030204" pitchFamily="49" charset="0"/>
+                <a:ea typeface="돋움체" panose="020B0609000101010101" pitchFamily="49" charset="-127"/>
+              </a:rPr>
+              <a:t>);</a:t>
+            </a:r>
+          </a:p>
+          <a:p>
+            <a:pPr marL="0" indent="0" defTabSz="576000">
+              <a:buNone/>
+            </a:pPr>
+            <a:r>
+              <a:rPr lang="en-US" altLang="ko-KR" sz="2000" dirty="0">
+                <a:solidFill>
+                  <a:srgbClr val="00B050"/>
+                </a:solidFill>
+                <a:latin typeface="Consolas" panose="020B0609020204030204" pitchFamily="49" charset="0"/>
+                <a:ea typeface="돋움체" panose="020B0609000101010101" pitchFamily="49" charset="-127"/>
+              </a:rPr>
+              <a:t>		// </a:t>
+            </a:r>
+            <a:r>
+              <a:rPr lang="ko-KR" altLang="en-US" sz="2000" dirty="0">
+                <a:solidFill>
+                  <a:srgbClr val="00B050"/>
+                </a:solidFill>
+                <a:latin typeface="Consolas" panose="020B0609020204030204" pitchFamily="49" charset="0"/>
+                <a:ea typeface="돋움체" panose="020B0609000101010101" pitchFamily="49" charset="-127"/>
+              </a:rPr>
+              <a:t>별개의 작업시작</a:t>
+            </a:r>
+            <a:r>
+              <a:rPr lang="en-US" altLang="ko-KR" sz="2000" dirty="0">
+                <a:solidFill>
+                  <a:srgbClr val="00B050"/>
+                </a:solidFill>
+                <a:latin typeface="Consolas" panose="020B0609020204030204" pitchFamily="49" charset="0"/>
+                <a:ea typeface="돋움체" panose="020B0609000101010101" pitchFamily="49" charset="-127"/>
+              </a:rPr>
+              <a:t>..</a:t>
+            </a:r>
+          </a:p>
+          <a:p>
+            <a:pPr marL="0" indent="0" defTabSz="576000">
+              <a:buNone/>
+            </a:pPr>
+            <a:r>
+              <a:rPr lang="en-US" altLang="ko-KR" sz="2000" dirty="0">
+                <a:solidFill>
+                  <a:srgbClr val="00B050"/>
+                </a:solidFill>
+                <a:latin typeface="Consolas" panose="020B0609020204030204" pitchFamily="49" charset="0"/>
+                <a:ea typeface="돋움체" panose="020B0609000101010101" pitchFamily="49" charset="-127"/>
+              </a:rPr>
+              <a:t>		// …</a:t>
+            </a:r>
+          </a:p>
+          <a:p>
+            <a:pPr marL="0" indent="0" defTabSz="576000">
+              <a:buNone/>
+            </a:pPr>
+            <a:r>
+              <a:rPr lang="en-US" altLang="ko-KR" sz="2000" dirty="0">
+                <a:solidFill>
+                  <a:srgbClr val="00B050"/>
+                </a:solidFill>
+                <a:latin typeface="Consolas" panose="020B0609020204030204" pitchFamily="49" charset="0"/>
+                <a:ea typeface="돋움체" panose="020B0609000101010101" pitchFamily="49" charset="-127"/>
+              </a:rPr>
+              <a:t>		// …</a:t>
+            </a:r>
+          </a:p>
+          <a:p>
+            <a:pPr marL="0" indent="0" defTabSz="576000">
+              <a:buNone/>
+            </a:pPr>
+            <a:r>
+              <a:rPr lang="en-US" altLang="ko-KR" sz="2000" dirty="0">
+                <a:solidFill>
+                  <a:srgbClr val="00B050"/>
+                </a:solidFill>
+                <a:latin typeface="Consolas" panose="020B0609020204030204" pitchFamily="49" charset="0"/>
+                <a:ea typeface="돋움체" panose="020B0609000101010101" pitchFamily="49" charset="-127"/>
+              </a:rPr>
+              <a:t>		// </a:t>
+            </a:r>
+            <a:r>
+              <a:rPr lang="ko-KR" altLang="en-US" sz="2000" dirty="0" err="1">
+                <a:solidFill>
+                  <a:srgbClr val="00B050"/>
+                </a:solidFill>
+                <a:latin typeface="Consolas" panose="020B0609020204030204" pitchFamily="49" charset="0"/>
+                <a:ea typeface="돋움체" panose="020B0609000101010101" pitchFamily="49" charset="-127"/>
+              </a:rPr>
+              <a:t>작업끝</a:t>
+            </a:r>
+            <a:r>
+              <a:rPr lang="en-US" altLang="ko-KR" sz="2000" dirty="0">
+                <a:solidFill>
+                  <a:srgbClr val="00B050"/>
+                </a:solidFill>
+                <a:latin typeface="Consolas" panose="020B0609020204030204" pitchFamily="49" charset="0"/>
+                <a:ea typeface="돋움체" panose="020B0609000101010101" pitchFamily="49" charset="-127"/>
+              </a:rPr>
+              <a:t>..</a:t>
+            </a:r>
+          </a:p>
+          <a:p>
+            <a:pPr marL="0" indent="0" defTabSz="576000">
+              <a:buNone/>
+            </a:pPr>
+            <a:r>
+              <a:rPr lang="en-US" altLang="ko-KR" sz="2000" dirty="0">
+                <a:solidFill>
+                  <a:schemeClr val="bg1"/>
+                </a:solidFill>
+                <a:latin typeface="Consolas" panose="020B0609020204030204" pitchFamily="49" charset="0"/>
+                <a:ea typeface="돋움체" panose="020B0609000101010101" pitchFamily="49" charset="-127"/>
+              </a:rPr>
+              <a:t>		</a:t>
+            </a:r>
+            <a:r>
+              <a:rPr lang="en-US" altLang="ko-KR" sz="2000" dirty="0" err="1">
+                <a:solidFill>
+                  <a:schemeClr val="bg1"/>
+                </a:solidFill>
+                <a:latin typeface="Consolas" panose="020B0609020204030204" pitchFamily="49" charset="0"/>
+                <a:ea typeface="돋움체" panose="020B0609000101010101" pitchFamily="49" charset="-127"/>
+              </a:rPr>
+              <a:t>t.join</a:t>
+            </a:r>
+            <a:r>
+              <a:rPr lang="en-US" altLang="ko-KR" sz="2000" dirty="0">
+                <a:solidFill>
+                  <a:schemeClr val="bg1"/>
+                </a:solidFill>
+                <a:latin typeface="Consolas" panose="020B0609020204030204" pitchFamily="49" charset="0"/>
+                <a:ea typeface="돋움체" panose="020B0609000101010101" pitchFamily="49" charset="-127"/>
+              </a:rPr>
+              <a:t>()</a:t>
+            </a:r>
+          </a:p>
+          <a:p>
+            <a:pPr marL="0" indent="0" defTabSz="576000">
+              <a:buNone/>
+            </a:pPr>
+            <a:r>
+              <a:rPr lang="en-US" altLang="ko-KR" sz="2000" dirty="0">
+                <a:solidFill>
+                  <a:schemeClr val="bg1"/>
+                </a:solidFill>
+                <a:latin typeface="Consolas" panose="020B0609020204030204" pitchFamily="49" charset="0"/>
+                <a:ea typeface="돋움체" panose="020B0609000101010101" pitchFamily="49" charset="-127"/>
+              </a:rPr>
+              <a:t>	}</a:t>
+            </a:r>
+            <a:r>
+              <a:rPr lang="en-US" altLang="ko-KR" sz="2000" dirty="0">
+                <a:solidFill>
+                  <a:srgbClr val="00B050"/>
+                </a:solidFill>
+                <a:latin typeface="Consolas" panose="020B0609020204030204" pitchFamily="49" charset="0"/>
+                <a:ea typeface="돋움체" panose="020B0609000101010101" pitchFamily="49" charset="-127"/>
+              </a:rPr>
+              <a:t>	</a:t>
+            </a:r>
+          </a:p>
+        </p:txBody>
+      </p:sp>
+    </p:spTree>
+    <p:extLst>
+      <p:ext uri="{BB962C8B-B14F-4D97-AF65-F5344CB8AC3E}">
+        <p14:creationId xmlns:p14="http://schemas.microsoft.com/office/powerpoint/2010/main" val="1632879667"/>
+      </p:ext>
+    </p:extLst>
+  </p:cSld>
+  <p:clrMapOvr>
+    <a:masterClrMapping/>
+  </p:clrMapOvr>
+</p:sld>
+</file>
+
+<file path=ppt/slides/slide13.xml><?xml version="1.0" encoding="utf-8"?>
+<p:sld xmlns:a="http://schemas.openxmlformats.org/drawingml/2006/main" xmlns:r="http://schemas.openxmlformats.org/officeDocument/2006/relationships" xmlns:p="http://schemas.openxmlformats.org/presentationml/2006/main">
+  <p:cSld>
+    <p:spTree>
+      <p:nvGrpSpPr>
+        <p:cNvPr id="1" name=""/>
+        <p:cNvGrpSpPr/>
+        <p:nvPr/>
+      </p:nvGrpSpPr>
+      <p:grpSpPr>
+        <a:xfrm>
+          <a:off x="0" y="0"/>
+          <a:ext cx="0" cy="0"/>
+          <a:chOff x="0" y="0"/>
+          <a:chExt cx="0" cy="0"/>
+        </a:xfrm>
+      </p:grpSpPr>
+      <p:sp>
+        <p:nvSpPr>
+          <p:cNvPr id="2" name="제목 1">
+            <a:extLst>
+              <a:ext uri="{FF2B5EF4-FFF2-40B4-BE49-F238E27FC236}">
+                <a16:creationId xmlns:a16="http://schemas.microsoft.com/office/drawing/2014/main" id="{AC11968B-3A0C-41D2-B521-9AD362E9A18C}"/>
+              </a:ext>
+            </a:extLst>
+          </p:cNvPr>
+          <p:cNvSpPr>
+            <a:spLocks noGrp="1"/>
+          </p:cNvSpPr>
+          <p:nvPr>
+            <p:ph type="title"/>
+          </p:nvPr>
+        </p:nvSpPr>
+        <p:spPr/>
+        <p:txBody>
+          <a:bodyPr/>
+          <a:lstStyle/>
+          <a:p>
+            <a:r>
+              <a:rPr lang="ko-KR" altLang="en-US" dirty="0"/>
+              <a:t>무조건 </a:t>
+            </a:r>
+            <a:r>
+              <a:rPr lang="en-US" altLang="ko-KR" dirty="0"/>
+              <a:t>join() </a:t>
+            </a:r>
+            <a:r>
+              <a:rPr lang="ko-KR" altLang="en-US" dirty="0"/>
+              <a:t>하면 되지 않나요</a:t>
+            </a:r>
+            <a:r>
+              <a:rPr lang="en-US" altLang="ko-KR" dirty="0"/>
+              <a:t>?</a:t>
+            </a:r>
+            <a:endParaRPr lang="ko-KR" altLang="en-US" dirty="0"/>
+          </a:p>
+        </p:txBody>
+      </p:sp>
+      <p:sp>
+        <p:nvSpPr>
+          <p:cNvPr id="4" name="내용 개체 틀 2">
+            <a:extLst>
+              <a:ext uri="{FF2B5EF4-FFF2-40B4-BE49-F238E27FC236}">
+                <a16:creationId xmlns:a16="http://schemas.microsoft.com/office/drawing/2014/main" id="{B9E266A2-0035-4F13-8EDD-687D08A2EE0A}"/>
+              </a:ext>
+            </a:extLst>
+          </p:cNvPr>
+          <p:cNvSpPr txBox="1">
+            <a:spLocks/>
+          </p:cNvSpPr>
+          <p:nvPr/>
+        </p:nvSpPr>
+        <p:spPr>
+          <a:xfrm>
+            <a:off x="838200" y="1897380"/>
+            <a:ext cx="10515600" cy="4123373"/>
+          </a:xfrm>
+          <a:prstGeom prst="rect">
+            <a:avLst/>
+          </a:prstGeom>
+          <a:solidFill>
+            <a:schemeClr val="tx1"/>
+          </a:solidFill>
+        </p:spPr>
+        <p:txBody>
+          <a:bodyPr vert="horz" lIns="91440" tIns="45720" rIns="91440" bIns="45720" rtlCol="0">
+            <a:normAutofit/>
+          </a:bodyPr>
+          <a:lstStyle>
+            <a:lvl1pPr marL="228600" indent="-228600" algn="l" defTabSz="914400" rtl="0" eaLnBrk="1" latinLnBrk="1" hangingPunct="1">
+              <a:lnSpc>
+                <a:spcPct val="90000"/>
+              </a:lnSpc>
+              <a:spcBef>
+                <a:spcPts val="1000"/>
+              </a:spcBef>
+              <a:buFont typeface="Arial" panose="020B0604020202020204" pitchFamily="34" charset="0"/>
+              <a:buChar char="•"/>
+              <a:defRPr sz="2800" kern="1200">
+                <a:solidFill>
+                  <a:schemeClr val="tx1"/>
+                </a:solidFill>
+                <a:latin typeface="+mn-lt"/>
+                <a:ea typeface="+mn-ea"/>
+                <a:cs typeface="+mn-cs"/>
+              </a:defRPr>
+            </a:lvl1pPr>
+            <a:lvl2pPr marL="685800" indent="-228600" algn="l" defTabSz="914400" rtl="0" eaLnBrk="1" latinLnBrk="1" hangingPunct="1">
+              <a:lnSpc>
+                <a:spcPct val="90000"/>
+              </a:lnSpc>
+              <a:spcBef>
+                <a:spcPts val="500"/>
+              </a:spcBef>
+              <a:buFont typeface="Arial" panose="020B0604020202020204" pitchFamily="34" charset="0"/>
+              <a:buChar char="•"/>
+              <a:defRPr sz="2400" kern="1200">
+                <a:solidFill>
+                  <a:schemeClr val="tx1"/>
+                </a:solidFill>
+                <a:latin typeface="+mn-lt"/>
+                <a:ea typeface="+mn-ea"/>
+                <a:cs typeface="+mn-cs"/>
+              </a:defRPr>
+            </a:lvl2pPr>
+            <a:lvl3pPr marL="1143000" indent="-228600" algn="l" defTabSz="914400" rtl="0" eaLnBrk="1" latinLnBrk="1" hangingPunct="1">
+              <a:lnSpc>
+                <a:spcPct val="90000"/>
+              </a:lnSpc>
+              <a:spcBef>
+                <a:spcPts val="500"/>
+              </a:spcBef>
+              <a:buFont typeface="Arial" panose="020B0604020202020204" pitchFamily="34" charset="0"/>
+              <a:buChar char="•"/>
+              <a:defRPr sz="2000" kern="1200">
+                <a:solidFill>
+                  <a:schemeClr val="tx1"/>
+                </a:solidFill>
+                <a:latin typeface="+mn-lt"/>
+                <a:ea typeface="+mn-ea"/>
+                <a:cs typeface="+mn-cs"/>
+              </a:defRPr>
+            </a:lvl3pPr>
+            <a:lvl4pPr marL="1600200" indent="-228600" algn="l" defTabSz="914400" rtl="0" eaLnBrk="1" latinLnBrk="1" hangingPunct="1">
+              <a:lnSpc>
+                <a:spcPct val="90000"/>
+              </a:lnSpc>
+              <a:spcBef>
+                <a:spcPts val="500"/>
+              </a:spcBef>
+              <a:buFont typeface="Arial" panose="020B0604020202020204" pitchFamily="34" charset="0"/>
+              <a:buChar char="•"/>
+              <a:defRPr sz="1800" kern="1200">
+                <a:solidFill>
+                  <a:schemeClr val="tx1"/>
+                </a:solidFill>
+                <a:latin typeface="+mn-lt"/>
+                <a:ea typeface="+mn-ea"/>
+                <a:cs typeface="+mn-cs"/>
+              </a:defRPr>
+            </a:lvl4pPr>
+            <a:lvl5pPr marL="2057400" indent="-228600" algn="l" defTabSz="914400" rtl="0" eaLnBrk="1" latinLnBrk="1" hangingPunct="1">
+              <a:lnSpc>
+                <a:spcPct val="90000"/>
+              </a:lnSpc>
+              <a:spcBef>
+                <a:spcPts val="500"/>
+              </a:spcBef>
+              <a:buFont typeface="Arial" panose="020B0604020202020204" pitchFamily="34" charset="0"/>
+              <a:buChar char="•"/>
+              <a:defRPr sz="1800" kern="1200">
+                <a:solidFill>
+                  <a:schemeClr val="tx1"/>
+                </a:solidFill>
+                <a:latin typeface="+mn-lt"/>
+                <a:ea typeface="+mn-ea"/>
+                <a:cs typeface="+mn-cs"/>
+              </a:defRPr>
+            </a:lvl5pPr>
+            <a:lvl6pPr marL="2514600" indent="-228600" algn="l" defTabSz="914400" rtl="0" eaLnBrk="1" latinLnBrk="1" hangingPunct="1">
+              <a:lnSpc>
+                <a:spcPct val="90000"/>
+              </a:lnSpc>
+              <a:spcBef>
+                <a:spcPts val="500"/>
+              </a:spcBef>
+              <a:buFont typeface="Arial" panose="020B0604020202020204" pitchFamily="34" charset="0"/>
+              <a:buChar char="•"/>
+              <a:defRPr sz="1800" kern="1200">
+                <a:solidFill>
+                  <a:schemeClr val="tx1"/>
+                </a:solidFill>
+                <a:latin typeface="+mn-lt"/>
+                <a:ea typeface="+mn-ea"/>
+                <a:cs typeface="+mn-cs"/>
+              </a:defRPr>
+            </a:lvl6pPr>
+            <a:lvl7pPr marL="2971800" indent="-228600" algn="l" defTabSz="914400" rtl="0" eaLnBrk="1" latinLnBrk="1" hangingPunct="1">
+              <a:lnSpc>
+                <a:spcPct val="90000"/>
+              </a:lnSpc>
+              <a:spcBef>
+                <a:spcPts val="500"/>
+              </a:spcBef>
+              <a:buFont typeface="Arial" panose="020B0604020202020204" pitchFamily="34" charset="0"/>
+              <a:buChar char="•"/>
+              <a:defRPr sz="1800" kern="1200">
+                <a:solidFill>
+                  <a:schemeClr val="tx1"/>
+                </a:solidFill>
+                <a:latin typeface="+mn-lt"/>
+                <a:ea typeface="+mn-ea"/>
+                <a:cs typeface="+mn-cs"/>
+              </a:defRPr>
+            </a:lvl7pPr>
+            <a:lvl8pPr marL="3429000" indent="-228600" algn="l" defTabSz="914400" rtl="0" eaLnBrk="1" latinLnBrk="1" hangingPunct="1">
+              <a:lnSpc>
+                <a:spcPct val="90000"/>
+              </a:lnSpc>
+              <a:spcBef>
+                <a:spcPts val="500"/>
+              </a:spcBef>
+              <a:buFont typeface="Arial" panose="020B0604020202020204" pitchFamily="34" charset="0"/>
+              <a:buChar char="•"/>
+              <a:defRPr sz="1800" kern="1200">
+                <a:solidFill>
+                  <a:schemeClr val="tx1"/>
+                </a:solidFill>
+                <a:latin typeface="+mn-lt"/>
+                <a:ea typeface="+mn-ea"/>
+                <a:cs typeface="+mn-cs"/>
+              </a:defRPr>
+            </a:lvl8pPr>
+            <a:lvl9pPr marL="3886200" indent="-228600" algn="l" defTabSz="914400" rtl="0" eaLnBrk="1" latinLnBrk="1" hangingPunct="1">
+              <a:lnSpc>
+                <a:spcPct val="90000"/>
+              </a:lnSpc>
+              <a:spcBef>
+                <a:spcPts val="500"/>
+              </a:spcBef>
+              <a:buFont typeface="Arial" panose="020B0604020202020204" pitchFamily="34" charset="0"/>
+              <a:buChar char="•"/>
+              <a:defRPr sz="1800" kern="1200">
+                <a:solidFill>
+                  <a:schemeClr val="tx1"/>
+                </a:solidFill>
+                <a:latin typeface="+mn-lt"/>
+                <a:ea typeface="+mn-ea"/>
+                <a:cs typeface="+mn-cs"/>
+              </a:defRPr>
+            </a:lvl9pPr>
+          </a:lstStyle>
+          <a:p>
+            <a:pPr marL="0" indent="0" defTabSz="576000">
+              <a:buNone/>
+            </a:pPr>
+            <a:endParaRPr lang="en-US" altLang="ko-KR" sz="2000" dirty="0">
+              <a:solidFill>
+                <a:schemeClr val="bg1"/>
+              </a:solidFill>
+              <a:latin typeface="Consolas" panose="020B0609020204030204" pitchFamily="49" charset="0"/>
+              <a:ea typeface="돋움체" panose="020B0609000101010101" pitchFamily="49" charset="-127"/>
+            </a:endParaRPr>
+          </a:p>
+          <a:p>
+            <a:pPr marL="0" indent="0" defTabSz="576000">
+              <a:buNone/>
+            </a:pPr>
+            <a:r>
+              <a:rPr lang="en-US" altLang="ko-KR" sz="2000" dirty="0">
+                <a:solidFill>
+                  <a:schemeClr val="bg1"/>
+                </a:solidFill>
+                <a:latin typeface="Consolas" panose="020B0609020204030204" pitchFamily="49" charset="0"/>
+                <a:ea typeface="돋움체" panose="020B0609000101010101" pitchFamily="49" charset="-127"/>
+              </a:rPr>
+              <a:t>	{</a:t>
+            </a:r>
+          </a:p>
+          <a:p>
+            <a:pPr marL="0" indent="0" defTabSz="576000">
+              <a:buNone/>
+            </a:pPr>
+            <a:r>
+              <a:rPr lang="en-US" altLang="ko-KR" sz="2000" dirty="0">
+                <a:solidFill>
+                  <a:schemeClr val="bg1"/>
+                </a:solidFill>
+                <a:latin typeface="Consolas" panose="020B0609020204030204" pitchFamily="49" charset="0"/>
+                <a:ea typeface="돋움체" panose="020B0609000101010101" pitchFamily="49" charset="-127"/>
+              </a:rPr>
+              <a:t>		std::thread t(</a:t>
+            </a:r>
+            <a:r>
+              <a:rPr lang="en-US" altLang="ko-KR" sz="2000" dirty="0" err="1">
+                <a:solidFill>
+                  <a:schemeClr val="bg1"/>
+                </a:solidFill>
+                <a:latin typeface="Consolas" panose="020B0609020204030204" pitchFamily="49" charset="0"/>
+                <a:ea typeface="돋움체" panose="020B0609000101010101" pitchFamily="49" charset="-127"/>
+              </a:rPr>
+              <a:t>threadEntry</a:t>
+            </a:r>
+            <a:r>
+              <a:rPr lang="en-US" altLang="ko-KR" sz="2000" dirty="0">
+                <a:solidFill>
+                  <a:schemeClr val="bg1"/>
+                </a:solidFill>
+                <a:latin typeface="Consolas" panose="020B0609020204030204" pitchFamily="49" charset="0"/>
+                <a:ea typeface="돋움체" panose="020B0609000101010101" pitchFamily="49" charset="-127"/>
+              </a:rPr>
+              <a:t>);</a:t>
+            </a:r>
+          </a:p>
+          <a:p>
+            <a:pPr marL="0" indent="0" defTabSz="576000">
+              <a:buNone/>
+            </a:pPr>
+            <a:r>
+              <a:rPr lang="en-US" altLang="ko-KR" sz="2000" dirty="0">
+                <a:solidFill>
+                  <a:srgbClr val="00B050"/>
+                </a:solidFill>
+                <a:latin typeface="Consolas" panose="020B0609020204030204" pitchFamily="49" charset="0"/>
+                <a:ea typeface="돋움체" panose="020B0609000101010101" pitchFamily="49" charset="-127"/>
+              </a:rPr>
+              <a:t>		// </a:t>
+            </a:r>
+            <a:r>
+              <a:rPr lang="ko-KR" altLang="en-US" sz="2000" dirty="0">
+                <a:solidFill>
+                  <a:srgbClr val="00B050"/>
+                </a:solidFill>
+                <a:latin typeface="Consolas" panose="020B0609020204030204" pitchFamily="49" charset="0"/>
+                <a:ea typeface="돋움체" panose="020B0609000101010101" pitchFamily="49" charset="-127"/>
+              </a:rPr>
+              <a:t>별개의 작업시작</a:t>
+            </a:r>
+            <a:r>
+              <a:rPr lang="en-US" altLang="ko-KR" sz="2000" dirty="0">
+                <a:solidFill>
+                  <a:srgbClr val="00B050"/>
+                </a:solidFill>
+                <a:latin typeface="Consolas" panose="020B0609020204030204" pitchFamily="49" charset="0"/>
+                <a:ea typeface="돋움체" panose="020B0609000101010101" pitchFamily="49" charset="-127"/>
+              </a:rPr>
+              <a:t>..</a:t>
+            </a:r>
+          </a:p>
+          <a:p>
+            <a:pPr marL="0" indent="0" defTabSz="576000">
+              <a:buNone/>
+            </a:pPr>
+            <a:r>
+              <a:rPr lang="en-US" altLang="ko-KR" sz="2000" dirty="0">
+                <a:solidFill>
+                  <a:srgbClr val="00B050"/>
+                </a:solidFill>
+                <a:latin typeface="Consolas" panose="020B0609020204030204" pitchFamily="49" charset="0"/>
+                <a:ea typeface="돋움체" panose="020B0609000101010101" pitchFamily="49" charset="-127"/>
+              </a:rPr>
+              <a:t>		// …</a:t>
+            </a:r>
+          </a:p>
+          <a:p>
+            <a:pPr marL="0" indent="0" defTabSz="576000">
+              <a:buNone/>
+            </a:pPr>
+            <a:r>
+              <a:rPr lang="en-US" altLang="ko-KR" sz="2000" dirty="0">
+                <a:solidFill>
+                  <a:srgbClr val="00B050"/>
+                </a:solidFill>
+                <a:latin typeface="Consolas" panose="020B0609020204030204" pitchFamily="49" charset="0"/>
+                <a:ea typeface="돋움체" panose="020B0609000101010101" pitchFamily="49" charset="-127"/>
+              </a:rPr>
+              <a:t>		// …</a:t>
+            </a:r>
+          </a:p>
+          <a:p>
+            <a:pPr marL="0" indent="0" defTabSz="576000">
+              <a:buNone/>
+            </a:pPr>
+            <a:r>
+              <a:rPr lang="en-US" altLang="ko-KR" sz="2000" dirty="0">
+                <a:solidFill>
+                  <a:srgbClr val="00B050"/>
+                </a:solidFill>
+                <a:latin typeface="Consolas" panose="020B0609020204030204" pitchFamily="49" charset="0"/>
+                <a:ea typeface="돋움체" panose="020B0609000101010101" pitchFamily="49" charset="-127"/>
+              </a:rPr>
+              <a:t>		// </a:t>
+            </a:r>
+            <a:r>
+              <a:rPr lang="ko-KR" altLang="en-US" sz="2000" dirty="0" err="1">
+                <a:solidFill>
+                  <a:srgbClr val="00B050"/>
+                </a:solidFill>
+                <a:latin typeface="Consolas" panose="020B0609020204030204" pitchFamily="49" charset="0"/>
+                <a:ea typeface="돋움체" panose="020B0609000101010101" pitchFamily="49" charset="-127"/>
+              </a:rPr>
+              <a:t>작업끝</a:t>
+            </a:r>
+            <a:r>
+              <a:rPr lang="en-US" altLang="ko-KR" sz="2000" dirty="0">
+                <a:solidFill>
+                  <a:srgbClr val="00B050"/>
+                </a:solidFill>
+                <a:latin typeface="Consolas" panose="020B0609020204030204" pitchFamily="49" charset="0"/>
+                <a:ea typeface="돋움체" panose="020B0609000101010101" pitchFamily="49" charset="-127"/>
+              </a:rPr>
+              <a:t>..</a:t>
+            </a:r>
+          </a:p>
+          <a:p>
+            <a:pPr marL="0" indent="0" defTabSz="576000">
+              <a:buNone/>
+            </a:pPr>
+            <a:r>
+              <a:rPr lang="en-US" altLang="ko-KR" sz="2000" dirty="0">
+                <a:solidFill>
+                  <a:schemeClr val="bg1"/>
+                </a:solidFill>
+                <a:latin typeface="Consolas" panose="020B0609020204030204" pitchFamily="49" charset="0"/>
+                <a:ea typeface="돋움체" panose="020B0609000101010101" pitchFamily="49" charset="-127"/>
+              </a:rPr>
+              <a:t>		</a:t>
+            </a:r>
+            <a:r>
+              <a:rPr lang="en-US" altLang="ko-KR" sz="2000" dirty="0" err="1">
+                <a:solidFill>
+                  <a:schemeClr val="bg1"/>
+                </a:solidFill>
+                <a:latin typeface="Consolas" panose="020B0609020204030204" pitchFamily="49" charset="0"/>
+                <a:ea typeface="돋움체" panose="020B0609000101010101" pitchFamily="49" charset="-127"/>
+              </a:rPr>
+              <a:t>t.join</a:t>
+            </a:r>
+            <a:r>
+              <a:rPr lang="en-US" altLang="ko-KR" sz="2000" dirty="0">
+                <a:solidFill>
+                  <a:schemeClr val="bg1"/>
+                </a:solidFill>
+                <a:latin typeface="Consolas" panose="020B0609020204030204" pitchFamily="49" charset="0"/>
+                <a:ea typeface="돋움체" panose="020B0609000101010101" pitchFamily="49" charset="-127"/>
+              </a:rPr>
+              <a:t>()</a:t>
+            </a:r>
+          </a:p>
+          <a:p>
+            <a:pPr marL="0" indent="0" defTabSz="576000">
+              <a:buNone/>
+            </a:pPr>
+            <a:r>
+              <a:rPr lang="en-US" altLang="ko-KR" sz="2000" dirty="0">
+                <a:solidFill>
+                  <a:schemeClr val="bg1"/>
+                </a:solidFill>
+                <a:latin typeface="Consolas" panose="020B0609020204030204" pitchFamily="49" charset="0"/>
+                <a:ea typeface="돋움체" panose="020B0609000101010101" pitchFamily="49" charset="-127"/>
+              </a:rPr>
+              <a:t>	}</a:t>
+            </a:r>
+            <a:r>
+              <a:rPr lang="en-US" altLang="ko-KR" sz="2000" dirty="0">
+                <a:solidFill>
+                  <a:srgbClr val="00B050"/>
+                </a:solidFill>
+                <a:latin typeface="Consolas" panose="020B0609020204030204" pitchFamily="49" charset="0"/>
+                <a:ea typeface="돋움체" panose="020B0609000101010101" pitchFamily="49" charset="-127"/>
+              </a:rPr>
+              <a:t>	</a:t>
+            </a:r>
+          </a:p>
+        </p:txBody>
+      </p:sp>
+      <p:pic>
+        <p:nvPicPr>
+          <p:cNvPr id="3" name="그림 2">
+            <a:extLst>
+              <a:ext uri="{FF2B5EF4-FFF2-40B4-BE49-F238E27FC236}">
+                <a16:creationId xmlns:a16="http://schemas.microsoft.com/office/drawing/2014/main" id="{12D4D2A3-8736-479C-9671-A0875386793A}"/>
+              </a:ext>
+            </a:extLst>
+          </p:cNvPr>
+          <p:cNvPicPr>
+            <a:picLocks noChangeAspect="1"/>
+          </p:cNvPicPr>
+          <p:nvPr/>
+        </p:nvPicPr>
+        <p:blipFill>
+          <a:blip r:embed="rId2"/>
+          <a:stretch>
+            <a:fillRect/>
+          </a:stretch>
+        </p:blipFill>
+        <p:spPr>
+          <a:xfrm>
+            <a:off x="0" y="3458069"/>
+            <a:ext cx="12192000" cy="835634"/>
+          </a:xfrm>
+          <a:prstGeom prst="rect">
+            <a:avLst/>
+          </a:prstGeom>
+        </p:spPr>
+      </p:pic>
+    </p:spTree>
+    <p:extLst>
+      <p:ext uri="{BB962C8B-B14F-4D97-AF65-F5344CB8AC3E}">
+        <p14:creationId xmlns:p14="http://schemas.microsoft.com/office/powerpoint/2010/main" val="3044049668"/>
+      </p:ext>
+    </p:extLst>
+  </p:cSld>
+  <p:clrMapOvr>
+    <a:masterClrMapping/>
+  </p:clrMapOvr>
+</p:sld>
+</file>
+
+<file path=ppt/slides/slide14.xml><?xml version="1.0" encoding="utf-8"?>
+<p:sld xmlns:a="http://schemas.openxmlformats.org/drawingml/2006/main" xmlns:r="http://schemas.openxmlformats.org/officeDocument/2006/relationships" xmlns:p="http://schemas.openxmlformats.org/presentationml/2006/main">
+  <p:cSld>
+    <p:spTree>
+      <p:nvGrpSpPr>
+        <p:cNvPr id="1" name=""/>
+        <p:cNvGrpSpPr/>
+        <p:nvPr/>
+      </p:nvGrpSpPr>
+      <p:grpSpPr>
+        <a:xfrm>
+          <a:off x="0" y="0"/>
+          <a:ext cx="0" cy="0"/>
+          <a:chOff x="0" y="0"/>
+          <a:chExt cx="0" cy="0"/>
+        </a:xfrm>
+      </p:grpSpPr>
+      <p:sp>
+        <p:nvSpPr>
+          <p:cNvPr id="2" name="제목 1">
+            <a:extLst>
+              <a:ext uri="{FF2B5EF4-FFF2-40B4-BE49-F238E27FC236}">
+                <a16:creationId xmlns:a16="http://schemas.microsoft.com/office/drawing/2014/main" id="{AC11968B-3A0C-41D2-B521-9AD362E9A18C}"/>
+              </a:ext>
+            </a:extLst>
+          </p:cNvPr>
+          <p:cNvSpPr>
+            <a:spLocks noGrp="1"/>
+          </p:cNvSpPr>
+          <p:nvPr>
+            <p:ph type="title"/>
+          </p:nvPr>
+        </p:nvSpPr>
+        <p:spPr/>
+        <p:txBody>
+          <a:bodyPr/>
+          <a:lstStyle/>
+          <a:p>
+            <a:r>
+              <a:rPr lang="ko-KR" altLang="en-US" dirty="0"/>
+              <a:t>무조건 </a:t>
+            </a:r>
+            <a:r>
+              <a:rPr lang="en-US" altLang="ko-KR" dirty="0"/>
+              <a:t>join() </a:t>
+            </a:r>
+            <a:r>
+              <a:rPr lang="ko-KR" altLang="en-US" dirty="0"/>
+              <a:t>하면 되지 않나요</a:t>
+            </a:r>
+            <a:r>
+              <a:rPr lang="en-US" altLang="ko-KR" dirty="0"/>
+              <a:t>?</a:t>
+            </a:r>
+            <a:endParaRPr lang="ko-KR" altLang="en-US" dirty="0"/>
+          </a:p>
+        </p:txBody>
+      </p:sp>
+      <p:sp>
+        <p:nvSpPr>
+          <p:cNvPr id="4" name="내용 개체 틀 2">
+            <a:extLst>
+              <a:ext uri="{FF2B5EF4-FFF2-40B4-BE49-F238E27FC236}">
+                <a16:creationId xmlns:a16="http://schemas.microsoft.com/office/drawing/2014/main" id="{B9E266A2-0035-4F13-8EDD-687D08A2EE0A}"/>
+              </a:ext>
+            </a:extLst>
+          </p:cNvPr>
+          <p:cNvSpPr txBox="1">
+            <a:spLocks/>
+          </p:cNvSpPr>
+          <p:nvPr/>
+        </p:nvSpPr>
+        <p:spPr>
+          <a:xfrm>
+            <a:off x="838200" y="1897380"/>
+            <a:ext cx="10515600" cy="4123373"/>
+          </a:xfrm>
+          <a:prstGeom prst="rect">
+            <a:avLst/>
+          </a:prstGeom>
+          <a:solidFill>
+            <a:schemeClr val="tx1"/>
+          </a:solidFill>
+        </p:spPr>
+        <p:txBody>
+          <a:bodyPr vert="horz" lIns="91440" tIns="45720" rIns="91440" bIns="45720" rtlCol="0">
+            <a:normAutofit/>
+          </a:bodyPr>
+          <a:lstStyle>
+            <a:lvl1pPr marL="228600" indent="-228600" algn="l" defTabSz="914400" rtl="0" eaLnBrk="1" latinLnBrk="1" hangingPunct="1">
+              <a:lnSpc>
+                <a:spcPct val="90000"/>
+              </a:lnSpc>
+              <a:spcBef>
+                <a:spcPts val="1000"/>
+              </a:spcBef>
+              <a:buFont typeface="Arial" panose="020B0604020202020204" pitchFamily="34" charset="0"/>
+              <a:buChar char="•"/>
+              <a:defRPr sz="2800" kern="1200">
+                <a:solidFill>
+                  <a:schemeClr val="tx1"/>
+                </a:solidFill>
+                <a:latin typeface="+mn-lt"/>
+                <a:ea typeface="+mn-ea"/>
+                <a:cs typeface="+mn-cs"/>
+              </a:defRPr>
+            </a:lvl1pPr>
+            <a:lvl2pPr marL="685800" indent="-228600" algn="l" defTabSz="914400" rtl="0" eaLnBrk="1" latinLnBrk="1" hangingPunct="1">
+              <a:lnSpc>
+                <a:spcPct val="90000"/>
+              </a:lnSpc>
+              <a:spcBef>
+                <a:spcPts val="500"/>
+              </a:spcBef>
+              <a:buFont typeface="Arial" panose="020B0604020202020204" pitchFamily="34" charset="0"/>
+              <a:buChar char="•"/>
+              <a:defRPr sz="2400" kern="1200">
+                <a:solidFill>
+                  <a:schemeClr val="tx1"/>
+                </a:solidFill>
+                <a:latin typeface="+mn-lt"/>
+                <a:ea typeface="+mn-ea"/>
+                <a:cs typeface="+mn-cs"/>
+              </a:defRPr>
+            </a:lvl2pPr>
+            <a:lvl3pPr marL="1143000" indent="-228600" algn="l" defTabSz="914400" rtl="0" eaLnBrk="1" latinLnBrk="1" hangingPunct="1">
+              <a:lnSpc>
+                <a:spcPct val="90000"/>
+              </a:lnSpc>
+              <a:spcBef>
+                <a:spcPts val="500"/>
+              </a:spcBef>
+              <a:buFont typeface="Arial" panose="020B0604020202020204" pitchFamily="34" charset="0"/>
+              <a:buChar char="•"/>
+              <a:defRPr sz="2000" kern="1200">
+                <a:solidFill>
+                  <a:schemeClr val="tx1"/>
+                </a:solidFill>
+                <a:latin typeface="+mn-lt"/>
+                <a:ea typeface="+mn-ea"/>
+                <a:cs typeface="+mn-cs"/>
+              </a:defRPr>
+            </a:lvl3pPr>
+            <a:lvl4pPr marL="1600200" indent="-228600" algn="l" defTabSz="914400" rtl="0" eaLnBrk="1" latinLnBrk="1" hangingPunct="1">
+              <a:lnSpc>
+                <a:spcPct val="90000"/>
+              </a:lnSpc>
+              <a:spcBef>
+                <a:spcPts val="500"/>
+              </a:spcBef>
+              <a:buFont typeface="Arial" panose="020B0604020202020204" pitchFamily="34" charset="0"/>
+              <a:buChar char="•"/>
+              <a:defRPr sz="1800" kern="1200">
+                <a:solidFill>
+                  <a:schemeClr val="tx1"/>
+                </a:solidFill>
+                <a:latin typeface="+mn-lt"/>
+                <a:ea typeface="+mn-ea"/>
+                <a:cs typeface="+mn-cs"/>
+              </a:defRPr>
+            </a:lvl4pPr>
+            <a:lvl5pPr marL="2057400" indent="-228600" algn="l" defTabSz="914400" rtl="0" eaLnBrk="1" latinLnBrk="1" hangingPunct="1">
+              <a:lnSpc>
+                <a:spcPct val="90000"/>
+              </a:lnSpc>
+              <a:spcBef>
+                <a:spcPts val="500"/>
+              </a:spcBef>
+              <a:buFont typeface="Arial" panose="020B0604020202020204" pitchFamily="34" charset="0"/>
+              <a:buChar char="•"/>
+              <a:defRPr sz="1800" kern="1200">
+                <a:solidFill>
+                  <a:schemeClr val="tx1"/>
+                </a:solidFill>
+                <a:latin typeface="+mn-lt"/>
+                <a:ea typeface="+mn-ea"/>
+                <a:cs typeface="+mn-cs"/>
+              </a:defRPr>
+            </a:lvl5pPr>
+            <a:lvl6pPr marL="2514600" indent="-228600" algn="l" defTabSz="914400" rtl="0" eaLnBrk="1" latinLnBrk="1" hangingPunct="1">
+              <a:lnSpc>
+                <a:spcPct val="90000"/>
+              </a:lnSpc>
+              <a:spcBef>
+                <a:spcPts val="500"/>
+              </a:spcBef>
+              <a:buFont typeface="Arial" panose="020B0604020202020204" pitchFamily="34" charset="0"/>
+              <a:buChar char="•"/>
+              <a:defRPr sz="1800" kern="1200">
+                <a:solidFill>
+                  <a:schemeClr val="tx1"/>
+                </a:solidFill>
+                <a:latin typeface="+mn-lt"/>
+                <a:ea typeface="+mn-ea"/>
+                <a:cs typeface="+mn-cs"/>
+              </a:defRPr>
+            </a:lvl6pPr>
+            <a:lvl7pPr marL="2971800" indent="-228600" algn="l" defTabSz="914400" rtl="0" eaLnBrk="1" latinLnBrk="1" hangingPunct="1">
+              <a:lnSpc>
+                <a:spcPct val="90000"/>
+              </a:lnSpc>
+              <a:spcBef>
+                <a:spcPts val="500"/>
+              </a:spcBef>
+              <a:buFont typeface="Arial" panose="020B0604020202020204" pitchFamily="34" charset="0"/>
+              <a:buChar char="•"/>
+              <a:defRPr sz="1800" kern="1200">
+                <a:solidFill>
+                  <a:schemeClr val="tx1"/>
+                </a:solidFill>
+                <a:latin typeface="+mn-lt"/>
+                <a:ea typeface="+mn-ea"/>
+                <a:cs typeface="+mn-cs"/>
+              </a:defRPr>
+            </a:lvl7pPr>
+            <a:lvl8pPr marL="3429000" indent="-228600" algn="l" defTabSz="914400" rtl="0" eaLnBrk="1" latinLnBrk="1" hangingPunct="1">
+              <a:lnSpc>
+                <a:spcPct val="90000"/>
+              </a:lnSpc>
+              <a:spcBef>
+                <a:spcPts val="500"/>
+              </a:spcBef>
+              <a:buFont typeface="Arial" panose="020B0604020202020204" pitchFamily="34" charset="0"/>
+              <a:buChar char="•"/>
+              <a:defRPr sz="1800" kern="1200">
+                <a:solidFill>
+                  <a:schemeClr val="tx1"/>
+                </a:solidFill>
+                <a:latin typeface="+mn-lt"/>
+                <a:ea typeface="+mn-ea"/>
+                <a:cs typeface="+mn-cs"/>
+              </a:defRPr>
+            </a:lvl8pPr>
+            <a:lvl9pPr marL="3886200" indent="-228600" algn="l" defTabSz="914400" rtl="0" eaLnBrk="1" latinLnBrk="1" hangingPunct="1">
+              <a:lnSpc>
+                <a:spcPct val="90000"/>
+              </a:lnSpc>
+              <a:spcBef>
+                <a:spcPts val="500"/>
+              </a:spcBef>
+              <a:buFont typeface="Arial" panose="020B0604020202020204" pitchFamily="34" charset="0"/>
+              <a:buChar char="•"/>
+              <a:defRPr sz="1800" kern="1200">
+                <a:solidFill>
+                  <a:schemeClr val="tx1"/>
+                </a:solidFill>
+                <a:latin typeface="+mn-lt"/>
+                <a:ea typeface="+mn-ea"/>
+                <a:cs typeface="+mn-cs"/>
+              </a:defRPr>
+            </a:lvl9pPr>
+          </a:lstStyle>
+          <a:p>
+            <a:pPr marL="0" indent="0" defTabSz="576000">
+              <a:buNone/>
+            </a:pPr>
+            <a:endParaRPr lang="en-US" altLang="ko-KR" sz="2000" dirty="0">
+              <a:solidFill>
+                <a:schemeClr val="bg1"/>
+              </a:solidFill>
+              <a:latin typeface="Consolas" panose="020B0609020204030204" pitchFamily="49" charset="0"/>
+              <a:ea typeface="돋움체" panose="020B0609000101010101" pitchFamily="49" charset="-127"/>
+            </a:endParaRPr>
+          </a:p>
+          <a:p>
+            <a:pPr marL="0" indent="0" defTabSz="576000">
+              <a:buNone/>
+            </a:pPr>
+            <a:r>
+              <a:rPr lang="en-US" altLang="ko-KR" sz="2000" dirty="0">
+                <a:solidFill>
+                  <a:schemeClr val="bg1"/>
+                </a:solidFill>
+                <a:latin typeface="Consolas" panose="020B0609020204030204" pitchFamily="49" charset="0"/>
+                <a:ea typeface="돋움체" panose="020B0609000101010101" pitchFamily="49" charset="-127"/>
+              </a:rPr>
+              <a:t>	{</a:t>
+            </a:r>
+          </a:p>
+          <a:p>
+            <a:pPr marL="0" indent="0" defTabSz="576000">
+              <a:buNone/>
+            </a:pPr>
+            <a:r>
+              <a:rPr lang="en-US" altLang="ko-KR" sz="2000" dirty="0">
+                <a:solidFill>
+                  <a:schemeClr val="bg1"/>
+                </a:solidFill>
+                <a:latin typeface="Consolas" panose="020B0609020204030204" pitchFamily="49" charset="0"/>
+                <a:ea typeface="돋움체" panose="020B0609000101010101" pitchFamily="49" charset="-127"/>
+              </a:rPr>
+              <a:t>		std::thread t(</a:t>
+            </a:r>
+            <a:r>
+              <a:rPr lang="en-US" altLang="ko-KR" sz="2000" dirty="0" err="1">
+                <a:solidFill>
+                  <a:schemeClr val="bg1"/>
+                </a:solidFill>
+                <a:latin typeface="Consolas" panose="020B0609020204030204" pitchFamily="49" charset="0"/>
+                <a:ea typeface="돋움체" panose="020B0609000101010101" pitchFamily="49" charset="-127"/>
+              </a:rPr>
+              <a:t>threadEntry</a:t>
+            </a:r>
+            <a:r>
+              <a:rPr lang="en-US" altLang="ko-KR" sz="2000" dirty="0">
+                <a:solidFill>
+                  <a:schemeClr val="bg1"/>
+                </a:solidFill>
+                <a:latin typeface="Consolas" panose="020B0609020204030204" pitchFamily="49" charset="0"/>
+                <a:ea typeface="돋움체" panose="020B0609000101010101" pitchFamily="49" charset="-127"/>
+              </a:rPr>
+              <a:t>);</a:t>
+            </a:r>
+          </a:p>
+          <a:p>
+            <a:pPr marL="0" indent="0" defTabSz="576000">
+              <a:buNone/>
+            </a:pPr>
+            <a:r>
+              <a:rPr lang="en-US" altLang="ko-KR" sz="2000" dirty="0">
+                <a:solidFill>
+                  <a:srgbClr val="00B050"/>
+                </a:solidFill>
+                <a:latin typeface="Consolas" panose="020B0609020204030204" pitchFamily="49" charset="0"/>
+                <a:ea typeface="돋움체" panose="020B0609000101010101" pitchFamily="49" charset="-127"/>
+              </a:rPr>
+              <a:t>		// </a:t>
+            </a:r>
+            <a:r>
+              <a:rPr lang="ko-KR" altLang="en-US" sz="2000" dirty="0">
+                <a:solidFill>
+                  <a:srgbClr val="00B050"/>
+                </a:solidFill>
+                <a:latin typeface="Consolas" panose="020B0609020204030204" pitchFamily="49" charset="0"/>
+                <a:ea typeface="돋움체" panose="020B0609000101010101" pitchFamily="49" charset="-127"/>
+              </a:rPr>
+              <a:t>별개의 작업시작</a:t>
+            </a:r>
+            <a:r>
+              <a:rPr lang="en-US" altLang="ko-KR" sz="2000" dirty="0">
+                <a:solidFill>
+                  <a:srgbClr val="00B050"/>
+                </a:solidFill>
+                <a:latin typeface="Consolas" panose="020B0609020204030204" pitchFamily="49" charset="0"/>
+                <a:ea typeface="돋움체" panose="020B0609000101010101" pitchFamily="49" charset="-127"/>
+              </a:rPr>
+              <a:t>..</a:t>
+            </a:r>
+          </a:p>
+          <a:p>
+            <a:pPr marL="0" indent="0" defTabSz="576000">
+              <a:buNone/>
+            </a:pPr>
+            <a:r>
+              <a:rPr lang="en-US" altLang="ko-KR" sz="2000" dirty="0">
+                <a:solidFill>
+                  <a:schemeClr val="bg1"/>
+                </a:solidFill>
+                <a:latin typeface="Consolas" panose="020B0609020204030204" pitchFamily="49" charset="0"/>
+                <a:ea typeface="돋움체" panose="020B0609000101010101" pitchFamily="49" charset="-127"/>
+              </a:rPr>
+              <a:t>		if (cancel)</a:t>
+            </a:r>
+          </a:p>
+          <a:p>
+            <a:pPr marL="0" indent="0" defTabSz="576000">
+              <a:buNone/>
+            </a:pPr>
+            <a:r>
+              <a:rPr lang="en-US" altLang="ko-KR" sz="2000" dirty="0">
+                <a:solidFill>
+                  <a:schemeClr val="bg1"/>
+                </a:solidFill>
+                <a:latin typeface="Consolas" panose="020B0609020204030204" pitchFamily="49" charset="0"/>
+                <a:ea typeface="돋움체" panose="020B0609000101010101" pitchFamily="49" charset="-127"/>
+              </a:rPr>
+              <a:t>			</a:t>
+            </a:r>
+            <a:r>
+              <a:rPr lang="en-US" altLang="ko-KR" sz="2000" dirty="0">
+                <a:solidFill>
+                  <a:srgbClr val="0070C0"/>
+                </a:solidFill>
+                <a:latin typeface="Consolas" panose="020B0609020204030204" pitchFamily="49" charset="0"/>
+                <a:ea typeface="돋움체" panose="020B0609000101010101" pitchFamily="49" charset="-127"/>
+              </a:rPr>
+              <a:t>return</a:t>
+            </a:r>
+            <a:r>
+              <a:rPr lang="en-US" altLang="ko-KR" sz="2000" dirty="0">
+                <a:solidFill>
+                  <a:schemeClr val="bg1"/>
+                </a:solidFill>
+                <a:latin typeface="Consolas" panose="020B0609020204030204" pitchFamily="49" charset="0"/>
+                <a:ea typeface="돋움체" panose="020B0609000101010101" pitchFamily="49" charset="-127"/>
+              </a:rPr>
+              <a:t>;</a:t>
+            </a:r>
+          </a:p>
+          <a:p>
+            <a:pPr marL="0" indent="0" defTabSz="576000">
+              <a:buNone/>
+            </a:pPr>
+            <a:r>
+              <a:rPr lang="en-US" altLang="ko-KR" sz="2000" dirty="0">
+                <a:solidFill>
+                  <a:srgbClr val="00B050"/>
+                </a:solidFill>
+                <a:latin typeface="Consolas" panose="020B0609020204030204" pitchFamily="49" charset="0"/>
+                <a:ea typeface="돋움체" panose="020B0609000101010101" pitchFamily="49" charset="-127"/>
+              </a:rPr>
+              <a:t>		// </a:t>
+            </a:r>
+            <a:r>
+              <a:rPr lang="ko-KR" altLang="en-US" sz="2000" dirty="0" err="1">
+                <a:solidFill>
+                  <a:srgbClr val="00B050"/>
+                </a:solidFill>
+                <a:latin typeface="Consolas" panose="020B0609020204030204" pitchFamily="49" charset="0"/>
+                <a:ea typeface="돋움체" panose="020B0609000101010101" pitchFamily="49" charset="-127"/>
+              </a:rPr>
+              <a:t>작업끝</a:t>
+            </a:r>
+            <a:r>
+              <a:rPr lang="en-US" altLang="ko-KR" sz="2000" dirty="0">
+                <a:solidFill>
+                  <a:srgbClr val="00B050"/>
+                </a:solidFill>
+                <a:latin typeface="Consolas" panose="020B0609020204030204" pitchFamily="49" charset="0"/>
+                <a:ea typeface="돋움체" panose="020B0609000101010101" pitchFamily="49" charset="-127"/>
+              </a:rPr>
+              <a:t>..</a:t>
+            </a:r>
+          </a:p>
+          <a:p>
+            <a:pPr marL="0" indent="0" defTabSz="576000">
+              <a:buNone/>
+            </a:pPr>
+            <a:r>
+              <a:rPr lang="en-US" altLang="ko-KR" sz="2000" dirty="0">
+                <a:solidFill>
+                  <a:schemeClr val="bg1"/>
+                </a:solidFill>
+                <a:latin typeface="Consolas" panose="020B0609020204030204" pitchFamily="49" charset="0"/>
+                <a:ea typeface="돋움체" panose="020B0609000101010101" pitchFamily="49" charset="-127"/>
+              </a:rPr>
+              <a:t>		</a:t>
+            </a:r>
+            <a:r>
+              <a:rPr lang="en-US" altLang="ko-KR" sz="2000" dirty="0" err="1">
+                <a:solidFill>
+                  <a:schemeClr val="bg1"/>
+                </a:solidFill>
+                <a:latin typeface="Consolas" panose="020B0609020204030204" pitchFamily="49" charset="0"/>
+                <a:ea typeface="돋움체" panose="020B0609000101010101" pitchFamily="49" charset="-127"/>
+              </a:rPr>
+              <a:t>t.join</a:t>
+            </a:r>
+            <a:r>
+              <a:rPr lang="en-US" altLang="ko-KR" sz="2000" dirty="0">
+                <a:solidFill>
+                  <a:schemeClr val="bg1"/>
+                </a:solidFill>
+                <a:latin typeface="Consolas" panose="020B0609020204030204" pitchFamily="49" charset="0"/>
+                <a:ea typeface="돋움체" panose="020B0609000101010101" pitchFamily="49" charset="-127"/>
+              </a:rPr>
+              <a:t>()</a:t>
+            </a:r>
+          </a:p>
+          <a:p>
+            <a:pPr marL="0" indent="0" defTabSz="576000">
+              <a:buNone/>
+            </a:pPr>
+            <a:r>
+              <a:rPr lang="en-US" altLang="ko-KR" sz="2000" dirty="0">
+                <a:solidFill>
+                  <a:schemeClr val="bg1"/>
+                </a:solidFill>
+                <a:latin typeface="Consolas" panose="020B0609020204030204" pitchFamily="49" charset="0"/>
+                <a:ea typeface="돋움체" panose="020B0609000101010101" pitchFamily="49" charset="-127"/>
+              </a:rPr>
+              <a:t>	}</a:t>
+            </a:r>
+            <a:r>
+              <a:rPr lang="en-US" altLang="ko-KR" sz="2000" dirty="0">
+                <a:solidFill>
+                  <a:srgbClr val="00B050"/>
+                </a:solidFill>
+                <a:latin typeface="Consolas" panose="020B0609020204030204" pitchFamily="49" charset="0"/>
+                <a:ea typeface="돋움체" panose="020B0609000101010101" pitchFamily="49" charset="-127"/>
+              </a:rPr>
+              <a:t>	</a:t>
+            </a:r>
+          </a:p>
+        </p:txBody>
+      </p:sp>
+    </p:spTree>
+    <p:extLst>
+      <p:ext uri="{BB962C8B-B14F-4D97-AF65-F5344CB8AC3E}">
+        <p14:creationId xmlns:p14="http://schemas.microsoft.com/office/powerpoint/2010/main" val="2143713712"/>
+      </p:ext>
+    </p:extLst>
+  </p:cSld>
+  <p:clrMapOvr>
+    <a:masterClrMapping/>
+  </p:clrMapOvr>
+</p:sld>
+</file>
+
+<file path=ppt/slides/slide15.xml><?xml version="1.0" encoding="utf-8"?>
+<p:sld xmlns:a="http://schemas.openxmlformats.org/drawingml/2006/main" xmlns:r="http://schemas.openxmlformats.org/officeDocument/2006/relationships" xmlns:p="http://schemas.openxmlformats.org/presentationml/2006/main">
+  <p:cSld>
+    <p:spTree>
+      <p:nvGrpSpPr>
+        <p:cNvPr id="1" name=""/>
+        <p:cNvGrpSpPr/>
+        <p:nvPr/>
+      </p:nvGrpSpPr>
+      <p:grpSpPr>
+        <a:xfrm>
+          <a:off x="0" y="0"/>
+          <a:ext cx="0" cy="0"/>
+          <a:chOff x="0" y="0"/>
+          <a:chExt cx="0" cy="0"/>
+        </a:xfrm>
+      </p:grpSpPr>
+      <p:sp>
+        <p:nvSpPr>
+          <p:cNvPr id="2" name="제목 1">
+            <a:extLst>
+              <a:ext uri="{FF2B5EF4-FFF2-40B4-BE49-F238E27FC236}">
+                <a16:creationId xmlns:a16="http://schemas.microsoft.com/office/drawing/2014/main" id="{AC11968B-3A0C-41D2-B521-9AD362E9A18C}"/>
+              </a:ext>
+            </a:extLst>
+          </p:cNvPr>
+          <p:cNvSpPr>
+            <a:spLocks noGrp="1"/>
+          </p:cNvSpPr>
+          <p:nvPr>
+            <p:ph type="title"/>
+          </p:nvPr>
+        </p:nvSpPr>
+        <p:spPr/>
+        <p:txBody>
+          <a:bodyPr/>
+          <a:lstStyle/>
+          <a:p>
+            <a:r>
+              <a:rPr lang="ko-KR" altLang="en-US" dirty="0"/>
+              <a:t>무조건 </a:t>
+            </a:r>
+            <a:r>
+              <a:rPr lang="en-US" altLang="ko-KR" dirty="0"/>
+              <a:t>join() </a:t>
+            </a:r>
+            <a:r>
+              <a:rPr lang="ko-KR" altLang="en-US" dirty="0"/>
+              <a:t>하면 되지 않나요</a:t>
+            </a:r>
+            <a:r>
+              <a:rPr lang="en-US" altLang="ko-KR" dirty="0"/>
+              <a:t>?</a:t>
+            </a:r>
+            <a:endParaRPr lang="ko-KR" altLang="en-US" dirty="0"/>
+          </a:p>
+        </p:txBody>
+      </p:sp>
+      <p:sp>
+        <p:nvSpPr>
+          <p:cNvPr id="4" name="내용 개체 틀 2">
+            <a:extLst>
+              <a:ext uri="{FF2B5EF4-FFF2-40B4-BE49-F238E27FC236}">
+                <a16:creationId xmlns:a16="http://schemas.microsoft.com/office/drawing/2014/main" id="{B9E266A2-0035-4F13-8EDD-687D08A2EE0A}"/>
+              </a:ext>
+            </a:extLst>
+          </p:cNvPr>
+          <p:cNvSpPr txBox="1">
+            <a:spLocks/>
+          </p:cNvSpPr>
+          <p:nvPr/>
+        </p:nvSpPr>
+        <p:spPr>
+          <a:xfrm>
+            <a:off x="838200" y="1897380"/>
+            <a:ext cx="10515600" cy="4123373"/>
+          </a:xfrm>
+          <a:prstGeom prst="rect">
+            <a:avLst/>
+          </a:prstGeom>
+          <a:solidFill>
+            <a:schemeClr val="tx1"/>
+          </a:solidFill>
+        </p:spPr>
+        <p:txBody>
+          <a:bodyPr vert="horz" lIns="91440" tIns="45720" rIns="91440" bIns="45720" rtlCol="0">
+            <a:normAutofit/>
+          </a:bodyPr>
+          <a:lstStyle>
+            <a:lvl1pPr marL="228600" indent="-228600" algn="l" defTabSz="914400" rtl="0" eaLnBrk="1" latinLnBrk="1" hangingPunct="1">
+              <a:lnSpc>
+                <a:spcPct val="90000"/>
+              </a:lnSpc>
+              <a:spcBef>
+                <a:spcPts val="1000"/>
+              </a:spcBef>
+              <a:buFont typeface="Arial" panose="020B0604020202020204" pitchFamily="34" charset="0"/>
+              <a:buChar char="•"/>
+              <a:defRPr sz="2800" kern="1200">
+                <a:solidFill>
+                  <a:schemeClr val="tx1"/>
+                </a:solidFill>
+                <a:latin typeface="+mn-lt"/>
+                <a:ea typeface="+mn-ea"/>
+                <a:cs typeface="+mn-cs"/>
+              </a:defRPr>
+            </a:lvl1pPr>
+            <a:lvl2pPr marL="685800" indent="-228600" algn="l" defTabSz="914400" rtl="0" eaLnBrk="1" latinLnBrk="1" hangingPunct="1">
+              <a:lnSpc>
+                <a:spcPct val="90000"/>
+              </a:lnSpc>
+              <a:spcBef>
+                <a:spcPts val="500"/>
+              </a:spcBef>
+              <a:buFont typeface="Arial" panose="020B0604020202020204" pitchFamily="34" charset="0"/>
+              <a:buChar char="•"/>
+              <a:defRPr sz="2400" kern="1200">
+                <a:solidFill>
+                  <a:schemeClr val="tx1"/>
+                </a:solidFill>
+                <a:latin typeface="+mn-lt"/>
+                <a:ea typeface="+mn-ea"/>
+                <a:cs typeface="+mn-cs"/>
+              </a:defRPr>
+            </a:lvl2pPr>
+            <a:lvl3pPr marL="1143000" indent="-228600" algn="l" defTabSz="914400" rtl="0" eaLnBrk="1" latinLnBrk="1" hangingPunct="1">
+              <a:lnSpc>
+                <a:spcPct val="90000"/>
+              </a:lnSpc>
+              <a:spcBef>
+                <a:spcPts val="500"/>
+              </a:spcBef>
+              <a:buFont typeface="Arial" panose="020B0604020202020204" pitchFamily="34" charset="0"/>
+              <a:buChar char="•"/>
+              <a:defRPr sz="2000" kern="1200">
+                <a:solidFill>
+                  <a:schemeClr val="tx1"/>
+                </a:solidFill>
+                <a:latin typeface="+mn-lt"/>
+                <a:ea typeface="+mn-ea"/>
+                <a:cs typeface="+mn-cs"/>
+              </a:defRPr>
+            </a:lvl3pPr>
+            <a:lvl4pPr marL="1600200" indent="-228600" algn="l" defTabSz="914400" rtl="0" eaLnBrk="1" latinLnBrk="1" hangingPunct="1">
+              <a:lnSpc>
+                <a:spcPct val="90000"/>
+              </a:lnSpc>
+              <a:spcBef>
+                <a:spcPts val="500"/>
+              </a:spcBef>
+              <a:buFont typeface="Arial" panose="020B0604020202020204" pitchFamily="34" charset="0"/>
+              <a:buChar char="•"/>
+              <a:defRPr sz="1800" kern="1200">
+                <a:solidFill>
+                  <a:schemeClr val="tx1"/>
+                </a:solidFill>
+                <a:latin typeface="+mn-lt"/>
+                <a:ea typeface="+mn-ea"/>
+                <a:cs typeface="+mn-cs"/>
+              </a:defRPr>
+            </a:lvl4pPr>
+            <a:lvl5pPr marL="2057400" indent="-228600" algn="l" defTabSz="914400" rtl="0" eaLnBrk="1" latinLnBrk="1" hangingPunct="1">
+              <a:lnSpc>
+                <a:spcPct val="90000"/>
+              </a:lnSpc>
+              <a:spcBef>
+                <a:spcPts val="500"/>
+              </a:spcBef>
+              <a:buFont typeface="Arial" panose="020B0604020202020204" pitchFamily="34" charset="0"/>
+              <a:buChar char="•"/>
+              <a:defRPr sz="1800" kern="1200">
+                <a:solidFill>
+                  <a:schemeClr val="tx1"/>
+                </a:solidFill>
+                <a:latin typeface="+mn-lt"/>
+                <a:ea typeface="+mn-ea"/>
+                <a:cs typeface="+mn-cs"/>
+              </a:defRPr>
+            </a:lvl5pPr>
+            <a:lvl6pPr marL="2514600" indent="-228600" algn="l" defTabSz="914400" rtl="0" eaLnBrk="1" latinLnBrk="1" hangingPunct="1">
+              <a:lnSpc>
+                <a:spcPct val="90000"/>
+              </a:lnSpc>
+              <a:spcBef>
+                <a:spcPts val="500"/>
+              </a:spcBef>
+              <a:buFont typeface="Arial" panose="020B0604020202020204" pitchFamily="34" charset="0"/>
+              <a:buChar char="•"/>
+              <a:defRPr sz="1800" kern="1200">
+                <a:solidFill>
+                  <a:schemeClr val="tx1"/>
+                </a:solidFill>
+                <a:latin typeface="+mn-lt"/>
+                <a:ea typeface="+mn-ea"/>
+                <a:cs typeface="+mn-cs"/>
+              </a:defRPr>
+            </a:lvl6pPr>
+            <a:lvl7pPr marL="2971800" indent="-228600" algn="l" defTabSz="914400" rtl="0" eaLnBrk="1" latinLnBrk="1" hangingPunct="1">
+              <a:lnSpc>
+                <a:spcPct val="90000"/>
+              </a:lnSpc>
+              <a:spcBef>
+                <a:spcPts val="500"/>
+              </a:spcBef>
+              <a:buFont typeface="Arial" panose="020B0604020202020204" pitchFamily="34" charset="0"/>
+              <a:buChar char="•"/>
+              <a:defRPr sz="1800" kern="1200">
+                <a:solidFill>
+                  <a:schemeClr val="tx1"/>
+                </a:solidFill>
+                <a:latin typeface="+mn-lt"/>
+                <a:ea typeface="+mn-ea"/>
+                <a:cs typeface="+mn-cs"/>
+              </a:defRPr>
+            </a:lvl7pPr>
+            <a:lvl8pPr marL="3429000" indent="-228600" algn="l" defTabSz="914400" rtl="0" eaLnBrk="1" latinLnBrk="1" hangingPunct="1">
+              <a:lnSpc>
+                <a:spcPct val="90000"/>
+              </a:lnSpc>
+              <a:spcBef>
+                <a:spcPts val="500"/>
+              </a:spcBef>
+              <a:buFont typeface="Arial" panose="020B0604020202020204" pitchFamily="34" charset="0"/>
+              <a:buChar char="•"/>
+              <a:defRPr sz="1800" kern="1200">
+                <a:solidFill>
+                  <a:schemeClr val="tx1"/>
+                </a:solidFill>
+                <a:latin typeface="+mn-lt"/>
+                <a:ea typeface="+mn-ea"/>
+                <a:cs typeface="+mn-cs"/>
+              </a:defRPr>
+            </a:lvl8pPr>
+            <a:lvl9pPr marL="3886200" indent="-228600" algn="l" defTabSz="914400" rtl="0" eaLnBrk="1" latinLnBrk="1" hangingPunct="1">
+              <a:lnSpc>
+                <a:spcPct val="90000"/>
+              </a:lnSpc>
+              <a:spcBef>
+                <a:spcPts val="500"/>
+              </a:spcBef>
+              <a:buFont typeface="Arial" panose="020B0604020202020204" pitchFamily="34" charset="0"/>
+              <a:buChar char="•"/>
+              <a:defRPr sz="1800" kern="1200">
+                <a:solidFill>
+                  <a:schemeClr val="tx1"/>
+                </a:solidFill>
+                <a:latin typeface="+mn-lt"/>
+                <a:ea typeface="+mn-ea"/>
+                <a:cs typeface="+mn-cs"/>
+              </a:defRPr>
+            </a:lvl9pPr>
+          </a:lstStyle>
+          <a:p>
+            <a:pPr marL="0" indent="0" defTabSz="576000">
+              <a:buNone/>
+            </a:pPr>
+            <a:endParaRPr lang="en-US" altLang="ko-KR" sz="2000" dirty="0">
+              <a:solidFill>
+                <a:schemeClr val="bg1"/>
+              </a:solidFill>
+              <a:latin typeface="Consolas" panose="020B0609020204030204" pitchFamily="49" charset="0"/>
+              <a:ea typeface="돋움체" panose="020B0609000101010101" pitchFamily="49" charset="-127"/>
+            </a:endParaRPr>
+          </a:p>
+          <a:p>
+            <a:pPr marL="0" indent="0" defTabSz="576000">
+              <a:buNone/>
+            </a:pPr>
+            <a:r>
+              <a:rPr lang="en-US" altLang="ko-KR" sz="2000" dirty="0">
+                <a:solidFill>
+                  <a:schemeClr val="bg1"/>
+                </a:solidFill>
+                <a:latin typeface="Consolas" panose="020B0609020204030204" pitchFamily="49" charset="0"/>
+                <a:ea typeface="돋움체" panose="020B0609000101010101" pitchFamily="49" charset="-127"/>
+              </a:rPr>
+              <a:t>	{</a:t>
+            </a:r>
+          </a:p>
+          <a:p>
+            <a:pPr marL="0" indent="0" defTabSz="576000">
+              <a:buNone/>
+            </a:pPr>
+            <a:r>
+              <a:rPr lang="en-US" altLang="ko-KR" sz="2000" dirty="0">
+                <a:solidFill>
+                  <a:schemeClr val="bg1"/>
+                </a:solidFill>
+                <a:latin typeface="Consolas" panose="020B0609020204030204" pitchFamily="49" charset="0"/>
+                <a:ea typeface="돋움체" panose="020B0609000101010101" pitchFamily="49" charset="-127"/>
+              </a:rPr>
+              <a:t>		std::thread t(</a:t>
+            </a:r>
+            <a:r>
+              <a:rPr lang="en-US" altLang="ko-KR" sz="2000" dirty="0" err="1">
+                <a:solidFill>
+                  <a:schemeClr val="bg1"/>
+                </a:solidFill>
+                <a:latin typeface="Consolas" panose="020B0609020204030204" pitchFamily="49" charset="0"/>
+                <a:ea typeface="돋움체" panose="020B0609000101010101" pitchFamily="49" charset="-127"/>
+              </a:rPr>
+              <a:t>threadEntry</a:t>
+            </a:r>
+            <a:r>
+              <a:rPr lang="en-US" altLang="ko-KR" sz="2000" dirty="0">
+                <a:solidFill>
+                  <a:schemeClr val="bg1"/>
+                </a:solidFill>
+                <a:latin typeface="Consolas" panose="020B0609020204030204" pitchFamily="49" charset="0"/>
+                <a:ea typeface="돋움체" panose="020B0609000101010101" pitchFamily="49" charset="-127"/>
+              </a:rPr>
+              <a:t>);</a:t>
+            </a:r>
+          </a:p>
+          <a:p>
+            <a:pPr marL="0" indent="0" defTabSz="576000">
+              <a:buNone/>
+            </a:pPr>
+            <a:r>
+              <a:rPr lang="en-US" altLang="ko-KR" sz="2000" dirty="0">
+                <a:solidFill>
+                  <a:srgbClr val="00B050"/>
+                </a:solidFill>
+                <a:latin typeface="Consolas" panose="020B0609020204030204" pitchFamily="49" charset="0"/>
+                <a:ea typeface="돋움체" panose="020B0609000101010101" pitchFamily="49" charset="-127"/>
+              </a:rPr>
+              <a:t>		// </a:t>
+            </a:r>
+            <a:r>
+              <a:rPr lang="ko-KR" altLang="en-US" sz="2000" dirty="0">
+                <a:solidFill>
+                  <a:srgbClr val="00B050"/>
+                </a:solidFill>
+                <a:latin typeface="Consolas" panose="020B0609020204030204" pitchFamily="49" charset="0"/>
+                <a:ea typeface="돋움체" panose="020B0609000101010101" pitchFamily="49" charset="-127"/>
+              </a:rPr>
+              <a:t>별개의 작업시작</a:t>
+            </a:r>
+            <a:r>
+              <a:rPr lang="en-US" altLang="ko-KR" sz="2000" dirty="0">
+                <a:solidFill>
+                  <a:srgbClr val="00B050"/>
+                </a:solidFill>
+                <a:latin typeface="Consolas" panose="020B0609020204030204" pitchFamily="49" charset="0"/>
+                <a:ea typeface="돋움체" panose="020B0609000101010101" pitchFamily="49" charset="-127"/>
+              </a:rPr>
+              <a:t>..</a:t>
+            </a:r>
+          </a:p>
+          <a:p>
+            <a:pPr marL="0" indent="0" defTabSz="576000">
+              <a:buNone/>
+            </a:pPr>
+            <a:r>
+              <a:rPr lang="en-US" altLang="ko-KR" sz="2000" dirty="0">
+                <a:solidFill>
+                  <a:schemeClr val="bg1"/>
+                </a:solidFill>
+                <a:latin typeface="Consolas" panose="020B0609020204030204" pitchFamily="49" charset="0"/>
+                <a:ea typeface="돋움체" panose="020B0609000101010101" pitchFamily="49" charset="-127"/>
+              </a:rPr>
+              <a:t>		if (cancel)</a:t>
+            </a:r>
+          </a:p>
+          <a:p>
+            <a:pPr marL="0" indent="0" defTabSz="576000">
+              <a:buNone/>
+            </a:pPr>
+            <a:r>
+              <a:rPr lang="en-US" altLang="ko-KR" sz="2000" dirty="0">
+                <a:solidFill>
+                  <a:schemeClr val="bg1"/>
+                </a:solidFill>
+                <a:latin typeface="Consolas" panose="020B0609020204030204" pitchFamily="49" charset="0"/>
+                <a:ea typeface="돋움체" panose="020B0609000101010101" pitchFamily="49" charset="-127"/>
+              </a:rPr>
+              <a:t>			</a:t>
+            </a:r>
+            <a:r>
+              <a:rPr lang="en-US" altLang="ko-KR" sz="2000" dirty="0">
+                <a:solidFill>
+                  <a:srgbClr val="0070C0"/>
+                </a:solidFill>
+                <a:latin typeface="Consolas" panose="020B0609020204030204" pitchFamily="49" charset="0"/>
+                <a:ea typeface="돋움체" panose="020B0609000101010101" pitchFamily="49" charset="-127"/>
+              </a:rPr>
+              <a:t>return</a:t>
+            </a:r>
+            <a:r>
+              <a:rPr lang="en-US" altLang="ko-KR" sz="2000" dirty="0">
+                <a:solidFill>
+                  <a:schemeClr val="bg1"/>
+                </a:solidFill>
+                <a:latin typeface="Consolas" panose="020B0609020204030204" pitchFamily="49" charset="0"/>
+                <a:ea typeface="돋움체" panose="020B0609000101010101" pitchFamily="49" charset="-127"/>
+              </a:rPr>
+              <a:t>;</a:t>
+            </a:r>
+          </a:p>
+          <a:p>
+            <a:pPr marL="0" indent="0" defTabSz="576000">
+              <a:buNone/>
+            </a:pPr>
+            <a:r>
+              <a:rPr lang="en-US" altLang="ko-KR" sz="2000" dirty="0">
+                <a:solidFill>
+                  <a:srgbClr val="00B050"/>
+                </a:solidFill>
+                <a:latin typeface="Consolas" panose="020B0609020204030204" pitchFamily="49" charset="0"/>
+                <a:ea typeface="돋움체" panose="020B0609000101010101" pitchFamily="49" charset="-127"/>
+              </a:rPr>
+              <a:t>		// </a:t>
+            </a:r>
+            <a:r>
+              <a:rPr lang="ko-KR" altLang="en-US" sz="2000" dirty="0" err="1">
+                <a:solidFill>
+                  <a:srgbClr val="00B050"/>
+                </a:solidFill>
+                <a:latin typeface="Consolas" panose="020B0609020204030204" pitchFamily="49" charset="0"/>
+                <a:ea typeface="돋움체" panose="020B0609000101010101" pitchFamily="49" charset="-127"/>
+              </a:rPr>
+              <a:t>작업끝</a:t>
+            </a:r>
+            <a:r>
+              <a:rPr lang="en-US" altLang="ko-KR" sz="2000" dirty="0">
+                <a:solidFill>
+                  <a:srgbClr val="00B050"/>
+                </a:solidFill>
+                <a:latin typeface="Consolas" panose="020B0609020204030204" pitchFamily="49" charset="0"/>
+                <a:ea typeface="돋움체" panose="020B0609000101010101" pitchFamily="49" charset="-127"/>
+              </a:rPr>
+              <a:t>..</a:t>
+            </a:r>
+          </a:p>
+          <a:p>
+            <a:pPr marL="0" indent="0" defTabSz="576000">
+              <a:buNone/>
+            </a:pPr>
+            <a:r>
+              <a:rPr lang="en-US" altLang="ko-KR" sz="2000" dirty="0">
+                <a:solidFill>
+                  <a:schemeClr val="bg1"/>
+                </a:solidFill>
+                <a:latin typeface="Consolas" panose="020B0609020204030204" pitchFamily="49" charset="0"/>
+                <a:ea typeface="돋움체" panose="020B0609000101010101" pitchFamily="49" charset="-127"/>
+              </a:rPr>
+              <a:t>		</a:t>
+            </a:r>
+            <a:r>
+              <a:rPr lang="en-US" altLang="ko-KR" sz="2000" dirty="0" err="1">
+                <a:solidFill>
+                  <a:schemeClr val="bg1"/>
+                </a:solidFill>
+                <a:latin typeface="Consolas" panose="020B0609020204030204" pitchFamily="49" charset="0"/>
+                <a:ea typeface="돋움체" panose="020B0609000101010101" pitchFamily="49" charset="-127"/>
+              </a:rPr>
+              <a:t>t.join</a:t>
+            </a:r>
+            <a:r>
+              <a:rPr lang="en-US" altLang="ko-KR" sz="2000" dirty="0">
+                <a:solidFill>
+                  <a:schemeClr val="bg1"/>
+                </a:solidFill>
+                <a:latin typeface="Consolas" panose="020B0609020204030204" pitchFamily="49" charset="0"/>
+                <a:ea typeface="돋움체" panose="020B0609000101010101" pitchFamily="49" charset="-127"/>
+              </a:rPr>
+              <a:t>()</a:t>
+            </a:r>
+          </a:p>
+          <a:p>
+            <a:pPr marL="0" indent="0" defTabSz="576000">
+              <a:buNone/>
+            </a:pPr>
+            <a:r>
+              <a:rPr lang="en-US" altLang="ko-KR" sz="2000" dirty="0">
+                <a:solidFill>
+                  <a:schemeClr val="bg1"/>
+                </a:solidFill>
+                <a:latin typeface="Consolas" panose="020B0609020204030204" pitchFamily="49" charset="0"/>
+                <a:ea typeface="돋움체" panose="020B0609000101010101" pitchFamily="49" charset="-127"/>
+              </a:rPr>
+              <a:t>	}</a:t>
+            </a:r>
+            <a:r>
+              <a:rPr lang="en-US" altLang="ko-KR" sz="2000" dirty="0">
+                <a:solidFill>
+                  <a:srgbClr val="00B050"/>
+                </a:solidFill>
+                <a:latin typeface="Consolas" panose="020B0609020204030204" pitchFamily="49" charset="0"/>
+                <a:ea typeface="돋움체" panose="020B0609000101010101" pitchFamily="49" charset="-127"/>
+              </a:rPr>
+              <a:t>	</a:t>
+            </a:r>
+          </a:p>
+        </p:txBody>
+      </p:sp>
+      <p:sp>
+        <p:nvSpPr>
+          <p:cNvPr id="3" name="TextBox 2">
+            <a:extLst>
+              <a:ext uri="{FF2B5EF4-FFF2-40B4-BE49-F238E27FC236}">
+                <a16:creationId xmlns:a16="http://schemas.microsoft.com/office/drawing/2014/main" id="{D0C7AC4C-5453-4F32-AF60-78E3DECCF502}"/>
+              </a:ext>
+            </a:extLst>
+          </p:cNvPr>
+          <p:cNvSpPr txBox="1"/>
+          <p:nvPr/>
+        </p:nvSpPr>
+        <p:spPr>
+          <a:xfrm>
+            <a:off x="3714750" y="3774400"/>
+            <a:ext cx="902811" cy="369332"/>
+          </a:xfrm>
+          <a:prstGeom prst="rect">
+            <a:avLst/>
+          </a:prstGeom>
+          <a:noFill/>
+        </p:spPr>
+        <p:txBody>
+          <a:bodyPr wrap="none" rtlCol="0">
+            <a:spAutoFit/>
+          </a:bodyPr>
+          <a:lstStyle/>
+          <a:p>
+            <a:r>
+              <a:rPr lang="ko-KR" altLang="en-US" dirty="0" err="1">
+                <a:solidFill>
+                  <a:srgbClr val="FF0000"/>
+                </a:solidFill>
+              </a:rPr>
+              <a:t>크래시</a:t>
+            </a:r>
+            <a:r>
+              <a:rPr lang="en-US" altLang="ko-KR" dirty="0">
+                <a:solidFill>
+                  <a:srgbClr val="FF0000"/>
+                </a:solidFill>
+              </a:rPr>
+              <a:t>!</a:t>
+            </a:r>
+            <a:endParaRPr lang="ko-KR" altLang="en-US" dirty="0">
+              <a:solidFill>
+                <a:srgbClr val="FF0000"/>
+              </a:solidFill>
+            </a:endParaRPr>
+          </a:p>
+        </p:txBody>
+      </p:sp>
+    </p:spTree>
+    <p:extLst>
+      <p:ext uri="{BB962C8B-B14F-4D97-AF65-F5344CB8AC3E}">
+        <p14:creationId xmlns:p14="http://schemas.microsoft.com/office/powerpoint/2010/main" val="1342004820"/>
+      </p:ext>
+    </p:extLst>
+  </p:cSld>
+  <p:clrMapOvr>
+    <a:masterClrMapping/>
+  </p:clrMapOvr>
+</p:sld>
+</file>
+
+<file path=ppt/slides/slide16.xml><?xml version="1.0" encoding="utf-8"?>
+<p:sld xmlns:a="http://schemas.openxmlformats.org/drawingml/2006/main" xmlns:r="http://schemas.openxmlformats.org/officeDocument/2006/relationships" xmlns:p="http://schemas.openxmlformats.org/presentationml/2006/main">
+  <p:cSld>
+    <p:spTree>
+      <p:nvGrpSpPr>
+        <p:cNvPr id="1" name=""/>
+        <p:cNvGrpSpPr/>
+        <p:nvPr/>
+      </p:nvGrpSpPr>
+      <p:grpSpPr>
+        <a:xfrm>
+          <a:off x="0" y="0"/>
+          <a:ext cx="0" cy="0"/>
+          <a:chOff x="0" y="0"/>
+          <a:chExt cx="0" cy="0"/>
+        </a:xfrm>
+      </p:grpSpPr>
+      <p:sp>
+        <p:nvSpPr>
+          <p:cNvPr id="2" name="제목 1">
+            <a:extLst>
+              <a:ext uri="{FF2B5EF4-FFF2-40B4-BE49-F238E27FC236}">
                 <a16:creationId xmlns:a16="http://schemas.microsoft.com/office/drawing/2014/main" id="{8D68A1C5-AB43-4333-AFF7-ABE1C0B3CFD7}"/>
               </a:ext>
             </a:extLst>
@@ -4450,7 +6534,7 @@
 </p:sld>
 </file>
 
-<file path=ppt/slides/slide13.xml><?xml version="1.0" encoding="utf-8"?>
+<file path=ppt/slides/slide17.xml><?xml version="1.0" encoding="utf-8"?>
 <p:sld xmlns:a="http://schemas.openxmlformats.org/drawingml/2006/main" xmlns:r="http://schemas.openxmlformats.org/officeDocument/2006/relationships" xmlns:p="http://schemas.openxmlformats.org/presentationml/2006/main">
   <p:cSld>
     <p:spTree>
@@ -4572,7 +6656,7 @@
 </p:sld>
 </file>
 
-<file path=ppt/slides/slide14.xml><?xml version="1.0" encoding="utf-8"?>
+<file path=ppt/slides/slide18.xml><?xml version="1.0" encoding="utf-8"?>
 <p:sld xmlns:a="http://schemas.openxmlformats.org/drawingml/2006/main" xmlns:r="http://schemas.openxmlformats.org/officeDocument/2006/relationships" xmlns:p="http://schemas.openxmlformats.org/presentationml/2006/main">
   <p:cSld>
     <p:spTree>
@@ -4738,7 +6822,7 @@
 </p:sld>
 </file>
 
-<file path=ppt/slides/slide15.xml><?xml version="1.0" encoding="utf-8"?>
+<file path=ppt/slides/slide19.xml><?xml version="1.0" encoding="utf-8"?>
 <p:sld xmlns:a="http://schemas.openxmlformats.org/drawingml/2006/main" xmlns:r="http://schemas.openxmlformats.org/officeDocument/2006/relationships" xmlns:p="http://schemas.openxmlformats.org/presentationml/2006/main">
   <p:cSld>
     <p:spTree>
@@ -4892,7 +6976,23 @@
           <a:p>
             <a:r>
               <a:rPr lang="ko-KR" altLang="en-US" dirty="0"/>
-              <a:t>완료될 때까지 기다릴 필요가 없으면 </a:t>
+              <a:t>완료될 때까지 기다릴</a:t>
+            </a:r>
+            <a:r>
+              <a:rPr lang="en-US" altLang="ko-KR" dirty="0"/>
+              <a:t>(</a:t>
+            </a:r>
+            <a:r>
+              <a:rPr lang="ko-KR" altLang="en-US" dirty="0"/>
+              <a:t>동기화</a:t>
+            </a:r>
+            <a:r>
+              <a:rPr lang="en-US" altLang="ko-KR" dirty="0"/>
+              <a:t>)</a:t>
+            </a:r>
+            <a:r>
+              <a:rPr lang="ko-KR" altLang="en-US" dirty="0"/>
+              <a:t> 필요가 없으면 </a:t>
             </a:r>
             <a:r>
               <a:rPr lang="en-US" altLang="ko-KR" dirty="0"/>
@@ -4915,7 +7015,794 @@
 </p:sld>
 </file>
 
-<file path=ppt/slides/slide16.xml><?xml version="1.0" encoding="utf-8"?>
+<file path=ppt/slides/slide2.xml><?xml version="1.0" encoding="utf-8"?>
+<p:sld xmlns:a="http://schemas.openxmlformats.org/drawingml/2006/main" xmlns:r="http://schemas.openxmlformats.org/officeDocument/2006/relationships" xmlns:p="http://schemas.openxmlformats.org/presentationml/2006/main">
+  <p:cSld>
+    <p:spTree>
+      <p:nvGrpSpPr>
+        <p:cNvPr id="1" name=""/>
+        <p:cNvGrpSpPr/>
+        <p:nvPr/>
+      </p:nvGrpSpPr>
+      <p:grpSpPr>
+        <a:xfrm>
+          <a:off x="0" y="0"/>
+          <a:ext cx="0" cy="0"/>
+          <a:chOff x="0" y="0"/>
+          <a:chExt cx="0" cy="0"/>
+        </a:xfrm>
+      </p:grpSpPr>
+      <p:sp>
+        <p:nvSpPr>
+          <p:cNvPr id="2" name="제목 1">
+            <a:extLst>
+              <a:ext uri="{FF2B5EF4-FFF2-40B4-BE49-F238E27FC236}">
+                <a16:creationId xmlns:a16="http://schemas.microsoft.com/office/drawing/2014/main" id="{1585C0A1-F51D-4DE8-BECF-A8B771FF4E9E}"/>
+              </a:ext>
+            </a:extLst>
+          </p:cNvPr>
+          <p:cNvSpPr>
+            <a:spLocks noGrp="1"/>
+          </p:cNvSpPr>
+          <p:nvPr>
+            <p:ph type="title"/>
+          </p:nvPr>
+        </p:nvSpPr>
+        <p:spPr/>
+        <p:txBody>
+          <a:bodyPr/>
+          <a:lstStyle/>
+          <a:p>
+            <a:r>
+              <a:rPr lang="ko-KR" altLang="en-US" sz="4000" dirty="0"/>
+              <a:t>지난번에 나눈 이야기</a:t>
+            </a:r>
+            <a:endParaRPr lang="ko-KR" altLang="en-US" dirty="0"/>
+          </a:p>
+        </p:txBody>
+      </p:sp>
+      <p:sp>
+        <p:nvSpPr>
+          <p:cNvPr id="3" name="내용 개체 틀 2">
+            <a:extLst>
+              <a:ext uri="{FF2B5EF4-FFF2-40B4-BE49-F238E27FC236}">
+                <a16:creationId xmlns:a16="http://schemas.microsoft.com/office/drawing/2014/main" id="{1FEA4E84-EE8F-49DA-ADDE-8D62CDE94BA4}"/>
+              </a:ext>
+            </a:extLst>
+          </p:cNvPr>
+          <p:cNvSpPr>
+            <a:spLocks noGrp="1"/>
+          </p:cNvSpPr>
+          <p:nvPr>
+            <p:ph idx="1"/>
+          </p:nvPr>
+        </p:nvSpPr>
+        <p:spPr>
+          <a:xfrm>
+            <a:off x="838200" y="1825624"/>
+            <a:ext cx="10515600" cy="4902979"/>
+          </a:xfrm>
+        </p:spPr>
+        <p:txBody>
+          <a:bodyPr>
+            <a:normAutofit/>
+          </a:bodyPr>
+          <a:lstStyle/>
+          <a:p>
+            <a:r>
+              <a:rPr lang="en-US" altLang="ko-KR" dirty="0"/>
+              <a:t>Launch policy </a:t>
+            </a:r>
+            <a:endParaRPr lang="en-US" altLang="ko-KR" dirty="0">
+              <a:solidFill>
+                <a:schemeClr val="bg1"/>
+              </a:solidFill>
+            </a:endParaRPr>
+          </a:p>
+          <a:p>
+            <a:pPr lvl="1"/>
+            <a:r>
+              <a:rPr lang="en-US" altLang="ko-KR" dirty="0">
+                <a:latin typeface="Consolas" panose="020B0609020204030204" pitchFamily="49" charset="0"/>
+                <a:ea typeface="돋움체" panose="020B0609000101010101" pitchFamily="49" charset="-127"/>
+              </a:rPr>
+              <a:t>std::launch::async</a:t>
+            </a:r>
+          </a:p>
+          <a:p>
+            <a:pPr lvl="1"/>
+            <a:r>
+              <a:rPr lang="en-US" altLang="ko-KR" dirty="0">
+                <a:latin typeface="Consolas" panose="020B0609020204030204" pitchFamily="49" charset="0"/>
+                <a:ea typeface="돋움체" panose="020B0609000101010101" pitchFamily="49" charset="-127"/>
+              </a:rPr>
+              <a:t>std::launch::deferred</a:t>
+            </a:r>
+            <a:endParaRPr lang="en-US" altLang="ko-KR" dirty="0"/>
+          </a:p>
+          <a:p>
+            <a:pPr lvl="1"/>
+            <a:endParaRPr lang="en-US" altLang="ko-KR" dirty="0"/>
+          </a:p>
+          <a:p>
+            <a:r>
+              <a:rPr lang="en-US" altLang="ko-KR" dirty="0"/>
+              <a:t>Deferred </a:t>
+            </a:r>
+            <a:r>
+              <a:rPr lang="ko-KR" altLang="en-US" dirty="0"/>
+              <a:t>는 </a:t>
+            </a:r>
+            <a:r>
+              <a:rPr lang="en-US" altLang="ko-KR" dirty="0"/>
+              <a:t>(get()</a:t>
+            </a:r>
+            <a:r>
+              <a:rPr lang="ko-KR" altLang="en-US" dirty="0"/>
+              <a:t>을 호출한 스레드에서</a:t>
+            </a:r>
+            <a:r>
+              <a:rPr lang="en-US" altLang="ko-KR" dirty="0"/>
+              <a:t>)</a:t>
+            </a:r>
+            <a:r>
+              <a:rPr lang="ko-KR" altLang="en-US" dirty="0"/>
+              <a:t> 지연 실행</a:t>
+            </a:r>
+            <a:endParaRPr lang="en-US" altLang="ko-KR" dirty="0"/>
+          </a:p>
+          <a:p>
+            <a:endParaRPr lang="en-US" altLang="ko-KR" dirty="0"/>
+          </a:p>
+          <a:p>
+            <a:r>
+              <a:rPr lang="en-US" altLang="ko-KR" dirty="0"/>
+              <a:t>Deferred </a:t>
+            </a:r>
+            <a:r>
+              <a:rPr lang="ko-KR" altLang="en-US" dirty="0"/>
+              <a:t>가 싫으면</a:t>
+            </a:r>
+            <a:br>
+              <a:rPr lang="en-US" altLang="ko-KR" dirty="0"/>
+            </a:br>
+            <a:r>
+              <a:rPr lang="en-US" altLang="ko-KR" dirty="0"/>
+              <a:t>launch policy</a:t>
+            </a:r>
+            <a:r>
+              <a:rPr lang="ko-KR" altLang="en-US" dirty="0"/>
+              <a:t>를 직접</a:t>
+            </a:r>
+            <a:br>
+              <a:rPr lang="en-US" altLang="ko-KR" dirty="0"/>
+            </a:br>
+            <a:r>
+              <a:rPr lang="ko-KR" altLang="en-US" dirty="0"/>
+              <a:t>지정하자</a:t>
+            </a:r>
+            <a:r>
+              <a:rPr lang="en-US" altLang="ko-KR" dirty="0"/>
+              <a:t>!</a:t>
+            </a:r>
+          </a:p>
+        </p:txBody>
+      </p:sp>
+      <p:sp>
+        <p:nvSpPr>
+          <p:cNvPr id="6" name="TextBox 5">
+            <a:extLst>
+              <a:ext uri="{FF2B5EF4-FFF2-40B4-BE49-F238E27FC236}">
+                <a16:creationId xmlns:a16="http://schemas.microsoft.com/office/drawing/2014/main" id="{46249EE3-BF46-4504-9415-DA763B78CE30}"/>
+              </a:ext>
+            </a:extLst>
+          </p:cNvPr>
+          <p:cNvSpPr txBox="1"/>
+          <p:nvPr/>
+        </p:nvSpPr>
+        <p:spPr>
+          <a:xfrm>
+            <a:off x="9286613" y="5001280"/>
+            <a:ext cx="2576346" cy="923330"/>
+          </a:xfrm>
+          <a:prstGeom prst="rect">
+            <a:avLst/>
+          </a:prstGeom>
+          <a:noFill/>
+        </p:spPr>
+        <p:txBody>
+          <a:bodyPr wrap="none" rtlCol="0">
+            <a:spAutoFit/>
+          </a:bodyPr>
+          <a:lstStyle/>
+          <a:p>
+            <a:r>
+              <a:rPr lang="ko-KR" altLang="en-US" dirty="0">
+                <a:solidFill>
+                  <a:schemeClr val="bg1"/>
+                </a:solidFill>
+              </a:rPr>
+              <a:t>스레드가 생길 수도 있고</a:t>
+            </a:r>
+            <a:r>
+              <a:rPr lang="en-US" altLang="ko-KR" dirty="0">
+                <a:solidFill>
+                  <a:schemeClr val="bg1"/>
+                </a:solidFill>
+              </a:rPr>
+              <a:t>,</a:t>
+            </a:r>
+          </a:p>
+          <a:p>
+            <a:r>
+              <a:rPr lang="ko-KR" altLang="en-US" dirty="0">
+                <a:solidFill>
+                  <a:schemeClr val="bg1"/>
+                </a:solidFill>
+              </a:rPr>
+              <a:t>안 생길 수도 있음</a:t>
+            </a:r>
+            <a:r>
+              <a:rPr lang="en-US" altLang="ko-KR" dirty="0">
+                <a:solidFill>
+                  <a:schemeClr val="bg1"/>
+                </a:solidFill>
+              </a:rPr>
+              <a:t>.</a:t>
+            </a:r>
+            <a:br>
+              <a:rPr lang="en-US" altLang="ko-KR" dirty="0">
+                <a:solidFill>
+                  <a:schemeClr val="bg1"/>
+                </a:solidFill>
+              </a:rPr>
+            </a:br>
+            <a:r>
+              <a:rPr lang="en-US" altLang="ko-KR" dirty="0">
+                <a:solidFill>
+                  <a:schemeClr val="bg1"/>
+                </a:solidFill>
+              </a:rPr>
+              <a:t>(</a:t>
+            </a:r>
+            <a:r>
+              <a:rPr lang="ko-KR" altLang="en-US" dirty="0">
+                <a:solidFill>
+                  <a:schemeClr val="bg1"/>
+                </a:solidFill>
+              </a:rPr>
+              <a:t>관리책임 </a:t>
+            </a:r>
+            <a:r>
+              <a:rPr lang="en-US" altLang="ko-KR" dirty="0">
+                <a:solidFill>
+                  <a:schemeClr val="bg1"/>
+                </a:solidFill>
+              </a:rPr>
+              <a:t>-&gt; </a:t>
+            </a:r>
+            <a:r>
+              <a:rPr lang="ko-KR" altLang="en-US" dirty="0">
+                <a:solidFill>
+                  <a:schemeClr val="bg1"/>
+                </a:solidFill>
+              </a:rPr>
+              <a:t>표준위원회</a:t>
+            </a:r>
+            <a:r>
+              <a:rPr lang="en-US" altLang="ko-KR" dirty="0">
+                <a:solidFill>
+                  <a:schemeClr val="bg1"/>
+                </a:solidFill>
+              </a:rPr>
+              <a:t>)</a:t>
+            </a:r>
+            <a:endParaRPr lang="ko-KR" altLang="en-US" dirty="0">
+              <a:solidFill>
+                <a:schemeClr val="bg1"/>
+              </a:solidFill>
+            </a:endParaRPr>
+          </a:p>
+        </p:txBody>
+      </p:sp>
+      <p:sp>
+        <p:nvSpPr>
+          <p:cNvPr id="7" name="내용 개체 틀 2">
+            <a:extLst>
+              <a:ext uri="{FF2B5EF4-FFF2-40B4-BE49-F238E27FC236}">
+                <a16:creationId xmlns:a16="http://schemas.microsoft.com/office/drawing/2014/main" id="{9F4B4008-EF54-4415-A9AB-518EB9E30CFE}"/>
+              </a:ext>
+            </a:extLst>
+          </p:cNvPr>
+          <p:cNvSpPr txBox="1">
+            <a:spLocks/>
+          </p:cNvSpPr>
+          <p:nvPr/>
+        </p:nvSpPr>
+        <p:spPr>
+          <a:xfrm>
+            <a:off x="4704731" y="4279406"/>
+            <a:ext cx="7158228" cy="1997957"/>
+          </a:xfrm>
+          <a:prstGeom prst="rect">
+            <a:avLst/>
+          </a:prstGeom>
+          <a:solidFill>
+            <a:schemeClr val="tx1"/>
+          </a:solidFill>
+        </p:spPr>
+        <p:txBody>
+          <a:bodyPr vert="horz" lIns="91440" tIns="45720" rIns="91440" bIns="45720" rtlCol="0">
+            <a:normAutofit/>
+          </a:bodyPr>
+          <a:lstStyle>
+            <a:lvl1pPr marL="228600" indent="-228600" algn="l" defTabSz="914400" rtl="0" eaLnBrk="1" latinLnBrk="1" hangingPunct="1">
+              <a:lnSpc>
+                <a:spcPct val="90000"/>
+              </a:lnSpc>
+              <a:spcBef>
+                <a:spcPts val="1000"/>
+              </a:spcBef>
+              <a:buFont typeface="Arial" panose="020B0604020202020204" pitchFamily="34" charset="0"/>
+              <a:buChar char="•"/>
+              <a:defRPr sz="2800" kern="1200">
+                <a:solidFill>
+                  <a:schemeClr val="tx1"/>
+                </a:solidFill>
+                <a:latin typeface="+mn-lt"/>
+                <a:ea typeface="+mn-ea"/>
+                <a:cs typeface="+mn-cs"/>
+              </a:defRPr>
+            </a:lvl1pPr>
+            <a:lvl2pPr marL="685800" indent="-228600" algn="l" defTabSz="914400" rtl="0" eaLnBrk="1" latinLnBrk="1" hangingPunct="1">
+              <a:lnSpc>
+                <a:spcPct val="90000"/>
+              </a:lnSpc>
+              <a:spcBef>
+                <a:spcPts val="500"/>
+              </a:spcBef>
+              <a:buFont typeface="Arial" panose="020B0604020202020204" pitchFamily="34" charset="0"/>
+              <a:buChar char="•"/>
+              <a:defRPr sz="2400" kern="1200">
+                <a:solidFill>
+                  <a:schemeClr val="tx1"/>
+                </a:solidFill>
+                <a:latin typeface="+mn-lt"/>
+                <a:ea typeface="+mn-ea"/>
+                <a:cs typeface="+mn-cs"/>
+              </a:defRPr>
+            </a:lvl2pPr>
+            <a:lvl3pPr marL="1143000" indent="-228600" algn="l" defTabSz="914400" rtl="0" eaLnBrk="1" latinLnBrk="1" hangingPunct="1">
+              <a:lnSpc>
+                <a:spcPct val="90000"/>
+              </a:lnSpc>
+              <a:spcBef>
+                <a:spcPts val="500"/>
+              </a:spcBef>
+              <a:buFont typeface="Arial" panose="020B0604020202020204" pitchFamily="34" charset="0"/>
+              <a:buChar char="•"/>
+              <a:defRPr sz="2000" kern="1200">
+                <a:solidFill>
+                  <a:schemeClr val="tx1"/>
+                </a:solidFill>
+                <a:latin typeface="+mn-lt"/>
+                <a:ea typeface="+mn-ea"/>
+                <a:cs typeface="+mn-cs"/>
+              </a:defRPr>
+            </a:lvl3pPr>
+            <a:lvl4pPr marL="1600200" indent="-228600" algn="l" defTabSz="914400" rtl="0" eaLnBrk="1" latinLnBrk="1" hangingPunct="1">
+              <a:lnSpc>
+                <a:spcPct val="90000"/>
+              </a:lnSpc>
+              <a:spcBef>
+                <a:spcPts val="500"/>
+              </a:spcBef>
+              <a:buFont typeface="Arial" panose="020B0604020202020204" pitchFamily="34" charset="0"/>
+              <a:buChar char="•"/>
+              <a:defRPr sz="1800" kern="1200">
+                <a:solidFill>
+                  <a:schemeClr val="tx1"/>
+                </a:solidFill>
+                <a:latin typeface="+mn-lt"/>
+                <a:ea typeface="+mn-ea"/>
+                <a:cs typeface="+mn-cs"/>
+              </a:defRPr>
+            </a:lvl4pPr>
+            <a:lvl5pPr marL="2057400" indent="-228600" algn="l" defTabSz="914400" rtl="0" eaLnBrk="1" latinLnBrk="1" hangingPunct="1">
+              <a:lnSpc>
+                <a:spcPct val="90000"/>
+              </a:lnSpc>
+              <a:spcBef>
+                <a:spcPts val="500"/>
+              </a:spcBef>
+              <a:buFont typeface="Arial" panose="020B0604020202020204" pitchFamily="34" charset="0"/>
+              <a:buChar char="•"/>
+              <a:defRPr sz="1800" kern="1200">
+                <a:solidFill>
+                  <a:schemeClr val="tx1"/>
+                </a:solidFill>
+                <a:latin typeface="+mn-lt"/>
+                <a:ea typeface="+mn-ea"/>
+                <a:cs typeface="+mn-cs"/>
+              </a:defRPr>
+            </a:lvl5pPr>
+            <a:lvl6pPr marL="2514600" indent="-228600" algn="l" defTabSz="914400" rtl="0" eaLnBrk="1" latinLnBrk="1" hangingPunct="1">
+              <a:lnSpc>
+                <a:spcPct val="90000"/>
+              </a:lnSpc>
+              <a:spcBef>
+                <a:spcPts val="500"/>
+              </a:spcBef>
+              <a:buFont typeface="Arial" panose="020B0604020202020204" pitchFamily="34" charset="0"/>
+              <a:buChar char="•"/>
+              <a:defRPr sz="1800" kern="1200">
+                <a:solidFill>
+                  <a:schemeClr val="tx1"/>
+                </a:solidFill>
+                <a:latin typeface="+mn-lt"/>
+                <a:ea typeface="+mn-ea"/>
+                <a:cs typeface="+mn-cs"/>
+              </a:defRPr>
+            </a:lvl6pPr>
+            <a:lvl7pPr marL="2971800" indent="-228600" algn="l" defTabSz="914400" rtl="0" eaLnBrk="1" latinLnBrk="1" hangingPunct="1">
+              <a:lnSpc>
+                <a:spcPct val="90000"/>
+              </a:lnSpc>
+              <a:spcBef>
+                <a:spcPts val="500"/>
+              </a:spcBef>
+              <a:buFont typeface="Arial" panose="020B0604020202020204" pitchFamily="34" charset="0"/>
+              <a:buChar char="•"/>
+              <a:defRPr sz="1800" kern="1200">
+                <a:solidFill>
+                  <a:schemeClr val="tx1"/>
+                </a:solidFill>
+                <a:latin typeface="+mn-lt"/>
+                <a:ea typeface="+mn-ea"/>
+                <a:cs typeface="+mn-cs"/>
+              </a:defRPr>
+            </a:lvl7pPr>
+            <a:lvl8pPr marL="3429000" indent="-228600" algn="l" defTabSz="914400" rtl="0" eaLnBrk="1" latinLnBrk="1" hangingPunct="1">
+              <a:lnSpc>
+                <a:spcPct val="90000"/>
+              </a:lnSpc>
+              <a:spcBef>
+                <a:spcPts val="500"/>
+              </a:spcBef>
+              <a:buFont typeface="Arial" panose="020B0604020202020204" pitchFamily="34" charset="0"/>
+              <a:buChar char="•"/>
+              <a:defRPr sz="1800" kern="1200">
+                <a:solidFill>
+                  <a:schemeClr val="tx1"/>
+                </a:solidFill>
+                <a:latin typeface="+mn-lt"/>
+                <a:ea typeface="+mn-ea"/>
+                <a:cs typeface="+mn-cs"/>
+              </a:defRPr>
+            </a:lvl8pPr>
+            <a:lvl9pPr marL="3886200" indent="-228600" algn="l" defTabSz="914400" rtl="0" eaLnBrk="1" latinLnBrk="1" hangingPunct="1">
+              <a:lnSpc>
+                <a:spcPct val="90000"/>
+              </a:lnSpc>
+              <a:spcBef>
+                <a:spcPts val="500"/>
+              </a:spcBef>
+              <a:buFont typeface="Arial" panose="020B0604020202020204" pitchFamily="34" charset="0"/>
+              <a:buChar char="•"/>
+              <a:defRPr sz="1800" kern="1200">
+                <a:solidFill>
+                  <a:schemeClr val="tx1"/>
+                </a:solidFill>
+                <a:latin typeface="+mn-lt"/>
+                <a:ea typeface="+mn-ea"/>
+                <a:cs typeface="+mn-cs"/>
+              </a:defRPr>
+            </a:lvl9pPr>
+          </a:lstStyle>
+          <a:p>
+            <a:pPr marL="0" indent="0" defTabSz="576000">
+              <a:buNone/>
+            </a:pPr>
+            <a:endParaRPr lang="en-US" altLang="ko-KR" sz="1400" dirty="0">
+              <a:solidFill>
+                <a:srgbClr val="0070C0"/>
+              </a:solidFill>
+              <a:latin typeface="Consolas" panose="020B0609020204030204" pitchFamily="49" charset="0"/>
+              <a:ea typeface="돋움체" panose="020B0609000101010101" pitchFamily="49" charset="-127"/>
+            </a:endParaRPr>
+          </a:p>
+          <a:p>
+            <a:pPr marL="0" indent="0" defTabSz="576000">
+              <a:buNone/>
+            </a:pPr>
+            <a:r>
+              <a:rPr lang="en-US" altLang="ko-KR" sz="1400" dirty="0">
+                <a:solidFill>
+                  <a:srgbClr val="0070C0"/>
+                </a:solidFill>
+                <a:latin typeface="Consolas" panose="020B0609020204030204" pitchFamily="49" charset="0"/>
+                <a:ea typeface="돋움체" panose="020B0609000101010101" pitchFamily="49" charset="-127"/>
+              </a:rPr>
+              <a:t>auto</a:t>
+            </a:r>
+            <a:r>
+              <a:rPr lang="en-US" altLang="ko-KR" sz="1400" dirty="0">
+                <a:solidFill>
+                  <a:schemeClr val="bg1"/>
+                </a:solidFill>
+                <a:latin typeface="Consolas" panose="020B0609020204030204" pitchFamily="49" charset="0"/>
+                <a:ea typeface="돋움체" panose="020B0609000101010101" pitchFamily="49" charset="-127"/>
+              </a:rPr>
+              <a:t> </a:t>
+            </a:r>
+            <a:r>
+              <a:rPr lang="en-US" altLang="ko-KR" sz="1400" dirty="0" err="1">
+                <a:solidFill>
+                  <a:schemeClr val="bg1"/>
+                </a:solidFill>
+                <a:latin typeface="Consolas" panose="020B0609020204030204" pitchFamily="49" charset="0"/>
+                <a:ea typeface="돋움체" panose="020B0609000101010101" pitchFamily="49" charset="-127"/>
+              </a:rPr>
+              <a:t>fut</a:t>
+            </a:r>
+            <a:r>
+              <a:rPr lang="en-US" altLang="ko-KR" sz="1400" dirty="0">
+                <a:solidFill>
+                  <a:schemeClr val="bg1"/>
+                </a:solidFill>
+                <a:latin typeface="Consolas" panose="020B0609020204030204" pitchFamily="49" charset="0"/>
+                <a:ea typeface="돋움체" panose="020B0609000101010101" pitchFamily="49" charset="-127"/>
+              </a:rPr>
+              <a:t> = std::async(</a:t>
+            </a:r>
+            <a:r>
+              <a:rPr lang="en-US" altLang="ko-KR" sz="1400" dirty="0">
+                <a:solidFill>
+                  <a:srgbClr val="FFC000"/>
+                </a:solidFill>
+                <a:latin typeface="Consolas" panose="020B0609020204030204" pitchFamily="49" charset="0"/>
+                <a:ea typeface="돋움체" panose="020B0609000101010101" pitchFamily="49" charset="-127"/>
+              </a:rPr>
+              <a:t>std::launch::async, </a:t>
+            </a:r>
+            <a:r>
+              <a:rPr lang="en-US" altLang="ko-KR" sz="1400" dirty="0">
+                <a:solidFill>
+                  <a:schemeClr val="bg1"/>
+                </a:solidFill>
+                <a:latin typeface="Consolas" panose="020B0609020204030204" pitchFamily="49" charset="0"/>
+                <a:ea typeface="돋움체" panose="020B0609000101010101" pitchFamily="49" charset="-127"/>
+              </a:rPr>
+              <a:t>f);  </a:t>
+            </a:r>
+          </a:p>
+          <a:p>
+            <a:pPr marL="0" indent="0" defTabSz="576000">
+              <a:buNone/>
+            </a:pPr>
+            <a:r>
+              <a:rPr lang="en-US" altLang="ko-KR" sz="1400" dirty="0">
+                <a:solidFill>
+                  <a:srgbClr val="00B050"/>
+                </a:solidFill>
+                <a:latin typeface="Consolas" panose="020B0609020204030204" pitchFamily="49" charset="0"/>
+                <a:ea typeface="돋움체" panose="020B0609000101010101" pitchFamily="49" charset="-127"/>
+              </a:rPr>
+              <a:t>//… </a:t>
+            </a:r>
+            <a:r>
+              <a:rPr lang="ko-KR" altLang="en-US" sz="1400" dirty="0">
+                <a:solidFill>
+                  <a:srgbClr val="00B050"/>
+                </a:solidFill>
+                <a:latin typeface="Consolas" panose="020B0609020204030204" pitchFamily="49" charset="0"/>
+                <a:ea typeface="돋움체" panose="020B0609000101010101" pitchFamily="49" charset="-127"/>
+              </a:rPr>
+              <a:t>서브 스레드에서 실행</a:t>
+            </a:r>
+            <a:r>
+              <a:rPr lang="en-US" altLang="ko-KR" sz="1400" dirty="0">
+                <a:solidFill>
+                  <a:srgbClr val="00B050"/>
+                </a:solidFill>
+                <a:latin typeface="Consolas" panose="020B0609020204030204" pitchFamily="49" charset="0"/>
+                <a:ea typeface="돋움체" panose="020B0609000101010101" pitchFamily="49" charset="-127"/>
+              </a:rPr>
+              <a:t>!</a:t>
+            </a:r>
+          </a:p>
+          <a:p>
+            <a:pPr marL="0" indent="0" defTabSz="576000">
+              <a:buNone/>
+            </a:pPr>
+            <a:endParaRPr lang="en-US" altLang="ko-KR" sz="1400" dirty="0">
+              <a:solidFill>
+                <a:schemeClr val="bg1"/>
+              </a:solidFill>
+              <a:latin typeface="Consolas" panose="020B0609020204030204" pitchFamily="49" charset="0"/>
+              <a:ea typeface="돋움체" panose="020B0609000101010101" pitchFamily="49" charset="-127"/>
+            </a:endParaRPr>
+          </a:p>
+          <a:p>
+            <a:pPr marL="0" indent="0" defTabSz="576000">
+              <a:buNone/>
+            </a:pPr>
+            <a:r>
+              <a:rPr lang="en-US" altLang="ko-KR" sz="1400" dirty="0" err="1">
+                <a:solidFill>
+                  <a:schemeClr val="bg1"/>
+                </a:solidFill>
+                <a:latin typeface="Consolas" panose="020B0609020204030204" pitchFamily="49" charset="0"/>
+                <a:ea typeface="돋움체" panose="020B0609000101010101" pitchFamily="49" charset="-127"/>
+              </a:rPr>
+              <a:t>fut.get</a:t>
+            </a:r>
+            <a:r>
+              <a:rPr lang="en-US" altLang="ko-KR" sz="1400" dirty="0">
+                <a:solidFill>
+                  <a:schemeClr val="bg1"/>
+                </a:solidFill>
+                <a:latin typeface="Consolas" panose="020B0609020204030204" pitchFamily="49" charset="0"/>
+                <a:ea typeface="돋움체" panose="020B0609000101010101" pitchFamily="49" charset="-127"/>
+              </a:rPr>
+              <a:t>();	</a:t>
+            </a:r>
+            <a:r>
+              <a:rPr lang="en-US" altLang="ko-KR" sz="1400" dirty="0">
+                <a:solidFill>
+                  <a:srgbClr val="00B050"/>
+                </a:solidFill>
+                <a:latin typeface="Consolas" panose="020B0609020204030204" pitchFamily="49" charset="0"/>
+                <a:ea typeface="돋움체" panose="020B0609000101010101" pitchFamily="49" charset="-127"/>
+              </a:rPr>
+              <a:t>// </a:t>
+            </a:r>
+            <a:r>
+              <a:rPr lang="ko-KR" altLang="en-US" sz="1400" dirty="0">
+                <a:solidFill>
+                  <a:srgbClr val="00B050"/>
+                </a:solidFill>
+                <a:latin typeface="Consolas" panose="020B0609020204030204" pitchFamily="49" charset="0"/>
+                <a:ea typeface="돋움체" panose="020B0609000101010101" pitchFamily="49" charset="-127"/>
+              </a:rPr>
+              <a:t>이미 실행 완료 되었으면 즉시 결과값 리턴</a:t>
+            </a:r>
+            <a:endParaRPr lang="en-US" altLang="ko-KR" sz="1400" dirty="0">
+              <a:solidFill>
+                <a:srgbClr val="00B050"/>
+              </a:solidFill>
+              <a:latin typeface="Consolas" panose="020B0609020204030204" pitchFamily="49" charset="0"/>
+              <a:ea typeface="돋움체" panose="020B0609000101010101" pitchFamily="49" charset="-127"/>
+            </a:endParaRPr>
+          </a:p>
+          <a:p>
+            <a:pPr marL="0" indent="0" defTabSz="576000">
+              <a:buNone/>
+            </a:pPr>
+            <a:r>
+              <a:rPr lang="en-US" altLang="ko-KR" sz="1400" dirty="0">
+                <a:solidFill>
+                  <a:schemeClr val="bg1"/>
+                </a:solidFill>
+                <a:latin typeface="Consolas" panose="020B0609020204030204" pitchFamily="49" charset="0"/>
+                <a:ea typeface="돋움체" panose="020B0609000101010101" pitchFamily="49" charset="-127"/>
+              </a:rPr>
+              <a:t>            </a:t>
+            </a:r>
+            <a:r>
+              <a:rPr lang="en-US" altLang="ko-KR" sz="1400" dirty="0">
+                <a:solidFill>
+                  <a:srgbClr val="00B050"/>
+                </a:solidFill>
+                <a:latin typeface="Consolas" panose="020B0609020204030204" pitchFamily="49" charset="0"/>
+                <a:ea typeface="돋움체" panose="020B0609000101010101" pitchFamily="49" charset="-127"/>
+              </a:rPr>
+              <a:t>// </a:t>
+            </a:r>
+            <a:r>
+              <a:rPr lang="ko-KR" altLang="en-US" sz="1400" dirty="0">
+                <a:solidFill>
+                  <a:srgbClr val="00B050"/>
+                </a:solidFill>
+                <a:latin typeface="Consolas" panose="020B0609020204030204" pitchFamily="49" charset="0"/>
+                <a:ea typeface="돋움체" panose="020B0609000101010101" pitchFamily="49" charset="-127"/>
+              </a:rPr>
+              <a:t>아직 </a:t>
+            </a:r>
+            <a:r>
+              <a:rPr lang="ko-KR" altLang="en-US" sz="1400" dirty="0" err="1">
+                <a:solidFill>
+                  <a:srgbClr val="00B050"/>
+                </a:solidFill>
+                <a:latin typeface="Consolas" panose="020B0609020204030204" pitchFamily="49" charset="0"/>
+                <a:ea typeface="돋움체" panose="020B0609000101010101" pitchFamily="49" charset="-127"/>
+              </a:rPr>
+              <a:t>서브스레드</a:t>
+            </a:r>
+            <a:r>
+              <a:rPr lang="ko-KR" altLang="en-US" sz="1400" dirty="0">
+                <a:solidFill>
+                  <a:srgbClr val="00B050"/>
+                </a:solidFill>
+                <a:latin typeface="Consolas" panose="020B0609020204030204" pitchFamily="49" charset="0"/>
+                <a:ea typeface="돋움체" panose="020B0609000101010101" pitchFamily="49" charset="-127"/>
+              </a:rPr>
+              <a:t> </a:t>
+            </a:r>
+            <a:r>
+              <a:rPr lang="ko-KR" altLang="en-US" sz="1400" dirty="0" err="1">
+                <a:solidFill>
+                  <a:srgbClr val="00B050"/>
+                </a:solidFill>
+                <a:latin typeface="Consolas" panose="020B0609020204030204" pitchFamily="49" charset="0"/>
+                <a:ea typeface="돋움체" panose="020B0609000101010101" pitchFamily="49" charset="-127"/>
+              </a:rPr>
+              <a:t>동작중이면</a:t>
+            </a:r>
+            <a:r>
+              <a:rPr lang="ko-KR" altLang="en-US" sz="1400" dirty="0">
+                <a:solidFill>
+                  <a:srgbClr val="00B050"/>
+                </a:solidFill>
+                <a:latin typeface="Consolas" panose="020B0609020204030204" pitchFamily="49" charset="0"/>
+                <a:ea typeface="돋움체" panose="020B0609000101010101" pitchFamily="49" charset="-127"/>
+              </a:rPr>
+              <a:t> 컨텍스트 스위칭 후 대기</a:t>
+            </a:r>
+            <a:r>
+              <a:rPr lang="en-US" altLang="ko-KR" sz="1400" dirty="0">
+                <a:solidFill>
+                  <a:srgbClr val="00B050"/>
+                </a:solidFill>
+                <a:latin typeface="Consolas" panose="020B0609020204030204" pitchFamily="49" charset="0"/>
+                <a:ea typeface="돋움체" panose="020B0609000101010101" pitchFamily="49" charset="-127"/>
+              </a:rPr>
+              <a:t>(</a:t>
+            </a:r>
+            <a:r>
+              <a:rPr lang="ko-KR" altLang="en-US" sz="1400" dirty="0" err="1">
+                <a:solidFill>
+                  <a:srgbClr val="00B050"/>
+                </a:solidFill>
+                <a:latin typeface="Consolas" panose="020B0609020204030204" pitchFamily="49" charset="0"/>
+                <a:ea typeface="돋움체" panose="020B0609000101010101" pitchFamily="49" charset="-127"/>
+              </a:rPr>
+              <a:t>블러킹</a:t>
+            </a:r>
+            <a:r>
+              <a:rPr lang="en-US" altLang="ko-KR" sz="1400" dirty="0">
+                <a:solidFill>
+                  <a:srgbClr val="00B050"/>
+                </a:solidFill>
+                <a:latin typeface="Consolas" panose="020B0609020204030204" pitchFamily="49" charset="0"/>
+                <a:ea typeface="돋움체" panose="020B0609000101010101" pitchFamily="49" charset="-127"/>
+              </a:rPr>
+              <a:t>)</a:t>
+            </a:r>
+            <a:endParaRPr lang="en-US" altLang="ko-KR" sz="1400" dirty="0">
+              <a:solidFill>
+                <a:schemeClr val="bg1"/>
+              </a:solidFill>
+              <a:latin typeface="Consolas" panose="020B0609020204030204" pitchFamily="49" charset="0"/>
+              <a:ea typeface="돋움체" panose="020B0609000101010101" pitchFamily="49" charset="-127"/>
+            </a:endParaRPr>
+          </a:p>
+        </p:txBody>
+      </p:sp>
+    </p:spTree>
+    <p:extLst>
+      <p:ext uri="{BB962C8B-B14F-4D97-AF65-F5344CB8AC3E}">
+        <p14:creationId xmlns:p14="http://schemas.microsoft.com/office/powerpoint/2010/main" val="4216805452"/>
+      </p:ext>
+    </p:extLst>
+  </p:cSld>
+  <p:clrMapOvr>
+    <a:masterClrMapping/>
+  </p:clrMapOvr>
+</p:sld>
+</file>
+
+<file path=ppt/slides/slide20.xml><?xml version="1.0" encoding="utf-8"?>
 <p:sld xmlns:a="http://schemas.openxmlformats.org/drawingml/2006/main" xmlns:r="http://schemas.openxmlformats.org/officeDocument/2006/relationships" xmlns:p="http://schemas.openxmlformats.org/presentationml/2006/main">
   <p:cSld>
     <p:spTree>
@@ -5172,7 +8059,7 @@
 </p:sld>
 </file>
 
-<file path=ppt/slides/slide17.xml><?xml version="1.0" encoding="utf-8"?>
+<file path=ppt/slides/slide21.xml><?xml version="1.0" encoding="utf-8"?>
 <p:sld xmlns:a="http://schemas.openxmlformats.org/drawingml/2006/main" xmlns:r="http://schemas.openxmlformats.org/officeDocument/2006/relationships" xmlns:p="http://schemas.openxmlformats.org/presentationml/2006/main">
   <p:cSld>
     <p:spTree>
@@ -5384,7 +8271,7 @@
 </p:sld>
 </file>
 
-<file path=ppt/slides/slide18.xml><?xml version="1.0" encoding="utf-8"?>
+<file path=ppt/slides/slide22.xml><?xml version="1.0" encoding="utf-8"?>
 <p:sld xmlns:a="http://schemas.openxmlformats.org/drawingml/2006/main" xmlns:r="http://schemas.openxmlformats.org/officeDocument/2006/relationships" xmlns:p="http://schemas.openxmlformats.org/presentationml/2006/main">
   <p:cSld>
     <p:spTree>
@@ -6491,7 +9378,1662 @@
 </p:sld>
 </file>
 
-<file path=ppt/slides/slide19.xml><?xml version="1.0" encoding="utf-8"?>
+<file path=ppt/slides/slide23.xml><?xml version="1.0" encoding="utf-8"?>
+<p:sld xmlns:a="http://schemas.openxmlformats.org/drawingml/2006/main" xmlns:r="http://schemas.openxmlformats.org/officeDocument/2006/relationships" xmlns:p="http://schemas.openxmlformats.org/presentationml/2006/main">
+  <p:cSld>
+    <p:spTree>
+      <p:nvGrpSpPr>
+        <p:cNvPr id="1" name=""/>
+        <p:cNvGrpSpPr/>
+        <p:nvPr/>
+      </p:nvGrpSpPr>
+      <p:grpSpPr>
+        <a:xfrm>
+          <a:off x="0" y="0"/>
+          <a:ext cx="0" cy="0"/>
+          <a:chOff x="0" y="0"/>
+          <a:chExt cx="0" cy="0"/>
+        </a:xfrm>
+      </p:grpSpPr>
+      <p:sp>
+        <p:nvSpPr>
+          <p:cNvPr id="2" name="제목 1">
+            <a:extLst>
+              <a:ext uri="{FF2B5EF4-FFF2-40B4-BE49-F238E27FC236}">
+                <a16:creationId xmlns:a16="http://schemas.microsoft.com/office/drawing/2014/main" id="{A5936885-83E8-4ADA-AD5F-ACEC23605E66}"/>
+              </a:ext>
+            </a:extLst>
+          </p:cNvPr>
+          <p:cNvSpPr>
+            <a:spLocks noGrp="1"/>
+          </p:cNvSpPr>
+          <p:nvPr>
+            <p:ph type="title"/>
+          </p:nvPr>
+        </p:nvSpPr>
+        <p:spPr/>
+        <p:txBody>
+          <a:bodyPr/>
+          <a:lstStyle/>
+          <a:p>
+            <a:r>
+              <a:rPr lang="ko-KR" altLang="en-US" dirty="0"/>
+              <a:t>사용</a:t>
+            </a:r>
+          </a:p>
+        </p:txBody>
+      </p:sp>
+      <p:sp>
+        <p:nvSpPr>
+          <p:cNvPr id="3" name="내용 개체 틀 2">
+            <a:extLst>
+              <a:ext uri="{FF2B5EF4-FFF2-40B4-BE49-F238E27FC236}">
+                <a16:creationId xmlns:a16="http://schemas.microsoft.com/office/drawing/2014/main" id="{E66172A4-4AAE-4654-9B30-F76902DDD234}"/>
+              </a:ext>
+            </a:extLst>
+          </p:cNvPr>
+          <p:cNvSpPr>
+            <a:spLocks noGrp="1"/>
+          </p:cNvSpPr>
+          <p:nvPr>
+            <p:ph idx="1"/>
+          </p:nvPr>
+        </p:nvSpPr>
+        <p:spPr/>
+        <p:txBody>
+          <a:bodyPr/>
+          <a:lstStyle/>
+          <a:p>
+            <a:endParaRPr lang="ko-KR" altLang="en-US"/>
+          </a:p>
+        </p:txBody>
+      </p:sp>
+      <p:sp>
+        <p:nvSpPr>
+          <p:cNvPr id="4" name="내용 개체 틀 2">
+            <a:extLst>
+              <a:ext uri="{FF2B5EF4-FFF2-40B4-BE49-F238E27FC236}">
+                <a16:creationId xmlns:a16="http://schemas.microsoft.com/office/drawing/2014/main" id="{40ABF4B8-2062-4F95-ADAF-03A3688A9453}"/>
+              </a:ext>
+            </a:extLst>
+          </p:cNvPr>
+          <p:cNvSpPr txBox="1">
+            <a:spLocks/>
+          </p:cNvSpPr>
+          <p:nvPr/>
+        </p:nvSpPr>
+        <p:spPr>
+          <a:xfrm>
+            <a:off x="838200" y="1897380"/>
+            <a:ext cx="10515600" cy="4123373"/>
+          </a:xfrm>
+          <a:prstGeom prst="rect">
+            <a:avLst/>
+          </a:prstGeom>
+          <a:solidFill>
+            <a:schemeClr val="tx1"/>
+          </a:solidFill>
+        </p:spPr>
+        <p:txBody>
+          <a:bodyPr vert="horz" lIns="91440" tIns="45720" rIns="91440" bIns="45720" rtlCol="0">
+            <a:normAutofit/>
+          </a:bodyPr>
+          <a:lstStyle>
+            <a:lvl1pPr marL="228600" indent="-228600" algn="l" defTabSz="914400" rtl="0" eaLnBrk="1" latinLnBrk="1" hangingPunct="1">
+              <a:lnSpc>
+                <a:spcPct val="90000"/>
+              </a:lnSpc>
+              <a:spcBef>
+                <a:spcPts val="1000"/>
+              </a:spcBef>
+              <a:buFont typeface="Arial" panose="020B0604020202020204" pitchFamily="34" charset="0"/>
+              <a:buChar char="•"/>
+              <a:defRPr sz="2800" kern="1200">
+                <a:solidFill>
+                  <a:schemeClr val="tx1"/>
+                </a:solidFill>
+                <a:latin typeface="+mn-lt"/>
+                <a:ea typeface="+mn-ea"/>
+                <a:cs typeface="+mn-cs"/>
+              </a:defRPr>
+            </a:lvl1pPr>
+            <a:lvl2pPr marL="685800" indent="-228600" algn="l" defTabSz="914400" rtl="0" eaLnBrk="1" latinLnBrk="1" hangingPunct="1">
+              <a:lnSpc>
+                <a:spcPct val="90000"/>
+              </a:lnSpc>
+              <a:spcBef>
+                <a:spcPts val="500"/>
+              </a:spcBef>
+              <a:buFont typeface="Arial" panose="020B0604020202020204" pitchFamily="34" charset="0"/>
+              <a:buChar char="•"/>
+              <a:defRPr sz="2400" kern="1200">
+                <a:solidFill>
+                  <a:schemeClr val="tx1"/>
+                </a:solidFill>
+                <a:latin typeface="+mn-lt"/>
+                <a:ea typeface="+mn-ea"/>
+                <a:cs typeface="+mn-cs"/>
+              </a:defRPr>
+            </a:lvl2pPr>
+            <a:lvl3pPr marL="1143000" indent="-228600" algn="l" defTabSz="914400" rtl="0" eaLnBrk="1" latinLnBrk="1" hangingPunct="1">
+              <a:lnSpc>
+                <a:spcPct val="90000"/>
+              </a:lnSpc>
+              <a:spcBef>
+                <a:spcPts val="500"/>
+              </a:spcBef>
+              <a:buFont typeface="Arial" panose="020B0604020202020204" pitchFamily="34" charset="0"/>
+              <a:buChar char="•"/>
+              <a:defRPr sz="2000" kern="1200">
+                <a:solidFill>
+                  <a:schemeClr val="tx1"/>
+                </a:solidFill>
+                <a:latin typeface="+mn-lt"/>
+                <a:ea typeface="+mn-ea"/>
+                <a:cs typeface="+mn-cs"/>
+              </a:defRPr>
+            </a:lvl3pPr>
+            <a:lvl4pPr marL="1600200" indent="-228600" algn="l" defTabSz="914400" rtl="0" eaLnBrk="1" latinLnBrk="1" hangingPunct="1">
+              <a:lnSpc>
+                <a:spcPct val="90000"/>
+              </a:lnSpc>
+              <a:spcBef>
+                <a:spcPts val="500"/>
+              </a:spcBef>
+              <a:buFont typeface="Arial" panose="020B0604020202020204" pitchFamily="34" charset="0"/>
+              <a:buChar char="•"/>
+              <a:defRPr sz="1800" kern="1200">
+                <a:solidFill>
+                  <a:schemeClr val="tx1"/>
+                </a:solidFill>
+                <a:latin typeface="+mn-lt"/>
+                <a:ea typeface="+mn-ea"/>
+                <a:cs typeface="+mn-cs"/>
+              </a:defRPr>
+            </a:lvl4pPr>
+            <a:lvl5pPr marL="2057400" indent="-228600" algn="l" defTabSz="914400" rtl="0" eaLnBrk="1" latinLnBrk="1" hangingPunct="1">
+              <a:lnSpc>
+                <a:spcPct val="90000"/>
+              </a:lnSpc>
+              <a:spcBef>
+                <a:spcPts val="500"/>
+              </a:spcBef>
+              <a:buFont typeface="Arial" panose="020B0604020202020204" pitchFamily="34" charset="0"/>
+              <a:buChar char="•"/>
+              <a:defRPr sz="1800" kern="1200">
+                <a:solidFill>
+                  <a:schemeClr val="tx1"/>
+                </a:solidFill>
+                <a:latin typeface="+mn-lt"/>
+                <a:ea typeface="+mn-ea"/>
+                <a:cs typeface="+mn-cs"/>
+              </a:defRPr>
+            </a:lvl5pPr>
+            <a:lvl6pPr marL="2514600" indent="-228600" algn="l" defTabSz="914400" rtl="0" eaLnBrk="1" latinLnBrk="1" hangingPunct="1">
+              <a:lnSpc>
+                <a:spcPct val="90000"/>
+              </a:lnSpc>
+              <a:spcBef>
+                <a:spcPts val="500"/>
+              </a:spcBef>
+              <a:buFont typeface="Arial" panose="020B0604020202020204" pitchFamily="34" charset="0"/>
+              <a:buChar char="•"/>
+              <a:defRPr sz="1800" kern="1200">
+                <a:solidFill>
+                  <a:schemeClr val="tx1"/>
+                </a:solidFill>
+                <a:latin typeface="+mn-lt"/>
+                <a:ea typeface="+mn-ea"/>
+                <a:cs typeface="+mn-cs"/>
+              </a:defRPr>
+            </a:lvl6pPr>
+            <a:lvl7pPr marL="2971800" indent="-228600" algn="l" defTabSz="914400" rtl="0" eaLnBrk="1" latinLnBrk="1" hangingPunct="1">
+              <a:lnSpc>
+                <a:spcPct val="90000"/>
+              </a:lnSpc>
+              <a:spcBef>
+                <a:spcPts val="500"/>
+              </a:spcBef>
+              <a:buFont typeface="Arial" panose="020B0604020202020204" pitchFamily="34" charset="0"/>
+              <a:buChar char="•"/>
+              <a:defRPr sz="1800" kern="1200">
+                <a:solidFill>
+                  <a:schemeClr val="tx1"/>
+                </a:solidFill>
+                <a:latin typeface="+mn-lt"/>
+                <a:ea typeface="+mn-ea"/>
+                <a:cs typeface="+mn-cs"/>
+              </a:defRPr>
+            </a:lvl7pPr>
+            <a:lvl8pPr marL="3429000" indent="-228600" algn="l" defTabSz="914400" rtl="0" eaLnBrk="1" latinLnBrk="1" hangingPunct="1">
+              <a:lnSpc>
+                <a:spcPct val="90000"/>
+              </a:lnSpc>
+              <a:spcBef>
+                <a:spcPts val="500"/>
+              </a:spcBef>
+              <a:buFont typeface="Arial" panose="020B0604020202020204" pitchFamily="34" charset="0"/>
+              <a:buChar char="•"/>
+              <a:defRPr sz="1800" kern="1200">
+                <a:solidFill>
+                  <a:schemeClr val="tx1"/>
+                </a:solidFill>
+                <a:latin typeface="+mn-lt"/>
+                <a:ea typeface="+mn-ea"/>
+                <a:cs typeface="+mn-cs"/>
+              </a:defRPr>
+            </a:lvl8pPr>
+            <a:lvl9pPr marL="3886200" indent="-228600" algn="l" defTabSz="914400" rtl="0" eaLnBrk="1" latinLnBrk="1" hangingPunct="1">
+              <a:lnSpc>
+                <a:spcPct val="90000"/>
+              </a:lnSpc>
+              <a:spcBef>
+                <a:spcPts val="500"/>
+              </a:spcBef>
+              <a:buFont typeface="Arial" panose="020B0604020202020204" pitchFamily="34" charset="0"/>
+              <a:buChar char="•"/>
+              <a:defRPr sz="1800" kern="1200">
+                <a:solidFill>
+                  <a:schemeClr val="tx1"/>
+                </a:solidFill>
+                <a:latin typeface="+mn-lt"/>
+                <a:ea typeface="+mn-ea"/>
+                <a:cs typeface="+mn-cs"/>
+              </a:defRPr>
+            </a:lvl9pPr>
+          </a:lstStyle>
+          <a:p>
+            <a:pPr marL="0" indent="0" defTabSz="576000">
+              <a:buNone/>
+            </a:pPr>
+            <a:endParaRPr lang="en-US" altLang="ko-KR" sz="2000" dirty="0">
+              <a:solidFill>
+                <a:schemeClr val="bg1"/>
+              </a:solidFill>
+              <a:latin typeface="Consolas" panose="020B0609020204030204" pitchFamily="49" charset="0"/>
+              <a:ea typeface="돋움체" panose="020B0609000101010101" pitchFamily="49" charset="-127"/>
+            </a:endParaRPr>
+          </a:p>
+          <a:p>
+            <a:pPr marL="0" indent="0" defTabSz="576000">
+              <a:buNone/>
+            </a:pPr>
+            <a:r>
+              <a:rPr lang="en-US" altLang="ko-KR" sz="2000" dirty="0">
+                <a:solidFill>
+                  <a:schemeClr val="bg1"/>
+                </a:solidFill>
+                <a:latin typeface="Consolas" panose="020B0609020204030204" pitchFamily="49" charset="0"/>
+                <a:ea typeface="돋움체" panose="020B0609000101010101" pitchFamily="49" charset="-127"/>
+              </a:rPr>
+              <a:t>	{</a:t>
+            </a:r>
+          </a:p>
+          <a:p>
+            <a:pPr marL="0" indent="0" defTabSz="576000">
+              <a:buNone/>
+            </a:pPr>
+            <a:r>
+              <a:rPr lang="en-US" altLang="ko-KR" sz="2000" dirty="0">
+                <a:solidFill>
+                  <a:srgbClr val="FFC000"/>
+                </a:solidFill>
+                <a:latin typeface="Consolas" panose="020B0609020204030204" pitchFamily="49" charset="0"/>
+                <a:ea typeface="돋움체" panose="020B0609000101010101" pitchFamily="49" charset="-127"/>
+              </a:rPr>
+              <a:t>		</a:t>
+            </a:r>
+            <a:r>
+              <a:rPr lang="en-US" altLang="ko-KR" sz="2000" dirty="0" err="1">
+                <a:solidFill>
+                  <a:srgbClr val="FFC000"/>
+                </a:solidFill>
+                <a:latin typeface="Consolas" panose="020B0609020204030204" pitchFamily="49" charset="0"/>
+                <a:ea typeface="돋움체" panose="020B0609000101010101" pitchFamily="49" charset="-127"/>
+              </a:rPr>
+              <a:t>ThreadRAII</a:t>
+            </a:r>
+            <a:r>
+              <a:rPr lang="en-US" altLang="ko-KR" sz="2000" dirty="0">
+                <a:solidFill>
+                  <a:srgbClr val="FFC000"/>
+                </a:solidFill>
+                <a:latin typeface="Consolas" panose="020B0609020204030204" pitchFamily="49" charset="0"/>
+                <a:ea typeface="돋움체" panose="020B0609000101010101" pitchFamily="49" charset="-127"/>
+              </a:rPr>
+              <a:t> t(</a:t>
+            </a:r>
+          </a:p>
+          <a:p>
+            <a:pPr marL="0" indent="0" defTabSz="576000">
+              <a:buNone/>
+            </a:pPr>
+            <a:r>
+              <a:rPr lang="en-US" altLang="ko-KR" sz="2000" dirty="0">
+                <a:solidFill>
+                  <a:srgbClr val="FFC000"/>
+                </a:solidFill>
+                <a:latin typeface="Consolas" panose="020B0609020204030204" pitchFamily="49" charset="0"/>
+                <a:ea typeface="돋움체" panose="020B0609000101010101" pitchFamily="49" charset="-127"/>
+              </a:rPr>
+              <a:t>			std::thread(</a:t>
+            </a:r>
+            <a:r>
+              <a:rPr lang="en-US" altLang="ko-KR" sz="2000" dirty="0" err="1">
+                <a:solidFill>
+                  <a:srgbClr val="FFC000"/>
+                </a:solidFill>
+                <a:latin typeface="Consolas" panose="020B0609020204030204" pitchFamily="49" charset="0"/>
+                <a:ea typeface="돋움체" panose="020B0609000101010101" pitchFamily="49" charset="-127"/>
+              </a:rPr>
+              <a:t>threadEntry</a:t>
+            </a:r>
+            <a:r>
+              <a:rPr lang="en-US" altLang="ko-KR" sz="2000" dirty="0">
+                <a:solidFill>
+                  <a:srgbClr val="FFC000"/>
+                </a:solidFill>
+                <a:latin typeface="Consolas" panose="020B0609020204030204" pitchFamily="49" charset="0"/>
+                <a:ea typeface="돋움체" panose="020B0609000101010101" pitchFamily="49" charset="-127"/>
+              </a:rPr>
+              <a:t>), </a:t>
+            </a:r>
+          </a:p>
+          <a:p>
+            <a:pPr marL="0" indent="0" defTabSz="576000">
+              <a:buNone/>
+            </a:pPr>
+            <a:r>
+              <a:rPr lang="en-US" altLang="ko-KR" sz="2000" dirty="0">
+                <a:solidFill>
+                  <a:srgbClr val="FFC000"/>
+                </a:solidFill>
+                <a:latin typeface="Consolas" panose="020B0609020204030204" pitchFamily="49" charset="0"/>
+                <a:ea typeface="돋움체" panose="020B0609000101010101" pitchFamily="49" charset="-127"/>
+              </a:rPr>
+              <a:t>			</a:t>
+            </a:r>
+            <a:r>
+              <a:rPr lang="en-US" altLang="ko-KR" sz="2000" dirty="0" err="1">
+                <a:solidFill>
+                  <a:srgbClr val="FFC000"/>
+                </a:solidFill>
+                <a:latin typeface="Consolas" panose="020B0609020204030204" pitchFamily="49" charset="0"/>
+                <a:ea typeface="돋움체" panose="020B0609000101010101" pitchFamily="49" charset="-127"/>
+              </a:rPr>
+              <a:t>ThreadRAII</a:t>
+            </a:r>
+            <a:r>
+              <a:rPr lang="en-US" altLang="ko-KR" sz="2000" dirty="0">
+                <a:solidFill>
+                  <a:srgbClr val="FFC000"/>
+                </a:solidFill>
+                <a:latin typeface="Consolas" panose="020B0609020204030204" pitchFamily="49" charset="0"/>
+                <a:ea typeface="돋움체" panose="020B0609000101010101" pitchFamily="49" charset="-127"/>
+              </a:rPr>
+              <a:t>::</a:t>
+            </a:r>
+            <a:r>
+              <a:rPr lang="en-US" altLang="ko-KR" sz="2000" dirty="0" err="1">
+                <a:solidFill>
+                  <a:srgbClr val="FFC000"/>
+                </a:solidFill>
+                <a:latin typeface="Consolas" panose="020B0609020204030204" pitchFamily="49" charset="0"/>
+                <a:ea typeface="돋움체" panose="020B0609000101010101" pitchFamily="49" charset="-127"/>
+              </a:rPr>
+              <a:t>DtorAction</a:t>
+            </a:r>
+            <a:r>
+              <a:rPr lang="en-US" altLang="ko-KR" sz="2000" dirty="0">
+                <a:solidFill>
+                  <a:srgbClr val="FFC000"/>
+                </a:solidFill>
+                <a:latin typeface="Consolas" panose="020B0609020204030204" pitchFamily="49" charset="0"/>
+                <a:ea typeface="돋움체" panose="020B0609000101010101" pitchFamily="49" charset="-127"/>
+              </a:rPr>
+              <a:t>::join);</a:t>
+            </a:r>
+          </a:p>
+          <a:p>
+            <a:pPr marL="0" indent="0" defTabSz="576000">
+              <a:buNone/>
+            </a:pPr>
+            <a:r>
+              <a:rPr lang="en-US" altLang="ko-KR" sz="2000" dirty="0">
+                <a:solidFill>
+                  <a:srgbClr val="00B050"/>
+                </a:solidFill>
+                <a:latin typeface="Consolas" panose="020B0609020204030204" pitchFamily="49" charset="0"/>
+                <a:ea typeface="돋움체" panose="020B0609000101010101" pitchFamily="49" charset="-127"/>
+              </a:rPr>
+              <a:t>		// </a:t>
+            </a:r>
+            <a:r>
+              <a:rPr lang="ko-KR" altLang="en-US" sz="2000" dirty="0">
+                <a:solidFill>
+                  <a:srgbClr val="00B050"/>
+                </a:solidFill>
+                <a:latin typeface="Consolas" panose="020B0609020204030204" pitchFamily="49" charset="0"/>
+                <a:ea typeface="돋움체" panose="020B0609000101010101" pitchFamily="49" charset="-127"/>
+              </a:rPr>
+              <a:t>별개의 작업시작</a:t>
+            </a:r>
+            <a:r>
+              <a:rPr lang="en-US" altLang="ko-KR" sz="2000" dirty="0">
+                <a:solidFill>
+                  <a:srgbClr val="00B050"/>
+                </a:solidFill>
+                <a:latin typeface="Consolas" panose="020B0609020204030204" pitchFamily="49" charset="0"/>
+                <a:ea typeface="돋움체" panose="020B0609000101010101" pitchFamily="49" charset="-127"/>
+              </a:rPr>
+              <a:t>..</a:t>
+            </a:r>
+          </a:p>
+          <a:p>
+            <a:pPr marL="0" indent="0" defTabSz="576000">
+              <a:buNone/>
+            </a:pPr>
+            <a:r>
+              <a:rPr lang="en-US" altLang="ko-KR" sz="2000" dirty="0">
+                <a:solidFill>
+                  <a:schemeClr val="bg1"/>
+                </a:solidFill>
+                <a:latin typeface="Consolas" panose="020B0609020204030204" pitchFamily="49" charset="0"/>
+                <a:ea typeface="돋움체" panose="020B0609000101010101" pitchFamily="49" charset="-127"/>
+              </a:rPr>
+              <a:t>		if (cancel)</a:t>
+            </a:r>
+          </a:p>
+          <a:p>
+            <a:pPr marL="0" indent="0" defTabSz="576000">
+              <a:buNone/>
+            </a:pPr>
+            <a:r>
+              <a:rPr lang="en-US" altLang="ko-KR" sz="2000" dirty="0">
+                <a:solidFill>
+                  <a:schemeClr val="bg1"/>
+                </a:solidFill>
+                <a:latin typeface="Consolas" panose="020B0609020204030204" pitchFamily="49" charset="0"/>
+                <a:ea typeface="돋움체" panose="020B0609000101010101" pitchFamily="49" charset="-127"/>
+              </a:rPr>
+              <a:t>			</a:t>
+            </a:r>
+            <a:r>
+              <a:rPr lang="en-US" altLang="ko-KR" sz="2000" dirty="0">
+                <a:solidFill>
+                  <a:srgbClr val="0070C0"/>
+                </a:solidFill>
+                <a:latin typeface="Consolas" panose="020B0609020204030204" pitchFamily="49" charset="0"/>
+                <a:ea typeface="돋움체" panose="020B0609000101010101" pitchFamily="49" charset="-127"/>
+              </a:rPr>
+              <a:t>return</a:t>
+            </a:r>
+            <a:r>
+              <a:rPr lang="en-US" altLang="ko-KR" sz="2000" dirty="0">
+                <a:solidFill>
+                  <a:schemeClr val="bg1"/>
+                </a:solidFill>
+                <a:latin typeface="Consolas" panose="020B0609020204030204" pitchFamily="49" charset="0"/>
+                <a:ea typeface="돋움체" panose="020B0609000101010101" pitchFamily="49" charset="-127"/>
+              </a:rPr>
+              <a:t>;</a:t>
+            </a:r>
+          </a:p>
+          <a:p>
+            <a:pPr marL="0" indent="0" defTabSz="576000">
+              <a:buNone/>
+            </a:pPr>
+            <a:r>
+              <a:rPr lang="en-US" altLang="ko-KR" sz="2000" dirty="0">
+                <a:solidFill>
+                  <a:srgbClr val="00B050"/>
+                </a:solidFill>
+                <a:latin typeface="Consolas" panose="020B0609020204030204" pitchFamily="49" charset="0"/>
+                <a:ea typeface="돋움체" panose="020B0609000101010101" pitchFamily="49" charset="-127"/>
+              </a:rPr>
+              <a:t>		// </a:t>
+            </a:r>
+            <a:r>
+              <a:rPr lang="ko-KR" altLang="en-US" sz="2000" dirty="0" err="1">
+                <a:solidFill>
+                  <a:srgbClr val="00B050"/>
+                </a:solidFill>
+                <a:latin typeface="Consolas" panose="020B0609020204030204" pitchFamily="49" charset="0"/>
+                <a:ea typeface="돋움체" panose="020B0609000101010101" pitchFamily="49" charset="-127"/>
+              </a:rPr>
+              <a:t>작업끝</a:t>
+            </a:r>
+            <a:r>
+              <a:rPr lang="en-US" altLang="ko-KR" sz="2000" dirty="0">
+                <a:solidFill>
+                  <a:srgbClr val="00B050"/>
+                </a:solidFill>
+                <a:latin typeface="Consolas" panose="020B0609020204030204" pitchFamily="49" charset="0"/>
+                <a:ea typeface="돋움체" panose="020B0609000101010101" pitchFamily="49" charset="-127"/>
+              </a:rPr>
+              <a:t>..</a:t>
+            </a:r>
+          </a:p>
+          <a:p>
+            <a:pPr marL="0" indent="0" defTabSz="576000">
+              <a:buNone/>
+            </a:pPr>
+            <a:r>
+              <a:rPr lang="en-US" altLang="ko-KR" sz="2000" dirty="0">
+                <a:solidFill>
+                  <a:schemeClr val="bg1"/>
+                </a:solidFill>
+                <a:latin typeface="Consolas" panose="020B0609020204030204" pitchFamily="49" charset="0"/>
+                <a:ea typeface="돋움체" panose="020B0609000101010101" pitchFamily="49" charset="-127"/>
+              </a:rPr>
+              <a:t>	}</a:t>
+            </a:r>
+            <a:r>
+              <a:rPr lang="en-US" altLang="ko-KR" sz="2000" dirty="0">
+                <a:solidFill>
+                  <a:srgbClr val="00B050"/>
+                </a:solidFill>
+                <a:latin typeface="Consolas" panose="020B0609020204030204" pitchFamily="49" charset="0"/>
+                <a:ea typeface="돋움체" panose="020B0609000101010101" pitchFamily="49" charset="-127"/>
+              </a:rPr>
+              <a:t>	</a:t>
+            </a:r>
+          </a:p>
+        </p:txBody>
+      </p:sp>
+    </p:spTree>
+    <p:extLst>
+      <p:ext uri="{BB962C8B-B14F-4D97-AF65-F5344CB8AC3E}">
+        <p14:creationId xmlns:p14="http://schemas.microsoft.com/office/powerpoint/2010/main" val="3092430586"/>
+      </p:ext>
+    </p:extLst>
+  </p:cSld>
+  <p:clrMapOvr>
+    <a:masterClrMapping/>
+  </p:clrMapOvr>
+</p:sld>
+</file>
+
+<file path=ppt/slides/slide24.xml><?xml version="1.0" encoding="utf-8"?>
+<p:sld xmlns:a="http://schemas.openxmlformats.org/drawingml/2006/main" xmlns:r="http://schemas.openxmlformats.org/officeDocument/2006/relationships" xmlns:p="http://schemas.openxmlformats.org/presentationml/2006/main">
+  <p:cSld>
+    <p:spTree>
+      <p:nvGrpSpPr>
+        <p:cNvPr id="1" name=""/>
+        <p:cNvGrpSpPr/>
+        <p:nvPr/>
+      </p:nvGrpSpPr>
+      <p:grpSpPr>
+        <a:xfrm>
+          <a:off x="0" y="0"/>
+          <a:ext cx="0" cy="0"/>
+          <a:chOff x="0" y="0"/>
+          <a:chExt cx="0" cy="0"/>
+        </a:xfrm>
+      </p:grpSpPr>
+      <p:sp>
+        <p:nvSpPr>
+          <p:cNvPr id="2" name="제목 1">
+            <a:extLst>
+              <a:ext uri="{FF2B5EF4-FFF2-40B4-BE49-F238E27FC236}">
+                <a16:creationId xmlns:a16="http://schemas.microsoft.com/office/drawing/2014/main" id="{A5936885-83E8-4ADA-AD5F-ACEC23605E66}"/>
+              </a:ext>
+            </a:extLst>
+          </p:cNvPr>
+          <p:cNvSpPr>
+            <a:spLocks noGrp="1"/>
+          </p:cNvSpPr>
+          <p:nvPr>
+            <p:ph type="title"/>
+          </p:nvPr>
+        </p:nvSpPr>
+        <p:spPr/>
+        <p:txBody>
+          <a:bodyPr/>
+          <a:lstStyle/>
+          <a:p>
+            <a:r>
+              <a:rPr lang="ko-KR" altLang="en-US" dirty="0"/>
+              <a:t>비교</a:t>
+            </a:r>
+          </a:p>
+        </p:txBody>
+      </p:sp>
+      <p:sp>
+        <p:nvSpPr>
+          <p:cNvPr id="3" name="내용 개체 틀 2">
+            <a:extLst>
+              <a:ext uri="{FF2B5EF4-FFF2-40B4-BE49-F238E27FC236}">
+                <a16:creationId xmlns:a16="http://schemas.microsoft.com/office/drawing/2014/main" id="{E66172A4-4AAE-4654-9B30-F76902DDD234}"/>
+              </a:ext>
+            </a:extLst>
+          </p:cNvPr>
+          <p:cNvSpPr>
+            <a:spLocks noGrp="1"/>
+          </p:cNvSpPr>
+          <p:nvPr>
+            <p:ph idx="1"/>
+          </p:nvPr>
+        </p:nvSpPr>
+        <p:spPr/>
+        <p:txBody>
+          <a:bodyPr/>
+          <a:lstStyle/>
+          <a:p>
+            <a:endParaRPr lang="ko-KR" altLang="en-US"/>
+          </a:p>
+        </p:txBody>
+      </p:sp>
+      <p:sp>
+        <p:nvSpPr>
+          <p:cNvPr id="4" name="내용 개체 틀 2">
+            <a:extLst>
+              <a:ext uri="{FF2B5EF4-FFF2-40B4-BE49-F238E27FC236}">
+                <a16:creationId xmlns:a16="http://schemas.microsoft.com/office/drawing/2014/main" id="{40ABF4B8-2062-4F95-ADAF-03A3688A9453}"/>
+              </a:ext>
+            </a:extLst>
+          </p:cNvPr>
+          <p:cNvSpPr txBox="1">
+            <a:spLocks/>
+          </p:cNvSpPr>
+          <p:nvPr/>
+        </p:nvSpPr>
+        <p:spPr>
+          <a:xfrm>
+            <a:off x="5520690" y="1912620"/>
+            <a:ext cx="5737860" cy="4123373"/>
+          </a:xfrm>
+          <a:prstGeom prst="rect">
+            <a:avLst/>
+          </a:prstGeom>
+          <a:solidFill>
+            <a:schemeClr val="tx1"/>
+          </a:solidFill>
+        </p:spPr>
+        <p:txBody>
+          <a:bodyPr vert="horz" lIns="91440" tIns="45720" rIns="91440" bIns="45720" rtlCol="0">
+            <a:normAutofit/>
+          </a:bodyPr>
+          <a:lstStyle>
+            <a:lvl1pPr marL="228600" indent="-228600" algn="l" defTabSz="914400" rtl="0" eaLnBrk="1" latinLnBrk="1" hangingPunct="1">
+              <a:lnSpc>
+                <a:spcPct val="90000"/>
+              </a:lnSpc>
+              <a:spcBef>
+                <a:spcPts val="1000"/>
+              </a:spcBef>
+              <a:buFont typeface="Arial" panose="020B0604020202020204" pitchFamily="34" charset="0"/>
+              <a:buChar char="•"/>
+              <a:defRPr sz="2800" kern="1200">
+                <a:solidFill>
+                  <a:schemeClr val="tx1"/>
+                </a:solidFill>
+                <a:latin typeface="+mn-lt"/>
+                <a:ea typeface="+mn-ea"/>
+                <a:cs typeface="+mn-cs"/>
+              </a:defRPr>
+            </a:lvl1pPr>
+            <a:lvl2pPr marL="685800" indent="-228600" algn="l" defTabSz="914400" rtl="0" eaLnBrk="1" latinLnBrk="1" hangingPunct="1">
+              <a:lnSpc>
+                <a:spcPct val="90000"/>
+              </a:lnSpc>
+              <a:spcBef>
+                <a:spcPts val="500"/>
+              </a:spcBef>
+              <a:buFont typeface="Arial" panose="020B0604020202020204" pitchFamily="34" charset="0"/>
+              <a:buChar char="•"/>
+              <a:defRPr sz="2400" kern="1200">
+                <a:solidFill>
+                  <a:schemeClr val="tx1"/>
+                </a:solidFill>
+                <a:latin typeface="+mn-lt"/>
+                <a:ea typeface="+mn-ea"/>
+                <a:cs typeface="+mn-cs"/>
+              </a:defRPr>
+            </a:lvl2pPr>
+            <a:lvl3pPr marL="1143000" indent="-228600" algn="l" defTabSz="914400" rtl="0" eaLnBrk="1" latinLnBrk="1" hangingPunct="1">
+              <a:lnSpc>
+                <a:spcPct val="90000"/>
+              </a:lnSpc>
+              <a:spcBef>
+                <a:spcPts val="500"/>
+              </a:spcBef>
+              <a:buFont typeface="Arial" panose="020B0604020202020204" pitchFamily="34" charset="0"/>
+              <a:buChar char="•"/>
+              <a:defRPr sz="2000" kern="1200">
+                <a:solidFill>
+                  <a:schemeClr val="tx1"/>
+                </a:solidFill>
+                <a:latin typeface="+mn-lt"/>
+                <a:ea typeface="+mn-ea"/>
+                <a:cs typeface="+mn-cs"/>
+              </a:defRPr>
+            </a:lvl3pPr>
+            <a:lvl4pPr marL="1600200" indent="-228600" algn="l" defTabSz="914400" rtl="0" eaLnBrk="1" latinLnBrk="1" hangingPunct="1">
+              <a:lnSpc>
+                <a:spcPct val="90000"/>
+              </a:lnSpc>
+              <a:spcBef>
+                <a:spcPts val="500"/>
+              </a:spcBef>
+              <a:buFont typeface="Arial" panose="020B0604020202020204" pitchFamily="34" charset="0"/>
+              <a:buChar char="•"/>
+              <a:defRPr sz="1800" kern="1200">
+                <a:solidFill>
+                  <a:schemeClr val="tx1"/>
+                </a:solidFill>
+                <a:latin typeface="+mn-lt"/>
+                <a:ea typeface="+mn-ea"/>
+                <a:cs typeface="+mn-cs"/>
+              </a:defRPr>
+            </a:lvl4pPr>
+            <a:lvl5pPr marL="2057400" indent="-228600" algn="l" defTabSz="914400" rtl="0" eaLnBrk="1" latinLnBrk="1" hangingPunct="1">
+              <a:lnSpc>
+                <a:spcPct val="90000"/>
+              </a:lnSpc>
+              <a:spcBef>
+                <a:spcPts val="500"/>
+              </a:spcBef>
+              <a:buFont typeface="Arial" panose="020B0604020202020204" pitchFamily="34" charset="0"/>
+              <a:buChar char="•"/>
+              <a:defRPr sz="1800" kern="1200">
+                <a:solidFill>
+                  <a:schemeClr val="tx1"/>
+                </a:solidFill>
+                <a:latin typeface="+mn-lt"/>
+                <a:ea typeface="+mn-ea"/>
+                <a:cs typeface="+mn-cs"/>
+              </a:defRPr>
+            </a:lvl5pPr>
+            <a:lvl6pPr marL="2514600" indent="-228600" algn="l" defTabSz="914400" rtl="0" eaLnBrk="1" latinLnBrk="1" hangingPunct="1">
+              <a:lnSpc>
+                <a:spcPct val="90000"/>
+              </a:lnSpc>
+              <a:spcBef>
+                <a:spcPts val="500"/>
+              </a:spcBef>
+              <a:buFont typeface="Arial" panose="020B0604020202020204" pitchFamily="34" charset="0"/>
+              <a:buChar char="•"/>
+              <a:defRPr sz="1800" kern="1200">
+                <a:solidFill>
+                  <a:schemeClr val="tx1"/>
+                </a:solidFill>
+                <a:latin typeface="+mn-lt"/>
+                <a:ea typeface="+mn-ea"/>
+                <a:cs typeface="+mn-cs"/>
+              </a:defRPr>
+            </a:lvl6pPr>
+            <a:lvl7pPr marL="2971800" indent="-228600" algn="l" defTabSz="914400" rtl="0" eaLnBrk="1" latinLnBrk="1" hangingPunct="1">
+              <a:lnSpc>
+                <a:spcPct val="90000"/>
+              </a:lnSpc>
+              <a:spcBef>
+                <a:spcPts val="500"/>
+              </a:spcBef>
+              <a:buFont typeface="Arial" panose="020B0604020202020204" pitchFamily="34" charset="0"/>
+              <a:buChar char="•"/>
+              <a:defRPr sz="1800" kern="1200">
+                <a:solidFill>
+                  <a:schemeClr val="tx1"/>
+                </a:solidFill>
+                <a:latin typeface="+mn-lt"/>
+                <a:ea typeface="+mn-ea"/>
+                <a:cs typeface="+mn-cs"/>
+              </a:defRPr>
+            </a:lvl7pPr>
+            <a:lvl8pPr marL="3429000" indent="-228600" algn="l" defTabSz="914400" rtl="0" eaLnBrk="1" latinLnBrk="1" hangingPunct="1">
+              <a:lnSpc>
+                <a:spcPct val="90000"/>
+              </a:lnSpc>
+              <a:spcBef>
+                <a:spcPts val="500"/>
+              </a:spcBef>
+              <a:buFont typeface="Arial" panose="020B0604020202020204" pitchFamily="34" charset="0"/>
+              <a:buChar char="•"/>
+              <a:defRPr sz="1800" kern="1200">
+                <a:solidFill>
+                  <a:schemeClr val="tx1"/>
+                </a:solidFill>
+                <a:latin typeface="+mn-lt"/>
+                <a:ea typeface="+mn-ea"/>
+                <a:cs typeface="+mn-cs"/>
+              </a:defRPr>
+            </a:lvl8pPr>
+            <a:lvl9pPr marL="3886200" indent="-228600" algn="l" defTabSz="914400" rtl="0" eaLnBrk="1" latinLnBrk="1" hangingPunct="1">
+              <a:lnSpc>
+                <a:spcPct val="90000"/>
+              </a:lnSpc>
+              <a:spcBef>
+                <a:spcPts val="500"/>
+              </a:spcBef>
+              <a:buFont typeface="Arial" panose="020B0604020202020204" pitchFamily="34" charset="0"/>
+              <a:buChar char="•"/>
+              <a:defRPr sz="1800" kern="1200">
+                <a:solidFill>
+                  <a:schemeClr val="tx1"/>
+                </a:solidFill>
+                <a:latin typeface="+mn-lt"/>
+                <a:ea typeface="+mn-ea"/>
+                <a:cs typeface="+mn-cs"/>
+              </a:defRPr>
+            </a:lvl9pPr>
+          </a:lstStyle>
+          <a:p>
+            <a:pPr marL="0" indent="0" defTabSz="576000">
+              <a:buNone/>
+            </a:pPr>
+            <a:endParaRPr lang="en-US" altLang="ko-KR" sz="2000" dirty="0">
+              <a:solidFill>
+                <a:schemeClr val="bg1"/>
+              </a:solidFill>
+              <a:latin typeface="Consolas" panose="020B0609020204030204" pitchFamily="49" charset="0"/>
+              <a:ea typeface="돋움체" panose="020B0609000101010101" pitchFamily="49" charset="-127"/>
+            </a:endParaRPr>
+          </a:p>
+          <a:p>
+            <a:pPr marL="0" indent="0" defTabSz="576000">
+              <a:buNone/>
+            </a:pPr>
+            <a:r>
+              <a:rPr lang="en-US" altLang="ko-KR" sz="2000" dirty="0">
+                <a:solidFill>
+                  <a:schemeClr val="bg1"/>
+                </a:solidFill>
+                <a:latin typeface="Consolas" panose="020B0609020204030204" pitchFamily="49" charset="0"/>
+                <a:ea typeface="돋움체" panose="020B0609000101010101" pitchFamily="49" charset="-127"/>
+              </a:rPr>
+              <a:t>{</a:t>
+            </a:r>
+          </a:p>
+          <a:p>
+            <a:pPr marL="0" indent="0" defTabSz="576000">
+              <a:buNone/>
+            </a:pPr>
+            <a:r>
+              <a:rPr lang="en-US" altLang="ko-KR" sz="2000" dirty="0">
+                <a:solidFill>
+                  <a:srgbClr val="FFC000"/>
+                </a:solidFill>
+                <a:latin typeface="Consolas" panose="020B0609020204030204" pitchFamily="49" charset="0"/>
+                <a:ea typeface="돋움체" panose="020B0609000101010101" pitchFamily="49" charset="-127"/>
+              </a:rPr>
+              <a:t>	</a:t>
+            </a:r>
+            <a:r>
+              <a:rPr lang="en-US" altLang="ko-KR" sz="2000" dirty="0" err="1">
+                <a:solidFill>
+                  <a:srgbClr val="FFC000"/>
+                </a:solidFill>
+                <a:latin typeface="Consolas" panose="020B0609020204030204" pitchFamily="49" charset="0"/>
+                <a:ea typeface="돋움체" panose="020B0609000101010101" pitchFamily="49" charset="-127"/>
+              </a:rPr>
+              <a:t>ThreadRAII</a:t>
+            </a:r>
+            <a:r>
+              <a:rPr lang="en-US" altLang="ko-KR" sz="2000" dirty="0">
+                <a:solidFill>
+                  <a:srgbClr val="FFC000"/>
+                </a:solidFill>
+                <a:latin typeface="Consolas" panose="020B0609020204030204" pitchFamily="49" charset="0"/>
+                <a:ea typeface="돋움체" panose="020B0609000101010101" pitchFamily="49" charset="-127"/>
+              </a:rPr>
+              <a:t> t(</a:t>
+            </a:r>
+          </a:p>
+          <a:p>
+            <a:pPr marL="0" indent="0" defTabSz="576000">
+              <a:buNone/>
+            </a:pPr>
+            <a:r>
+              <a:rPr lang="en-US" altLang="ko-KR" sz="2000" dirty="0">
+                <a:solidFill>
+                  <a:srgbClr val="FFC000"/>
+                </a:solidFill>
+                <a:latin typeface="Consolas" panose="020B0609020204030204" pitchFamily="49" charset="0"/>
+                <a:ea typeface="돋움체" panose="020B0609000101010101" pitchFamily="49" charset="-127"/>
+              </a:rPr>
+              <a:t>		std::thread(</a:t>
+            </a:r>
+            <a:r>
+              <a:rPr lang="en-US" altLang="ko-KR" sz="2000" dirty="0" err="1">
+                <a:solidFill>
+                  <a:srgbClr val="FFC000"/>
+                </a:solidFill>
+                <a:latin typeface="Consolas" panose="020B0609020204030204" pitchFamily="49" charset="0"/>
+                <a:ea typeface="돋움체" panose="020B0609000101010101" pitchFamily="49" charset="-127"/>
+              </a:rPr>
+              <a:t>threadEntry</a:t>
+            </a:r>
+            <a:r>
+              <a:rPr lang="en-US" altLang="ko-KR" sz="2000" dirty="0">
+                <a:solidFill>
+                  <a:srgbClr val="FFC000"/>
+                </a:solidFill>
+                <a:latin typeface="Consolas" panose="020B0609020204030204" pitchFamily="49" charset="0"/>
+                <a:ea typeface="돋움체" panose="020B0609000101010101" pitchFamily="49" charset="-127"/>
+              </a:rPr>
+              <a:t>), </a:t>
+            </a:r>
+          </a:p>
+          <a:p>
+            <a:pPr marL="0" indent="0" defTabSz="576000">
+              <a:buNone/>
+            </a:pPr>
+            <a:r>
+              <a:rPr lang="en-US" altLang="ko-KR" sz="2000" dirty="0">
+                <a:solidFill>
+                  <a:srgbClr val="FFC000"/>
+                </a:solidFill>
+                <a:latin typeface="Consolas" panose="020B0609020204030204" pitchFamily="49" charset="0"/>
+                <a:ea typeface="돋움체" panose="020B0609000101010101" pitchFamily="49" charset="-127"/>
+              </a:rPr>
+              <a:t>		</a:t>
+            </a:r>
+            <a:r>
+              <a:rPr lang="en-US" altLang="ko-KR" sz="2000" dirty="0" err="1">
+                <a:solidFill>
+                  <a:srgbClr val="FFC000"/>
+                </a:solidFill>
+                <a:latin typeface="Consolas" panose="020B0609020204030204" pitchFamily="49" charset="0"/>
+                <a:ea typeface="돋움체" panose="020B0609000101010101" pitchFamily="49" charset="-127"/>
+              </a:rPr>
+              <a:t>ThreadRAII</a:t>
+            </a:r>
+            <a:r>
+              <a:rPr lang="en-US" altLang="ko-KR" sz="2000" dirty="0">
+                <a:solidFill>
+                  <a:srgbClr val="FFC000"/>
+                </a:solidFill>
+                <a:latin typeface="Consolas" panose="020B0609020204030204" pitchFamily="49" charset="0"/>
+                <a:ea typeface="돋움체" panose="020B0609000101010101" pitchFamily="49" charset="-127"/>
+              </a:rPr>
+              <a:t>::</a:t>
+            </a:r>
+            <a:r>
+              <a:rPr lang="en-US" altLang="ko-KR" sz="2000" dirty="0" err="1">
+                <a:solidFill>
+                  <a:srgbClr val="FFC000"/>
+                </a:solidFill>
+                <a:latin typeface="Consolas" panose="020B0609020204030204" pitchFamily="49" charset="0"/>
+                <a:ea typeface="돋움체" panose="020B0609000101010101" pitchFamily="49" charset="-127"/>
+              </a:rPr>
+              <a:t>DtorAction</a:t>
+            </a:r>
+            <a:r>
+              <a:rPr lang="en-US" altLang="ko-KR" sz="2000" dirty="0">
+                <a:solidFill>
+                  <a:srgbClr val="FFC000"/>
+                </a:solidFill>
+                <a:latin typeface="Consolas" panose="020B0609020204030204" pitchFamily="49" charset="0"/>
+                <a:ea typeface="돋움체" panose="020B0609000101010101" pitchFamily="49" charset="-127"/>
+              </a:rPr>
+              <a:t>::join);</a:t>
+            </a:r>
+          </a:p>
+          <a:p>
+            <a:pPr marL="0" indent="0" defTabSz="576000">
+              <a:buNone/>
+            </a:pPr>
+            <a:r>
+              <a:rPr lang="en-US" altLang="ko-KR" sz="2000" dirty="0">
+                <a:solidFill>
+                  <a:srgbClr val="00B050"/>
+                </a:solidFill>
+                <a:latin typeface="Consolas" panose="020B0609020204030204" pitchFamily="49" charset="0"/>
+                <a:ea typeface="돋움체" panose="020B0609000101010101" pitchFamily="49" charset="-127"/>
+              </a:rPr>
+              <a:t>	// </a:t>
+            </a:r>
+            <a:r>
+              <a:rPr lang="ko-KR" altLang="en-US" sz="2000" dirty="0">
+                <a:solidFill>
+                  <a:srgbClr val="00B050"/>
+                </a:solidFill>
+                <a:latin typeface="Consolas" panose="020B0609020204030204" pitchFamily="49" charset="0"/>
+                <a:ea typeface="돋움체" panose="020B0609000101010101" pitchFamily="49" charset="-127"/>
+              </a:rPr>
+              <a:t>별개의 작업시작</a:t>
+            </a:r>
+            <a:r>
+              <a:rPr lang="en-US" altLang="ko-KR" sz="2000" dirty="0">
+                <a:solidFill>
+                  <a:srgbClr val="00B050"/>
+                </a:solidFill>
+                <a:latin typeface="Consolas" panose="020B0609020204030204" pitchFamily="49" charset="0"/>
+                <a:ea typeface="돋움체" panose="020B0609000101010101" pitchFamily="49" charset="-127"/>
+              </a:rPr>
+              <a:t>..</a:t>
+            </a:r>
+          </a:p>
+          <a:p>
+            <a:pPr marL="0" indent="0" defTabSz="576000">
+              <a:buNone/>
+            </a:pPr>
+            <a:r>
+              <a:rPr lang="en-US" altLang="ko-KR" sz="2000" dirty="0">
+                <a:solidFill>
+                  <a:schemeClr val="bg1"/>
+                </a:solidFill>
+                <a:latin typeface="Consolas" panose="020B0609020204030204" pitchFamily="49" charset="0"/>
+                <a:ea typeface="돋움체" panose="020B0609000101010101" pitchFamily="49" charset="-127"/>
+              </a:rPr>
+              <a:t>	if (cancel)</a:t>
+            </a:r>
+          </a:p>
+          <a:p>
+            <a:pPr marL="0" indent="0" defTabSz="576000">
+              <a:buNone/>
+            </a:pPr>
+            <a:r>
+              <a:rPr lang="en-US" altLang="ko-KR" sz="2000" dirty="0">
+                <a:solidFill>
+                  <a:schemeClr val="bg1"/>
+                </a:solidFill>
+                <a:latin typeface="Consolas" panose="020B0609020204030204" pitchFamily="49" charset="0"/>
+                <a:ea typeface="돋움체" panose="020B0609000101010101" pitchFamily="49" charset="-127"/>
+              </a:rPr>
+              <a:t>		</a:t>
+            </a:r>
+            <a:r>
+              <a:rPr lang="en-US" altLang="ko-KR" sz="2000" dirty="0">
+                <a:solidFill>
+                  <a:srgbClr val="0070C0"/>
+                </a:solidFill>
+                <a:latin typeface="Consolas" panose="020B0609020204030204" pitchFamily="49" charset="0"/>
+                <a:ea typeface="돋움체" panose="020B0609000101010101" pitchFamily="49" charset="-127"/>
+              </a:rPr>
+              <a:t>return</a:t>
+            </a:r>
+            <a:r>
+              <a:rPr lang="en-US" altLang="ko-KR" sz="2000" dirty="0">
+                <a:solidFill>
+                  <a:schemeClr val="bg1"/>
+                </a:solidFill>
+                <a:latin typeface="Consolas" panose="020B0609020204030204" pitchFamily="49" charset="0"/>
+                <a:ea typeface="돋움체" panose="020B0609000101010101" pitchFamily="49" charset="-127"/>
+              </a:rPr>
+              <a:t>;</a:t>
+            </a:r>
+          </a:p>
+          <a:p>
+            <a:pPr marL="0" indent="0" defTabSz="576000">
+              <a:buNone/>
+            </a:pPr>
+            <a:r>
+              <a:rPr lang="en-US" altLang="ko-KR" sz="2000" dirty="0">
+                <a:solidFill>
+                  <a:srgbClr val="00B050"/>
+                </a:solidFill>
+                <a:latin typeface="Consolas" panose="020B0609020204030204" pitchFamily="49" charset="0"/>
+                <a:ea typeface="돋움체" panose="020B0609000101010101" pitchFamily="49" charset="-127"/>
+              </a:rPr>
+              <a:t>	// </a:t>
+            </a:r>
+            <a:r>
+              <a:rPr lang="ko-KR" altLang="en-US" sz="2000" dirty="0" err="1">
+                <a:solidFill>
+                  <a:srgbClr val="00B050"/>
+                </a:solidFill>
+                <a:latin typeface="Consolas" panose="020B0609020204030204" pitchFamily="49" charset="0"/>
+                <a:ea typeface="돋움체" panose="020B0609000101010101" pitchFamily="49" charset="-127"/>
+              </a:rPr>
+              <a:t>작업끝</a:t>
+            </a:r>
+            <a:r>
+              <a:rPr lang="en-US" altLang="ko-KR" sz="2000" dirty="0">
+                <a:solidFill>
+                  <a:srgbClr val="00B050"/>
+                </a:solidFill>
+                <a:latin typeface="Consolas" panose="020B0609020204030204" pitchFamily="49" charset="0"/>
+                <a:ea typeface="돋움체" panose="020B0609000101010101" pitchFamily="49" charset="-127"/>
+              </a:rPr>
+              <a:t>..</a:t>
+            </a:r>
+          </a:p>
+          <a:p>
+            <a:pPr marL="0" indent="0" defTabSz="576000">
+              <a:buNone/>
+            </a:pPr>
+            <a:r>
+              <a:rPr lang="en-US" altLang="ko-KR" sz="2000" dirty="0">
+                <a:solidFill>
+                  <a:schemeClr val="bg1"/>
+                </a:solidFill>
+                <a:latin typeface="Consolas" panose="020B0609020204030204" pitchFamily="49" charset="0"/>
+                <a:ea typeface="돋움체" panose="020B0609000101010101" pitchFamily="49" charset="-127"/>
+              </a:rPr>
+              <a:t>}</a:t>
+            </a:r>
+            <a:r>
+              <a:rPr lang="en-US" altLang="ko-KR" sz="2000" dirty="0">
+                <a:solidFill>
+                  <a:srgbClr val="00B050"/>
+                </a:solidFill>
+                <a:latin typeface="Consolas" panose="020B0609020204030204" pitchFamily="49" charset="0"/>
+                <a:ea typeface="돋움체" panose="020B0609000101010101" pitchFamily="49" charset="-127"/>
+              </a:rPr>
+              <a:t>	</a:t>
+            </a:r>
+          </a:p>
+        </p:txBody>
+      </p:sp>
+      <p:sp>
+        <p:nvSpPr>
+          <p:cNvPr id="5" name="내용 개체 틀 2">
+            <a:extLst>
+              <a:ext uri="{FF2B5EF4-FFF2-40B4-BE49-F238E27FC236}">
+                <a16:creationId xmlns:a16="http://schemas.microsoft.com/office/drawing/2014/main" id="{54971901-80DD-46FF-8D8F-5BC09A071FBF}"/>
+              </a:ext>
+            </a:extLst>
+          </p:cNvPr>
+          <p:cNvSpPr txBox="1">
+            <a:spLocks/>
+          </p:cNvSpPr>
+          <p:nvPr/>
+        </p:nvSpPr>
+        <p:spPr>
+          <a:xfrm>
+            <a:off x="659130" y="1912620"/>
+            <a:ext cx="4472940" cy="4123373"/>
+          </a:xfrm>
+          <a:prstGeom prst="rect">
+            <a:avLst/>
+          </a:prstGeom>
+          <a:solidFill>
+            <a:schemeClr val="tx1"/>
+          </a:solidFill>
+        </p:spPr>
+        <p:txBody>
+          <a:bodyPr vert="horz" lIns="91440" tIns="45720" rIns="91440" bIns="45720" rtlCol="0">
+            <a:normAutofit fontScale="92500" lnSpcReduction="20000"/>
+          </a:bodyPr>
+          <a:lstStyle>
+            <a:lvl1pPr marL="228600" indent="-228600" algn="l" defTabSz="914400" rtl="0" eaLnBrk="1" latinLnBrk="1" hangingPunct="1">
+              <a:lnSpc>
+                <a:spcPct val="90000"/>
+              </a:lnSpc>
+              <a:spcBef>
+                <a:spcPts val="1000"/>
+              </a:spcBef>
+              <a:buFont typeface="Arial" panose="020B0604020202020204" pitchFamily="34" charset="0"/>
+              <a:buChar char="•"/>
+              <a:defRPr sz="2800" kern="1200">
+                <a:solidFill>
+                  <a:schemeClr val="tx1"/>
+                </a:solidFill>
+                <a:latin typeface="+mn-lt"/>
+                <a:ea typeface="+mn-ea"/>
+                <a:cs typeface="+mn-cs"/>
+              </a:defRPr>
+            </a:lvl1pPr>
+            <a:lvl2pPr marL="685800" indent="-228600" algn="l" defTabSz="914400" rtl="0" eaLnBrk="1" latinLnBrk="1" hangingPunct="1">
+              <a:lnSpc>
+                <a:spcPct val="90000"/>
+              </a:lnSpc>
+              <a:spcBef>
+                <a:spcPts val="500"/>
+              </a:spcBef>
+              <a:buFont typeface="Arial" panose="020B0604020202020204" pitchFamily="34" charset="0"/>
+              <a:buChar char="•"/>
+              <a:defRPr sz="2400" kern="1200">
+                <a:solidFill>
+                  <a:schemeClr val="tx1"/>
+                </a:solidFill>
+                <a:latin typeface="+mn-lt"/>
+                <a:ea typeface="+mn-ea"/>
+                <a:cs typeface="+mn-cs"/>
+              </a:defRPr>
+            </a:lvl2pPr>
+            <a:lvl3pPr marL="1143000" indent="-228600" algn="l" defTabSz="914400" rtl="0" eaLnBrk="1" latinLnBrk="1" hangingPunct="1">
+              <a:lnSpc>
+                <a:spcPct val="90000"/>
+              </a:lnSpc>
+              <a:spcBef>
+                <a:spcPts val="500"/>
+              </a:spcBef>
+              <a:buFont typeface="Arial" panose="020B0604020202020204" pitchFamily="34" charset="0"/>
+              <a:buChar char="•"/>
+              <a:defRPr sz="2000" kern="1200">
+                <a:solidFill>
+                  <a:schemeClr val="tx1"/>
+                </a:solidFill>
+                <a:latin typeface="+mn-lt"/>
+                <a:ea typeface="+mn-ea"/>
+                <a:cs typeface="+mn-cs"/>
+              </a:defRPr>
+            </a:lvl3pPr>
+            <a:lvl4pPr marL="1600200" indent="-228600" algn="l" defTabSz="914400" rtl="0" eaLnBrk="1" latinLnBrk="1" hangingPunct="1">
+              <a:lnSpc>
+                <a:spcPct val="90000"/>
+              </a:lnSpc>
+              <a:spcBef>
+                <a:spcPts val="500"/>
+              </a:spcBef>
+              <a:buFont typeface="Arial" panose="020B0604020202020204" pitchFamily="34" charset="0"/>
+              <a:buChar char="•"/>
+              <a:defRPr sz="1800" kern="1200">
+                <a:solidFill>
+                  <a:schemeClr val="tx1"/>
+                </a:solidFill>
+                <a:latin typeface="+mn-lt"/>
+                <a:ea typeface="+mn-ea"/>
+                <a:cs typeface="+mn-cs"/>
+              </a:defRPr>
+            </a:lvl4pPr>
+            <a:lvl5pPr marL="2057400" indent="-228600" algn="l" defTabSz="914400" rtl="0" eaLnBrk="1" latinLnBrk="1" hangingPunct="1">
+              <a:lnSpc>
+                <a:spcPct val="90000"/>
+              </a:lnSpc>
+              <a:spcBef>
+                <a:spcPts val="500"/>
+              </a:spcBef>
+              <a:buFont typeface="Arial" panose="020B0604020202020204" pitchFamily="34" charset="0"/>
+              <a:buChar char="•"/>
+              <a:defRPr sz="1800" kern="1200">
+                <a:solidFill>
+                  <a:schemeClr val="tx1"/>
+                </a:solidFill>
+                <a:latin typeface="+mn-lt"/>
+                <a:ea typeface="+mn-ea"/>
+                <a:cs typeface="+mn-cs"/>
+              </a:defRPr>
+            </a:lvl5pPr>
+            <a:lvl6pPr marL="2514600" indent="-228600" algn="l" defTabSz="914400" rtl="0" eaLnBrk="1" latinLnBrk="1" hangingPunct="1">
+              <a:lnSpc>
+                <a:spcPct val="90000"/>
+              </a:lnSpc>
+              <a:spcBef>
+                <a:spcPts val="500"/>
+              </a:spcBef>
+              <a:buFont typeface="Arial" panose="020B0604020202020204" pitchFamily="34" charset="0"/>
+              <a:buChar char="•"/>
+              <a:defRPr sz="1800" kern="1200">
+                <a:solidFill>
+                  <a:schemeClr val="tx1"/>
+                </a:solidFill>
+                <a:latin typeface="+mn-lt"/>
+                <a:ea typeface="+mn-ea"/>
+                <a:cs typeface="+mn-cs"/>
+              </a:defRPr>
+            </a:lvl6pPr>
+            <a:lvl7pPr marL="2971800" indent="-228600" algn="l" defTabSz="914400" rtl="0" eaLnBrk="1" latinLnBrk="1" hangingPunct="1">
+              <a:lnSpc>
+                <a:spcPct val="90000"/>
+              </a:lnSpc>
+              <a:spcBef>
+                <a:spcPts val="500"/>
+              </a:spcBef>
+              <a:buFont typeface="Arial" panose="020B0604020202020204" pitchFamily="34" charset="0"/>
+              <a:buChar char="•"/>
+              <a:defRPr sz="1800" kern="1200">
+                <a:solidFill>
+                  <a:schemeClr val="tx1"/>
+                </a:solidFill>
+                <a:latin typeface="+mn-lt"/>
+                <a:ea typeface="+mn-ea"/>
+                <a:cs typeface="+mn-cs"/>
+              </a:defRPr>
+            </a:lvl7pPr>
+            <a:lvl8pPr marL="3429000" indent="-228600" algn="l" defTabSz="914400" rtl="0" eaLnBrk="1" latinLnBrk="1" hangingPunct="1">
+              <a:lnSpc>
+                <a:spcPct val="90000"/>
+              </a:lnSpc>
+              <a:spcBef>
+                <a:spcPts val="500"/>
+              </a:spcBef>
+              <a:buFont typeface="Arial" panose="020B0604020202020204" pitchFamily="34" charset="0"/>
+              <a:buChar char="•"/>
+              <a:defRPr sz="1800" kern="1200">
+                <a:solidFill>
+                  <a:schemeClr val="tx1"/>
+                </a:solidFill>
+                <a:latin typeface="+mn-lt"/>
+                <a:ea typeface="+mn-ea"/>
+                <a:cs typeface="+mn-cs"/>
+              </a:defRPr>
+            </a:lvl8pPr>
+            <a:lvl9pPr marL="3886200" indent="-228600" algn="l" defTabSz="914400" rtl="0" eaLnBrk="1" latinLnBrk="1" hangingPunct="1">
+              <a:lnSpc>
+                <a:spcPct val="90000"/>
+              </a:lnSpc>
+              <a:spcBef>
+                <a:spcPts val="500"/>
+              </a:spcBef>
+              <a:buFont typeface="Arial" panose="020B0604020202020204" pitchFamily="34" charset="0"/>
+              <a:buChar char="•"/>
+              <a:defRPr sz="1800" kern="1200">
+                <a:solidFill>
+                  <a:schemeClr val="tx1"/>
+                </a:solidFill>
+                <a:latin typeface="+mn-lt"/>
+                <a:ea typeface="+mn-ea"/>
+                <a:cs typeface="+mn-cs"/>
+              </a:defRPr>
+            </a:lvl9pPr>
+          </a:lstStyle>
+          <a:p>
+            <a:pPr marL="0" indent="0" defTabSz="576000">
+              <a:buNone/>
+            </a:pPr>
+            <a:endParaRPr lang="en-US" altLang="ko-KR" sz="2000" dirty="0">
+              <a:solidFill>
+                <a:schemeClr val="bg1"/>
+              </a:solidFill>
+              <a:latin typeface="Consolas" panose="020B0609020204030204" pitchFamily="49" charset="0"/>
+              <a:ea typeface="돋움체" panose="020B0609000101010101" pitchFamily="49" charset="-127"/>
+            </a:endParaRPr>
+          </a:p>
+          <a:p>
+            <a:pPr marL="0" indent="0" defTabSz="576000">
+              <a:buNone/>
+            </a:pPr>
+            <a:r>
+              <a:rPr lang="en-US" altLang="ko-KR" sz="2000" dirty="0">
+                <a:solidFill>
+                  <a:schemeClr val="bg1"/>
+                </a:solidFill>
+                <a:latin typeface="Consolas" panose="020B0609020204030204" pitchFamily="49" charset="0"/>
+                <a:ea typeface="돋움체" panose="020B0609000101010101" pitchFamily="49" charset="-127"/>
+              </a:rPr>
+              <a:t>{</a:t>
+            </a:r>
+          </a:p>
+          <a:p>
+            <a:pPr marL="0" indent="0" defTabSz="576000">
+              <a:buNone/>
+            </a:pPr>
+            <a:r>
+              <a:rPr lang="en-US" altLang="ko-KR" sz="2000" dirty="0">
+                <a:solidFill>
+                  <a:schemeClr val="bg1"/>
+                </a:solidFill>
+                <a:latin typeface="Consolas" panose="020B0609020204030204" pitchFamily="49" charset="0"/>
+                <a:ea typeface="돋움체" panose="020B0609000101010101" pitchFamily="49" charset="-127"/>
+              </a:rPr>
+              <a:t>	std::thread t(</a:t>
+            </a:r>
+            <a:r>
+              <a:rPr lang="en-US" altLang="ko-KR" sz="2000" dirty="0" err="1">
+                <a:solidFill>
+                  <a:schemeClr val="bg1"/>
+                </a:solidFill>
+                <a:latin typeface="Consolas" panose="020B0609020204030204" pitchFamily="49" charset="0"/>
+                <a:ea typeface="돋움체" panose="020B0609000101010101" pitchFamily="49" charset="-127"/>
+              </a:rPr>
+              <a:t>threadEntry</a:t>
+            </a:r>
+            <a:r>
+              <a:rPr lang="en-US" altLang="ko-KR" sz="2000" dirty="0">
+                <a:solidFill>
+                  <a:schemeClr val="bg1"/>
+                </a:solidFill>
+                <a:latin typeface="Consolas" panose="020B0609020204030204" pitchFamily="49" charset="0"/>
+                <a:ea typeface="돋움체" panose="020B0609000101010101" pitchFamily="49" charset="-127"/>
+              </a:rPr>
+              <a:t>);</a:t>
+            </a:r>
+          </a:p>
+          <a:p>
+            <a:pPr marL="0" indent="0" defTabSz="576000">
+              <a:buNone/>
+            </a:pPr>
+            <a:r>
+              <a:rPr lang="en-US" altLang="ko-KR" sz="2000" dirty="0">
+                <a:solidFill>
+                  <a:srgbClr val="00B050"/>
+                </a:solidFill>
+                <a:latin typeface="Consolas" panose="020B0609020204030204" pitchFamily="49" charset="0"/>
+                <a:ea typeface="돋움체" panose="020B0609000101010101" pitchFamily="49" charset="-127"/>
+              </a:rPr>
+              <a:t>	// </a:t>
+            </a:r>
+            <a:r>
+              <a:rPr lang="ko-KR" altLang="en-US" sz="2000" dirty="0">
+                <a:solidFill>
+                  <a:srgbClr val="00B050"/>
+                </a:solidFill>
+                <a:latin typeface="Consolas" panose="020B0609020204030204" pitchFamily="49" charset="0"/>
+                <a:ea typeface="돋움체" panose="020B0609000101010101" pitchFamily="49" charset="-127"/>
+              </a:rPr>
+              <a:t>별개의 작업시작</a:t>
+            </a:r>
+            <a:r>
+              <a:rPr lang="en-US" altLang="ko-KR" sz="2000" dirty="0">
+                <a:solidFill>
+                  <a:srgbClr val="00B050"/>
+                </a:solidFill>
+                <a:latin typeface="Consolas" panose="020B0609020204030204" pitchFamily="49" charset="0"/>
+                <a:ea typeface="돋움체" panose="020B0609000101010101" pitchFamily="49" charset="-127"/>
+              </a:rPr>
+              <a:t>..</a:t>
+            </a:r>
+          </a:p>
+          <a:p>
+            <a:pPr marL="0" indent="0" defTabSz="576000">
+              <a:buNone/>
+            </a:pPr>
+            <a:r>
+              <a:rPr lang="en-US" altLang="ko-KR" sz="2000" dirty="0">
+                <a:solidFill>
+                  <a:schemeClr val="bg1"/>
+                </a:solidFill>
+                <a:latin typeface="Consolas" panose="020B0609020204030204" pitchFamily="49" charset="0"/>
+                <a:ea typeface="돋움체" panose="020B0609000101010101" pitchFamily="49" charset="-127"/>
+              </a:rPr>
+              <a:t>	if (cancel)</a:t>
+            </a:r>
+          </a:p>
+          <a:p>
+            <a:pPr marL="0" indent="0" defTabSz="576000">
+              <a:buNone/>
+            </a:pPr>
+            <a:r>
+              <a:rPr lang="en-US" altLang="ko-KR" sz="2000" dirty="0">
+                <a:solidFill>
+                  <a:schemeClr val="bg1"/>
+                </a:solidFill>
+                <a:latin typeface="Consolas" panose="020B0609020204030204" pitchFamily="49" charset="0"/>
+                <a:ea typeface="돋움체" panose="020B0609000101010101" pitchFamily="49" charset="-127"/>
+              </a:rPr>
+              <a:t>	{</a:t>
+            </a:r>
+          </a:p>
+          <a:p>
+            <a:pPr marL="0" indent="0" defTabSz="576000">
+              <a:buNone/>
+            </a:pPr>
+            <a:r>
+              <a:rPr lang="en-US" altLang="ko-KR" sz="2000" dirty="0">
+                <a:solidFill>
+                  <a:schemeClr val="bg1"/>
+                </a:solidFill>
+                <a:latin typeface="Consolas" panose="020B0609020204030204" pitchFamily="49" charset="0"/>
+                <a:ea typeface="돋움체" panose="020B0609000101010101" pitchFamily="49" charset="-127"/>
+              </a:rPr>
+              <a:t>		</a:t>
+            </a:r>
+            <a:r>
+              <a:rPr lang="en-US" altLang="ko-KR" sz="2000" dirty="0" err="1">
+                <a:solidFill>
+                  <a:schemeClr val="bg1"/>
+                </a:solidFill>
+                <a:latin typeface="Consolas" panose="020B0609020204030204" pitchFamily="49" charset="0"/>
+                <a:ea typeface="돋움체" panose="020B0609000101010101" pitchFamily="49" charset="-127"/>
+              </a:rPr>
+              <a:t>t.join</a:t>
+            </a:r>
+            <a:r>
+              <a:rPr lang="en-US" altLang="ko-KR" sz="2000" dirty="0">
+                <a:solidFill>
+                  <a:schemeClr val="bg1"/>
+                </a:solidFill>
+                <a:latin typeface="Consolas" panose="020B0609020204030204" pitchFamily="49" charset="0"/>
+                <a:ea typeface="돋움체" panose="020B0609000101010101" pitchFamily="49" charset="-127"/>
+              </a:rPr>
+              <a:t>()</a:t>
+            </a:r>
+          </a:p>
+          <a:p>
+            <a:pPr marL="0" indent="0" defTabSz="576000">
+              <a:buNone/>
+            </a:pPr>
+            <a:r>
+              <a:rPr lang="en-US" altLang="ko-KR" sz="2000" dirty="0">
+                <a:solidFill>
+                  <a:schemeClr val="bg1"/>
+                </a:solidFill>
+                <a:latin typeface="Consolas" panose="020B0609020204030204" pitchFamily="49" charset="0"/>
+                <a:ea typeface="돋움체" panose="020B0609000101010101" pitchFamily="49" charset="-127"/>
+              </a:rPr>
+              <a:t>		</a:t>
+            </a:r>
+            <a:r>
+              <a:rPr lang="en-US" altLang="ko-KR" sz="2000" dirty="0">
+                <a:solidFill>
+                  <a:srgbClr val="0070C0"/>
+                </a:solidFill>
+                <a:latin typeface="Consolas" panose="020B0609020204030204" pitchFamily="49" charset="0"/>
+                <a:ea typeface="돋움체" panose="020B0609000101010101" pitchFamily="49" charset="-127"/>
+              </a:rPr>
+              <a:t>return</a:t>
+            </a:r>
+            <a:r>
+              <a:rPr lang="en-US" altLang="ko-KR" sz="2000" dirty="0">
+                <a:solidFill>
+                  <a:schemeClr val="bg1"/>
+                </a:solidFill>
+                <a:latin typeface="Consolas" panose="020B0609020204030204" pitchFamily="49" charset="0"/>
+                <a:ea typeface="돋움체" panose="020B0609000101010101" pitchFamily="49" charset="-127"/>
+              </a:rPr>
+              <a:t>;</a:t>
+            </a:r>
+          </a:p>
+          <a:p>
+            <a:pPr marL="0" indent="0" defTabSz="576000">
+              <a:buNone/>
+            </a:pPr>
+            <a:r>
+              <a:rPr lang="en-US" altLang="ko-KR" sz="2000" dirty="0">
+                <a:solidFill>
+                  <a:schemeClr val="bg1"/>
+                </a:solidFill>
+                <a:latin typeface="Consolas" panose="020B0609020204030204" pitchFamily="49" charset="0"/>
+                <a:ea typeface="돋움체" panose="020B0609000101010101" pitchFamily="49" charset="-127"/>
+              </a:rPr>
+              <a:t>	}</a:t>
+            </a:r>
+          </a:p>
+          <a:p>
+            <a:pPr marL="0" indent="0" defTabSz="576000">
+              <a:buNone/>
+            </a:pPr>
+            <a:r>
+              <a:rPr lang="en-US" altLang="ko-KR" sz="2000" dirty="0">
+                <a:solidFill>
+                  <a:srgbClr val="00B050"/>
+                </a:solidFill>
+                <a:latin typeface="Consolas" panose="020B0609020204030204" pitchFamily="49" charset="0"/>
+                <a:ea typeface="돋움체" panose="020B0609000101010101" pitchFamily="49" charset="-127"/>
+              </a:rPr>
+              <a:t>	// </a:t>
+            </a:r>
+            <a:r>
+              <a:rPr lang="ko-KR" altLang="en-US" sz="2000" dirty="0" err="1">
+                <a:solidFill>
+                  <a:srgbClr val="00B050"/>
+                </a:solidFill>
+                <a:latin typeface="Consolas" panose="020B0609020204030204" pitchFamily="49" charset="0"/>
+                <a:ea typeface="돋움체" panose="020B0609000101010101" pitchFamily="49" charset="-127"/>
+              </a:rPr>
+              <a:t>작업끝</a:t>
+            </a:r>
+            <a:r>
+              <a:rPr lang="en-US" altLang="ko-KR" sz="2000" dirty="0">
+                <a:solidFill>
+                  <a:srgbClr val="00B050"/>
+                </a:solidFill>
+                <a:latin typeface="Consolas" panose="020B0609020204030204" pitchFamily="49" charset="0"/>
+                <a:ea typeface="돋움체" panose="020B0609000101010101" pitchFamily="49" charset="-127"/>
+              </a:rPr>
+              <a:t>..</a:t>
+            </a:r>
+          </a:p>
+          <a:p>
+            <a:pPr marL="0" indent="0" defTabSz="576000">
+              <a:buNone/>
+            </a:pPr>
+            <a:r>
+              <a:rPr lang="en-US" altLang="ko-KR" sz="2000" dirty="0">
+                <a:solidFill>
+                  <a:schemeClr val="bg1"/>
+                </a:solidFill>
+                <a:latin typeface="Consolas" panose="020B0609020204030204" pitchFamily="49" charset="0"/>
+                <a:ea typeface="돋움체" panose="020B0609000101010101" pitchFamily="49" charset="-127"/>
+              </a:rPr>
+              <a:t>	</a:t>
+            </a:r>
+            <a:r>
+              <a:rPr lang="en-US" altLang="ko-KR" sz="2000" dirty="0" err="1">
+                <a:solidFill>
+                  <a:schemeClr val="bg1"/>
+                </a:solidFill>
+                <a:latin typeface="Consolas" panose="020B0609020204030204" pitchFamily="49" charset="0"/>
+                <a:ea typeface="돋움체" panose="020B0609000101010101" pitchFamily="49" charset="-127"/>
+              </a:rPr>
+              <a:t>t.join</a:t>
+            </a:r>
+            <a:r>
+              <a:rPr lang="en-US" altLang="ko-KR" sz="2000" dirty="0">
+                <a:solidFill>
+                  <a:schemeClr val="bg1"/>
+                </a:solidFill>
+                <a:latin typeface="Consolas" panose="020B0609020204030204" pitchFamily="49" charset="0"/>
+                <a:ea typeface="돋움체" panose="020B0609000101010101" pitchFamily="49" charset="-127"/>
+              </a:rPr>
+              <a:t>()</a:t>
+            </a:r>
+          </a:p>
+          <a:p>
+            <a:pPr marL="0" indent="0" defTabSz="576000">
+              <a:buNone/>
+            </a:pPr>
+            <a:r>
+              <a:rPr lang="en-US" altLang="ko-KR" sz="2000" dirty="0">
+                <a:solidFill>
+                  <a:schemeClr val="bg1"/>
+                </a:solidFill>
+                <a:latin typeface="Consolas" panose="020B0609020204030204" pitchFamily="49" charset="0"/>
+                <a:ea typeface="돋움체" panose="020B0609000101010101" pitchFamily="49" charset="-127"/>
+              </a:rPr>
+              <a:t>}</a:t>
+            </a:r>
+            <a:r>
+              <a:rPr lang="en-US" altLang="ko-KR" sz="2000" dirty="0">
+                <a:solidFill>
+                  <a:srgbClr val="00B050"/>
+                </a:solidFill>
+                <a:latin typeface="Consolas" panose="020B0609020204030204" pitchFamily="49" charset="0"/>
+                <a:ea typeface="돋움체" panose="020B0609000101010101" pitchFamily="49" charset="-127"/>
+              </a:rPr>
+              <a:t>	</a:t>
+            </a:r>
+          </a:p>
+        </p:txBody>
+      </p:sp>
+    </p:spTree>
+    <p:extLst>
+      <p:ext uri="{BB962C8B-B14F-4D97-AF65-F5344CB8AC3E}">
+        <p14:creationId xmlns:p14="http://schemas.microsoft.com/office/powerpoint/2010/main" val="3573807020"/>
+      </p:ext>
+    </p:extLst>
+  </p:cSld>
+  <p:clrMapOvr>
+    <a:masterClrMapping/>
+  </p:clrMapOvr>
+</p:sld>
+</file>
+
+<file path=ppt/slides/slide25.xml><?xml version="1.0" encoding="utf-8"?>
 <p:sld xmlns:a="http://schemas.openxmlformats.org/drawingml/2006/main" xmlns:r="http://schemas.openxmlformats.org/officeDocument/2006/relationships" xmlns:p="http://schemas.openxmlformats.org/presentationml/2006/main">
   <p:cSld>
     <p:spTree>
@@ -7750,794 +12292,7 @@
 </p:sld>
 </file>
 
-<file path=ppt/slides/slide2.xml><?xml version="1.0" encoding="utf-8"?>
-<p:sld xmlns:a="http://schemas.openxmlformats.org/drawingml/2006/main" xmlns:r="http://schemas.openxmlformats.org/officeDocument/2006/relationships" xmlns:p="http://schemas.openxmlformats.org/presentationml/2006/main">
-  <p:cSld>
-    <p:spTree>
-      <p:nvGrpSpPr>
-        <p:cNvPr id="1" name=""/>
-        <p:cNvGrpSpPr/>
-        <p:nvPr/>
-      </p:nvGrpSpPr>
-      <p:grpSpPr>
-        <a:xfrm>
-          <a:off x="0" y="0"/>
-          <a:ext cx="0" cy="0"/>
-          <a:chOff x="0" y="0"/>
-          <a:chExt cx="0" cy="0"/>
-        </a:xfrm>
-      </p:grpSpPr>
-      <p:sp>
-        <p:nvSpPr>
-          <p:cNvPr id="2" name="제목 1">
-            <a:extLst>
-              <a:ext uri="{FF2B5EF4-FFF2-40B4-BE49-F238E27FC236}">
-                <a16:creationId xmlns:a16="http://schemas.microsoft.com/office/drawing/2014/main" id="{1585C0A1-F51D-4DE8-BECF-A8B771FF4E9E}"/>
-              </a:ext>
-            </a:extLst>
-          </p:cNvPr>
-          <p:cNvSpPr>
-            <a:spLocks noGrp="1"/>
-          </p:cNvSpPr>
-          <p:nvPr>
-            <p:ph type="title"/>
-          </p:nvPr>
-        </p:nvSpPr>
-        <p:spPr/>
-        <p:txBody>
-          <a:bodyPr/>
-          <a:lstStyle/>
-          <a:p>
-            <a:r>
-              <a:rPr lang="ko-KR" altLang="en-US" sz="4000" dirty="0"/>
-              <a:t>지난번에 나눈 이야기</a:t>
-            </a:r>
-            <a:endParaRPr lang="ko-KR" altLang="en-US" dirty="0"/>
-          </a:p>
-        </p:txBody>
-      </p:sp>
-      <p:sp>
-        <p:nvSpPr>
-          <p:cNvPr id="3" name="내용 개체 틀 2">
-            <a:extLst>
-              <a:ext uri="{FF2B5EF4-FFF2-40B4-BE49-F238E27FC236}">
-                <a16:creationId xmlns:a16="http://schemas.microsoft.com/office/drawing/2014/main" id="{1FEA4E84-EE8F-49DA-ADDE-8D62CDE94BA4}"/>
-              </a:ext>
-            </a:extLst>
-          </p:cNvPr>
-          <p:cNvSpPr>
-            <a:spLocks noGrp="1"/>
-          </p:cNvSpPr>
-          <p:nvPr>
-            <p:ph idx="1"/>
-          </p:nvPr>
-        </p:nvSpPr>
-        <p:spPr>
-          <a:xfrm>
-            <a:off x="838200" y="1825624"/>
-            <a:ext cx="10515600" cy="4902979"/>
-          </a:xfrm>
-        </p:spPr>
-        <p:txBody>
-          <a:bodyPr>
-            <a:normAutofit/>
-          </a:bodyPr>
-          <a:lstStyle/>
-          <a:p>
-            <a:r>
-              <a:rPr lang="en-US" altLang="ko-KR" dirty="0"/>
-              <a:t>Launch policy </a:t>
-            </a:r>
-            <a:endParaRPr lang="en-US" altLang="ko-KR" dirty="0">
-              <a:solidFill>
-                <a:schemeClr val="bg1"/>
-              </a:solidFill>
-            </a:endParaRPr>
-          </a:p>
-          <a:p>
-            <a:pPr lvl="1"/>
-            <a:r>
-              <a:rPr lang="en-US" altLang="ko-KR" dirty="0">
-                <a:latin typeface="Consolas" panose="020B0609020204030204" pitchFamily="49" charset="0"/>
-                <a:ea typeface="돋움체" panose="020B0609000101010101" pitchFamily="49" charset="-127"/>
-              </a:rPr>
-              <a:t>std::launch::async</a:t>
-            </a:r>
-          </a:p>
-          <a:p>
-            <a:pPr lvl="1"/>
-            <a:r>
-              <a:rPr lang="en-US" altLang="ko-KR" dirty="0">
-                <a:latin typeface="Consolas" panose="020B0609020204030204" pitchFamily="49" charset="0"/>
-                <a:ea typeface="돋움체" panose="020B0609000101010101" pitchFamily="49" charset="-127"/>
-              </a:rPr>
-              <a:t>std::launch::deferred</a:t>
-            </a:r>
-            <a:endParaRPr lang="en-US" altLang="ko-KR" dirty="0"/>
-          </a:p>
-          <a:p>
-            <a:pPr lvl="1"/>
-            <a:endParaRPr lang="en-US" altLang="ko-KR" dirty="0"/>
-          </a:p>
-          <a:p>
-            <a:r>
-              <a:rPr lang="en-US" altLang="ko-KR" dirty="0"/>
-              <a:t>Deferred </a:t>
-            </a:r>
-            <a:r>
-              <a:rPr lang="ko-KR" altLang="en-US" dirty="0"/>
-              <a:t>는 </a:t>
-            </a:r>
-            <a:r>
-              <a:rPr lang="en-US" altLang="ko-KR" dirty="0"/>
-              <a:t>(get()</a:t>
-            </a:r>
-            <a:r>
-              <a:rPr lang="ko-KR" altLang="en-US" dirty="0"/>
-              <a:t>을 호출한 스레드에서</a:t>
-            </a:r>
-            <a:r>
-              <a:rPr lang="en-US" altLang="ko-KR" dirty="0"/>
-              <a:t>)</a:t>
-            </a:r>
-            <a:r>
-              <a:rPr lang="ko-KR" altLang="en-US" dirty="0"/>
-              <a:t> 지연 실행</a:t>
-            </a:r>
-            <a:endParaRPr lang="en-US" altLang="ko-KR" dirty="0"/>
-          </a:p>
-          <a:p>
-            <a:endParaRPr lang="en-US" altLang="ko-KR" dirty="0"/>
-          </a:p>
-          <a:p>
-            <a:r>
-              <a:rPr lang="en-US" altLang="ko-KR" dirty="0"/>
-              <a:t>Deferred </a:t>
-            </a:r>
-            <a:r>
-              <a:rPr lang="ko-KR" altLang="en-US" dirty="0"/>
-              <a:t>가 싫으면</a:t>
-            </a:r>
-            <a:br>
-              <a:rPr lang="en-US" altLang="ko-KR" dirty="0"/>
-            </a:br>
-            <a:r>
-              <a:rPr lang="en-US" altLang="ko-KR" dirty="0"/>
-              <a:t>launch policy</a:t>
-            </a:r>
-            <a:r>
-              <a:rPr lang="ko-KR" altLang="en-US" dirty="0"/>
-              <a:t>를 직접</a:t>
-            </a:r>
-            <a:br>
-              <a:rPr lang="en-US" altLang="ko-KR" dirty="0"/>
-            </a:br>
-            <a:r>
-              <a:rPr lang="ko-KR" altLang="en-US" dirty="0"/>
-              <a:t>지정하자</a:t>
-            </a:r>
-            <a:r>
-              <a:rPr lang="en-US" altLang="ko-KR" dirty="0"/>
-              <a:t>!</a:t>
-            </a:r>
-          </a:p>
-        </p:txBody>
-      </p:sp>
-      <p:sp>
-        <p:nvSpPr>
-          <p:cNvPr id="6" name="TextBox 5">
-            <a:extLst>
-              <a:ext uri="{FF2B5EF4-FFF2-40B4-BE49-F238E27FC236}">
-                <a16:creationId xmlns:a16="http://schemas.microsoft.com/office/drawing/2014/main" id="{46249EE3-BF46-4504-9415-DA763B78CE30}"/>
-              </a:ext>
-            </a:extLst>
-          </p:cNvPr>
-          <p:cNvSpPr txBox="1"/>
-          <p:nvPr/>
-        </p:nvSpPr>
-        <p:spPr>
-          <a:xfrm>
-            <a:off x="9286613" y="5001280"/>
-            <a:ext cx="2576346" cy="923330"/>
-          </a:xfrm>
-          <a:prstGeom prst="rect">
-            <a:avLst/>
-          </a:prstGeom>
-          <a:noFill/>
-        </p:spPr>
-        <p:txBody>
-          <a:bodyPr wrap="none" rtlCol="0">
-            <a:spAutoFit/>
-          </a:bodyPr>
-          <a:lstStyle/>
-          <a:p>
-            <a:r>
-              <a:rPr lang="ko-KR" altLang="en-US" dirty="0">
-                <a:solidFill>
-                  <a:schemeClr val="bg1"/>
-                </a:solidFill>
-              </a:rPr>
-              <a:t>스레드가 생길 수도 있고</a:t>
-            </a:r>
-            <a:r>
-              <a:rPr lang="en-US" altLang="ko-KR" dirty="0">
-                <a:solidFill>
-                  <a:schemeClr val="bg1"/>
-                </a:solidFill>
-              </a:rPr>
-              <a:t>,</a:t>
-            </a:r>
-          </a:p>
-          <a:p>
-            <a:r>
-              <a:rPr lang="ko-KR" altLang="en-US" dirty="0">
-                <a:solidFill>
-                  <a:schemeClr val="bg1"/>
-                </a:solidFill>
-              </a:rPr>
-              <a:t>안 생길 수도 있음</a:t>
-            </a:r>
-            <a:r>
-              <a:rPr lang="en-US" altLang="ko-KR" dirty="0">
-                <a:solidFill>
-                  <a:schemeClr val="bg1"/>
-                </a:solidFill>
-              </a:rPr>
-              <a:t>.</a:t>
-            </a:r>
-            <a:br>
-              <a:rPr lang="en-US" altLang="ko-KR" dirty="0">
-                <a:solidFill>
-                  <a:schemeClr val="bg1"/>
-                </a:solidFill>
-              </a:rPr>
-            </a:br>
-            <a:r>
-              <a:rPr lang="en-US" altLang="ko-KR" dirty="0">
-                <a:solidFill>
-                  <a:schemeClr val="bg1"/>
-                </a:solidFill>
-              </a:rPr>
-              <a:t>(</a:t>
-            </a:r>
-            <a:r>
-              <a:rPr lang="ko-KR" altLang="en-US" dirty="0">
-                <a:solidFill>
-                  <a:schemeClr val="bg1"/>
-                </a:solidFill>
-              </a:rPr>
-              <a:t>관리책임 </a:t>
-            </a:r>
-            <a:r>
-              <a:rPr lang="en-US" altLang="ko-KR" dirty="0">
-                <a:solidFill>
-                  <a:schemeClr val="bg1"/>
-                </a:solidFill>
-              </a:rPr>
-              <a:t>-&gt; </a:t>
-            </a:r>
-            <a:r>
-              <a:rPr lang="ko-KR" altLang="en-US" dirty="0">
-                <a:solidFill>
-                  <a:schemeClr val="bg1"/>
-                </a:solidFill>
-              </a:rPr>
-              <a:t>표준위원회</a:t>
-            </a:r>
-            <a:r>
-              <a:rPr lang="en-US" altLang="ko-KR" dirty="0">
-                <a:solidFill>
-                  <a:schemeClr val="bg1"/>
-                </a:solidFill>
-              </a:rPr>
-              <a:t>)</a:t>
-            </a:r>
-            <a:endParaRPr lang="ko-KR" altLang="en-US" dirty="0">
-              <a:solidFill>
-                <a:schemeClr val="bg1"/>
-              </a:solidFill>
-            </a:endParaRPr>
-          </a:p>
-        </p:txBody>
-      </p:sp>
-      <p:sp>
-        <p:nvSpPr>
-          <p:cNvPr id="7" name="내용 개체 틀 2">
-            <a:extLst>
-              <a:ext uri="{FF2B5EF4-FFF2-40B4-BE49-F238E27FC236}">
-                <a16:creationId xmlns:a16="http://schemas.microsoft.com/office/drawing/2014/main" id="{9F4B4008-EF54-4415-A9AB-518EB9E30CFE}"/>
-              </a:ext>
-            </a:extLst>
-          </p:cNvPr>
-          <p:cNvSpPr txBox="1">
-            <a:spLocks/>
-          </p:cNvSpPr>
-          <p:nvPr/>
-        </p:nvSpPr>
-        <p:spPr>
-          <a:xfrm>
-            <a:off x="4704731" y="4279406"/>
-            <a:ext cx="7158228" cy="1997957"/>
-          </a:xfrm>
-          <a:prstGeom prst="rect">
-            <a:avLst/>
-          </a:prstGeom>
-          <a:solidFill>
-            <a:schemeClr val="tx1"/>
-          </a:solidFill>
-        </p:spPr>
-        <p:txBody>
-          <a:bodyPr vert="horz" lIns="91440" tIns="45720" rIns="91440" bIns="45720" rtlCol="0">
-            <a:normAutofit/>
-          </a:bodyPr>
-          <a:lstStyle>
-            <a:lvl1pPr marL="228600" indent="-228600" algn="l" defTabSz="914400" rtl="0" eaLnBrk="1" latinLnBrk="1" hangingPunct="1">
-              <a:lnSpc>
-                <a:spcPct val="90000"/>
-              </a:lnSpc>
-              <a:spcBef>
-                <a:spcPts val="1000"/>
-              </a:spcBef>
-              <a:buFont typeface="Arial" panose="020B0604020202020204" pitchFamily="34" charset="0"/>
-              <a:buChar char="•"/>
-              <a:defRPr sz="2800" kern="1200">
-                <a:solidFill>
-                  <a:schemeClr val="tx1"/>
-                </a:solidFill>
-                <a:latin typeface="+mn-lt"/>
-                <a:ea typeface="+mn-ea"/>
-                <a:cs typeface="+mn-cs"/>
-              </a:defRPr>
-            </a:lvl1pPr>
-            <a:lvl2pPr marL="685800" indent="-228600" algn="l" defTabSz="914400" rtl="0" eaLnBrk="1" latinLnBrk="1" hangingPunct="1">
-              <a:lnSpc>
-                <a:spcPct val="90000"/>
-              </a:lnSpc>
-              <a:spcBef>
-                <a:spcPts val="500"/>
-              </a:spcBef>
-              <a:buFont typeface="Arial" panose="020B0604020202020204" pitchFamily="34" charset="0"/>
-              <a:buChar char="•"/>
-              <a:defRPr sz="2400" kern="1200">
-                <a:solidFill>
-                  <a:schemeClr val="tx1"/>
-                </a:solidFill>
-                <a:latin typeface="+mn-lt"/>
-                <a:ea typeface="+mn-ea"/>
-                <a:cs typeface="+mn-cs"/>
-              </a:defRPr>
-            </a:lvl2pPr>
-            <a:lvl3pPr marL="1143000" indent="-228600" algn="l" defTabSz="914400" rtl="0" eaLnBrk="1" latinLnBrk="1" hangingPunct="1">
-              <a:lnSpc>
-                <a:spcPct val="90000"/>
-              </a:lnSpc>
-              <a:spcBef>
-                <a:spcPts val="500"/>
-              </a:spcBef>
-              <a:buFont typeface="Arial" panose="020B0604020202020204" pitchFamily="34" charset="0"/>
-              <a:buChar char="•"/>
-              <a:defRPr sz="2000" kern="1200">
-                <a:solidFill>
-                  <a:schemeClr val="tx1"/>
-                </a:solidFill>
-                <a:latin typeface="+mn-lt"/>
-                <a:ea typeface="+mn-ea"/>
-                <a:cs typeface="+mn-cs"/>
-              </a:defRPr>
-            </a:lvl3pPr>
-            <a:lvl4pPr marL="1600200" indent="-228600" algn="l" defTabSz="914400" rtl="0" eaLnBrk="1" latinLnBrk="1" hangingPunct="1">
-              <a:lnSpc>
-                <a:spcPct val="90000"/>
-              </a:lnSpc>
-              <a:spcBef>
-                <a:spcPts val="500"/>
-              </a:spcBef>
-              <a:buFont typeface="Arial" panose="020B0604020202020204" pitchFamily="34" charset="0"/>
-              <a:buChar char="•"/>
-              <a:defRPr sz="1800" kern="1200">
-                <a:solidFill>
-                  <a:schemeClr val="tx1"/>
-                </a:solidFill>
-                <a:latin typeface="+mn-lt"/>
-                <a:ea typeface="+mn-ea"/>
-                <a:cs typeface="+mn-cs"/>
-              </a:defRPr>
-            </a:lvl4pPr>
-            <a:lvl5pPr marL="2057400" indent="-228600" algn="l" defTabSz="914400" rtl="0" eaLnBrk="1" latinLnBrk="1" hangingPunct="1">
-              <a:lnSpc>
-                <a:spcPct val="90000"/>
-              </a:lnSpc>
-              <a:spcBef>
-                <a:spcPts val="500"/>
-              </a:spcBef>
-              <a:buFont typeface="Arial" panose="020B0604020202020204" pitchFamily="34" charset="0"/>
-              <a:buChar char="•"/>
-              <a:defRPr sz="1800" kern="1200">
-                <a:solidFill>
-                  <a:schemeClr val="tx1"/>
-                </a:solidFill>
-                <a:latin typeface="+mn-lt"/>
-                <a:ea typeface="+mn-ea"/>
-                <a:cs typeface="+mn-cs"/>
-              </a:defRPr>
-            </a:lvl5pPr>
-            <a:lvl6pPr marL="2514600" indent="-228600" algn="l" defTabSz="914400" rtl="0" eaLnBrk="1" latinLnBrk="1" hangingPunct="1">
-              <a:lnSpc>
-                <a:spcPct val="90000"/>
-              </a:lnSpc>
-              <a:spcBef>
-                <a:spcPts val="500"/>
-              </a:spcBef>
-              <a:buFont typeface="Arial" panose="020B0604020202020204" pitchFamily="34" charset="0"/>
-              <a:buChar char="•"/>
-              <a:defRPr sz="1800" kern="1200">
-                <a:solidFill>
-                  <a:schemeClr val="tx1"/>
-                </a:solidFill>
-                <a:latin typeface="+mn-lt"/>
-                <a:ea typeface="+mn-ea"/>
-                <a:cs typeface="+mn-cs"/>
-              </a:defRPr>
-            </a:lvl6pPr>
-            <a:lvl7pPr marL="2971800" indent="-228600" algn="l" defTabSz="914400" rtl="0" eaLnBrk="1" latinLnBrk="1" hangingPunct="1">
-              <a:lnSpc>
-                <a:spcPct val="90000"/>
-              </a:lnSpc>
-              <a:spcBef>
-                <a:spcPts val="500"/>
-              </a:spcBef>
-              <a:buFont typeface="Arial" panose="020B0604020202020204" pitchFamily="34" charset="0"/>
-              <a:buChar char="•"/>
-              <a:defRPr sz="1800" kern="1200">
-                <a:solidFill>
-                  <a:schemeClr val="tx1"/>
-                </a:solidFill>
-                <a:latin typeface="+mn-lt"/>
-                <a:ea typeface="+mn-ea"/>
-                <a:cs typeface="+mn-cs"/>
-              </a:defRPr>
-            </a:lvl7pPr>
-            <a:lvl8pPr marL="3429000" indent="-228600" algn="l" defTabSz="914400" rtl="0" eaLnBrk="1" latinLnBrk="1" hangingPunct="1">
-              <a:lnSpc>
-                <a:spcPct val="90000"/>
-              </a:lnSpc>
-              <a:spcBef>
-                <a:spcPts val="500"/>
-              </a:spcBef>
-              <a:buFont typeface="Arial" panose="020B0604020202020204" pitchFamily="34" charset="0"/>
-              <a:buChar char="•"/>
-              <a:defRPr sz="1800" kern="1200">
-                <a:solidFill>
-                  <a:schemeClr val="tx1"/>
-                </a:solidFill>
-                <a:latin typeface="+mn-lt"/>
-                <a:ea typeface="+mn-ea"/>
-                <a:cs typeface="+mn-cs"/>
-              </a:defRPr>
-            </a:lvl8pPr>
-            <a:lvl9pPr marL="3886200" indent="-228600" algn="l" defTabSz="914400" rtl="0" eaLnBrk="1" latinLnBrk="1" hangingPunct="1">
-              <a:lnSpc>
-                <a:spcPct val="90000"/>
-              </a:lnSpc>
-              <a:spcBef>
-                <a:spcPts val="500"/>
-              </a:spcBef>
-              <a:buFont typeface="Arial" panose="020B0604020202020204" pitchFamily="34" charset="0"/>
-              <a:buChar char="•"/>
-              <a:defRPr sz="1800" kern="1200">
-                <a:solidFill>
-                  <a:schemeClr val="tx1"/>
-                </a:solidFill>
-                <a:latin typeface="+mn-lt"/>
-                <a:ea typeface="+mn-ea"/>
-                <a:cs typeface="+mn-cs"/>
-              </a:defRPr>
-            </a:lvl9pPr>
-          </a:lstStyle>
-          <a:p>
-            <a:pPr marL="0" indent="0" defTabSz="576000">
-              <a:buNone/>
-            </a:pPr>
-            <a:endParaRPr lang="en-US" altLang="ko-KR" sz="1400" dirty="0">
-              <a:solidFill>
-                <a:srgbClr val="0070C0"/>
-              </a:solidFill>
-              <a:latin typeface="Consolas" panose="020B0609020204030204" pitchFamily="49" charset="0"/>
-              <a:ea typeface="돋움체" panose="020B0609000101010101" pitchFamily="49" charset="-127"/>
-            </a:endParaRPr>
-          </a:p>
-          <a:p>
-            <a:pPr marL="0" indent="0" defTabSz="576000">
-              <a:buNone/>
-            </a:pPr>
-            <a:r>
-              <a:rPr lang="en-US" altLang="ko-KR" sz="1400" dirty="0">
-                <a:solidFill>
-                  <a:srgbClr val="0070C0"/>
-                </a:solidFill>
-                <a:latin typeface="Consolas" panose="020B0609020204030204" pitchFamily="49" charset="0"/>
-                <a:ea typeface="돋움체" panose="020B0609000101010101" pitchFamily="49" charset="-127"/>
-              </a:rPr>
-              <a:t>auto</a:t>
-            </a:r>
-            <a:r>
-              <a:rPr lang="en-US" altLang="ko-KR" sz="1400" dirty="0">
-                <a:solidFill>
-                  <a:schemeClr val="bg1"/>
-                </a:solidFill>
-                <a:latin typeface="Consolas" panose="020B0609020204030204" pitchFamily="49" charset="0"/>
-                <a:ea typeface="돋움체" panose="020B0609000101010101" pitchFamily="49" charset="-127"/>
-              </a:rPr>
-              <a:t> </a:t>
-            </a:r>
-            <a:r>
-              <a:rPr lang="en-US" altLang="ko-KR" sz="1400" dirty="0" err="1">
-                <a:solidFill>
-                  <a:schemeClr val="bg1"/>
-                </a:solidFill>
-                <a:latin typeface="Consolas" panose="020B0609020204030204" pitchFamily="49" charset="0"/>
-                <a:ea typeface="돋움체" panose="020B0609000101010101" pitchFamily="49" charset="-127"/>
-              </a:rPr>
-              <a:t>fut</a:t>
-            </a:r>
-            <a:r>
-              <a:rPr lang="en-US" altLang="ko-KR" sz="1400" dirty="0">
-                <a:solidFill>
-                  <a:schemeClr val="bg1"/>
-                </a:solidFill>
-                <a:latin typeface="Consolas" panose="020B0609020204030204" pitchFamily="49" charset="0"/>
-                <a:ea typeface="돋움체" panose="020B0609000101010101" pitchFamily="49" charset="-127"/>
-              </a:rPr>
-              <a:t> = std::async(</a:t>
-            </a:r>
-            <a:r>
-              <a:rPr lang="en-US" altLang="ko-KR" sz="1400" dirty="0">
-                <a:solidFill>
-                  <a:srgbClr val="FFC000"/>
-                </a:solidFill>
-                <a:latin typeface="Consolas" panose="020B0609020204030204" pitchFamily="49" charset="0"/>
-                <a:ea typeface="돋움체" panose="020B0609000101010101" pitchFamily="49" charset="-127"/>
-              </a:rPr>
-              <a:t>std::launch::async, </a:t>
-            </a:r>
-            <a:r>
-              <a:rPr lang="en-US" altLang="ko-KR" sz="1400" dirty="0">
-                <a:solidFill>
-                  <a:schemeClr val="bg1"/>
-                </a:solidFill>
-                <a:latin typeface="Consolas" panose="020B0609020204030204" pitchFamily="49" charset="0"/>
-                <a:ea typeface="돋움체" panose="020B0609000101010101" pitchFamily="49" charset="-127"/>
-              </a:rPr>
-              <a:t>f);  </a:t>
-            </a:r>
-          </a:p>
-          <a:p>
-            <a:pPr marL="0" indent="0" defTabSz="576000">
-              <a:buNone/>
-            </a:pPr>
-            <a:r>
-              <a:rPr lang="en-US" altLang="ko-KR" sz="1400" dirty="0">
-                <a:solidFill>
-                  <a:srgbClr val="00B050"/>
-                </a:solidFill>
-                <a:latin typeface="Consolas" panose="020B0609020204030204" pitchFamily="49" charset="0"/>
-                <a:ea typeface="돋움체" panose="020B0609000101010101" pitchFamily="49" charset="-127"/>
-              </a:rPr>
-              <a:t>//… </a:t>
-            </a:r>
-            <a:r>
-              <a:rPr lang="ko-KR" altLang="en-US" sz="1400" dirty="0">
-                <a:solidFill>
-                  <a:srgbClr val="00B050"/>
-                </a:solidFill>
-                <a:latin typeface="Consolas" panose="020B0609020204030204" pitchFamily="49" charset="0"/>
-                <a:ea typeface="돋움체" panose="020B0609000101010101" pitchFamily="49" charset="-127"/>
-              </a:rPr>
-              <a:t>서브 스레드에서 실행</a:t>
-            </a:r>
-            <a:r>
-              <a:rPr lang="en-US" altLang="ko-KR" sz="1400" dirty="0">
-                <a:solidFill>
-                  <a:srgbClr val="00B050"/>
-                </a:solidFill>
-                <a:latin typeface="Consolas" panose="020B0609020204030204" pitchFamily="49" charset="0"/>
-                <a:ea typeface="돋움체" panose="020B0609000101010101" pitchFamily="49" charset="-127"/>
-              </a:rPr>
-              <a:t>!</a:t>
-            </a:r>
-          </a:p>
-          <a:p>
-            <a:pPr marL="0" indent="0" defTabSz="576000">
-              <a:buNone/>
-            </a:pPr>
-            <a:endParaRPr lang="en-US" altLang="ko-KR" sz="1400" dirty="0">
-              <a:solidFill>
-                <a:schemeClr val="bg1"/>
-              </a:solidFill>
-              <a:latin typeface="Consolas" panose="020B0609020204030204" pitchFamily="49" charset="0"/>
-              <a:ea typeface="돋움체" panose="020B0609000101010101" pitchFamily="49" charset="-127"/>
-            </a:endParaRPr>
-          </a:p>
-          <a:p>
-            <a:pPr marL="0" indent="0" defTabSz="576000">
-              <a:buNone/>
-            </a:pPr>
-            <a:r>
-              <a:rPr lang="en-US" altLang="ko-KR" sz="1400" dirty="0" err="1">
-                <a:solidFill>
-                  <a:schemeClr val="bg1"/>
-                </a:solidFill>
-                <a:latin typeface="Consolas" panose="020B0609020204030204" pitchFamily="49" charset="0"/>
-                <a:ea typeface="돋움체" panose="020B0609000101010101" pitchFamily="49" charset="-127"/>
-              </a:rPr>
-              <a:t>fut.get</a:t>
-            </a:r>
-            <a:r>
-              <a:rPr lang="en-US" altLang="ko-KR" sz="1400" dirty="0">
-                <a:solidFill>
-                  <a:schemeClr val="bg1"/>
-                </a:solidFill>
-                <a:latin typeface="Consolas" panose="020B0609020204030204" pitchFamily="49" charset="0"/>
-                <a:ea typeface="돋움체" panose="020B0609000101010101" pitchFamily="49" charset="-127"/>
-              </a:rPr>
-              <a:t>();	</a:t>
-            </a:r>
-            <a:r>
-              <a:rPr lang="en-US" altLang="ko-KR" sz="1400" dirty="0">
-                <a:solidFill>
-                  <a:srgbClr val="00B050"/>
-                </a:solidFill>
-                <a:latin typeface="Consolas" panose="020B0609020204030204" pitchFamily="49" charset="0"/>
-                <a:ea typeface="돋움체" panose="020B0609000101010101" pitchFamily="49" charset="-127"/>
-              </a:rPr>
-              <a:t>// </a:t>
-            </a:r>
-            <a:r>
-              <a:rPr lang="ko-KR" altLang="en-US" sz="1400" dirty="0">
-                <a:solidFill>
-                  <a:srgbClr val="00B050"/>
-                </a:solidFill>
-                <a:latin typeface="Consolas" panose="020B0609020204030204" pitchFamily="49" charset="0"/>
-                <a:ea typeface="돋움체" panose="020B0609000101010101" pitchFamily="49" charset="-127"/>
-              </a:rPr>
-              <a:t>이미 실행 완료 되었으면 즉시 결과값 리턴</a:t>
-            </a:r>
-            <a:endParaRPr lang="en-US" altLang="ko-KR" sz="1400" dirty="0">
-              <a:solidFill>
-                <a:srgbClr val="00B050"/>
-              </a:solidFill>
-              <a:latin typeface="Consolas" panose="020B0609020204030204" pitchFamily="49" charset="0"/>
-              <a:ea typeface="돋움체" panose="020B0609000101010101" pitchFamily="49" charset="-127"/>
-            </a:endParaRPr>
-          </a:p>
-          <a:p>
-            <a:pPr marL="0" indent="0" defTabSz="576000">
-              <a:buNone/>
-            </a:pPr>
-            <a:r>
-              <a:rPr lang="en-US" altLang="ko-KR" sz="1400" dirty="0">
-                <a:solidFill>
-                  <a:schemeClr val="bg1"/>
-                </a:solidFill>
-                <a:latin typeface="Consolas" panose="020B0609020204030204" pitchFamily="49" charset="0"/>
-                <a:ea typeface="돋움체" panose="020B0609000101010101" pitchFamily="49" charset="-127"/>
-              </a:rPr>
-              <a:t>            </a:t>
-            </a:r>
-            <a:r>
-              <a:rPr lang="en-US" altLang="ko-KR" sz="1400" dirty="0">
-                <a:solidFill>
-                  <a:srgbClr val="00B050"/>
-                </a:solidFill>
-                <a:latin typeface="Consolas" panose="020B0609020204030204" pitchFamily="49" charset="0"/>
-                <a:ea typeface="돋움체" panose="020B0609000101010101" pitchFamily="49" charset="-127"/>
-              </a:rPr>
-              <a:t>// </a:t>
-            </a:r>
-            <a:r>
-              <a:rPr lang="ko-KR" altLang="en-US" sz="1400" dirty="0">
-                <a:solidFill>
-                  <a:srgbClr val="00B050"/>
-                </a:solidFill>
-                <a:latin typeface="Consolas" panose="020B0609020204030204" pitchFamily="49" charset="0"/>
-                <a:ea typeface="돋움체" panose="020B0609000101010101" pitchFamily="49" charset="-127"/>
-              </a:rPr>
-              <a:t>아직 </a:t>
-            </a:r>
-            <a:r>
-              <a:rPr lang="ko-KR" altLang="en-US" sz="1400" dirty="0" err="1">
-                <a:solidFill>
-                  <a:srgbClr val="00B050"/>
-                </a:solidFill>
-                <a:latin typeface="Consolas" panose="020B0609020204030204" pitchFamily="49" charset="0"/>
-                <a:ea typeface="돋움체" panose="020B0609000101010101" pitchFamily="49" charset="-127"/>
-              </a:rPr>
-              <a:t>서브스레드</a:t>
-            </a:r>
-            <a:r>
-              <a:rPr lang="ko-KR" altLang="en-US" sz="1400" dirty="0">
-                <a:solidFill>
-                  <a:srgbClr val="00B050"/>
-                </a:solidFill>
-                <a:latin typeface="Consolas" panose="020B0609020204030204" pitchFamily="49" charset="0"/>
-                <a:ea typeface="돋움체" panose="020B0609000101010101" pitchFamily="49" charset="-127"/>
-              </a:rPr>
-              <a:t> </a:t>
-            </a:r>
-            <a:r>
-              <a:rPr lang="ko-KR" altLang="en-US" sz="1400" dirty="0" err="1">
-                <a:solidFill>
-                  <a:srgbClr val="00B050"/>
-                </a:solidFill>
-                <a:latin typeface="Consolas" panose="020B0609020204030204" pitchFamily="49" charset="0"/>
-                <a:ea typeface="돋움체" panose="020B0609000101010101" pitchFamily="49" charset="-127"/>
-              </a:rPr>
-              <a:t>동작중이면</a:t>
-            </a:r>
-            <a:r>
-              <a:rPr lang="ko-KR" altLang="en-US" sz="1400" dirty="0">
-                <a:solidFill>
-                  <a:srgbClr val="00B050"/>
-                </a:solidFill>
-                <a:latin typeface="Consolas" panose="020B0609020204030204" pitchFamily="49" charset="0"/>
-                <a:ea typeface="돋움체" panose="020B0609000101010101" pitchFamily="49" charset="-127"/>
-              </a:rPr>
-              <a:t> 컨텍스트 스위칭 후 대기</a:t>
-            </a:r>
-            <a:r>
-              <a:rPr lang="en-US" altLang="ko-KR" sz="1400" dirty="0">
-                <a:solidFill>
-                  <a:srgbClr val="00B050"/>
-                </a:solidFill>
-                <a:latin typeface="Consolas" panose="020B0609020204030204" pitchFamily="49" charset="0"/>
-                <a:ea typeface="돋움체" panose="020B0609000101010101" pitchFamily="49" charset="-127"/>
-              </a:rPr>
-              <a:t>(</a:t>
-            </a:r>
-            <a:r>
-              <a:rPr lang="ko-KR" altLang="en-US" sz="1400" dirty="0" err="1">
-                <a:solidFill>
-                  <a:srgbClr val="00B050"/>
-                </a:solidFill>
-                <a:latin typeface="Consolas" panose="020B0609020204030204" pitchFamily="49" charset="0"/>
-                <a:ea typeface="돋움체" panose="020B0609000101010101" pitchFamily="49" charset="-127"/>
-              </a:rPr>
-              <a:t>블러킹</a:t>
-            </a:r>
-            <a:r>
-              <a:rPr lang="en-US" altLang="ko-KR" sz="1400" dirty="0">
-                <a:solidFill>
-                  <a:srgbClr val="00B050"/>
-                </a:solidFill>
-                <a:latin typeface="Consolas" panose="020B0609020204030204" pitchFamily="49" charset="0"/>
-                <a:ea typeface="돋움체" panose="020B0609000101010101" pitchFamily="49" charset="-127"/>
-              </a:rPr>
-              <a:t>)</a:t>
-            </a:r>
-            <a:endParaRPr lang="en-US" altLang="ko-KR" sz="1400" dirty="0">
-              <a:solidFill>
-                <a:schemeClr val="bg1"/>
-              </a:solidFill>
-              <a:latin typeface="Consolas" panose="020B0609020204030204" pitchFamily="49" charset="0"/>
-              <a:ea typeface="돋움체" panose="020B0609000101010101" pitchFamily="49" charset="-127"/>
-            </a:endParaRPr>
-          </a:p>
-        </p:txBody>
-      </p:sp>
-    </p:spTree>
-    <p:extLst>
-      <p:ext uri="{BB962C8B-B14F-4D97-AF65-F5344CB8AC3E}">
-        <p14:creationId xmlns:p14="http://schemas.microsoft.com/office/powerpoint/2010/main" val="4216805452"/>
-      </p:ext>
-    </p:extLst>
-  </p:cSld>
-  <p:clrMapOvr>
-    <a:masterClrMapping/>
-  </p:clrMapOvr>
-</p:sld>
-</file>
-
-<file path=ppt/slides/slide20.xml><?xml version="1.0" encoding="utf-8"?>
+<file path=ppt/slides/slide26.xml><?xml version="1.0" encoding="utf-8"?>
 <p:sld xmlns:a="http://schemas.openxmlformats.org/drawingml/2006/main" xmlns:r="http://schemas.openxmlformats.org/officeDocument/2006/relationships" xmlns:p="http://schemas.openxmlformats.org/presentationml/2006/main">
   <p:cSld>
     <p:spTree>
@@ -10378,25 +14133,24 @@
             </a:r>
             <a:r>
               <a:rPr lang="ko-KR" altLang="en-US" dirty="0"/>
-              <a:t> 이 없으면</a:t>
+              <a:t> </a:t>
             </a:r>
             <a:r>
               <a:rPr lang="en-US" altLang="ko-KR" dirty="0"/>
-              <a:t>, </a:t>
+              <a:t>=&gt;</a:t>
+            </a:r>
+            <a:r>
+              <a:rPr lang="ko-KR" altLang="en-US" dirty="0"/>
+              <a:t> </a:t>
             </a:r>
             <a:r>
               <a:rPr lang="ko-KR" altLang="en-US" dirty="0" err="1"/>
-              <a:t>크래시를</a:t>
+              <a:t>크래시</a:t>
             </a:r>
             <a:r>
               <a:rPr lang="ko-KR" altLang="en-US" dirty="0"/>
-              <a:t> 막을 수 없다</a:t>
-            </a:r>
-            <a:r>
-              <a:rPr lang="en-US" altLang="ko-KR" dirty="0"/>
-              <a:t>.</a:t>
-            </a:r>
-            <a:endParaRPr lang="ko-KR" altLang="en-US" dirty="0"/>
+              <a:t> 예측 역할</a:t>
+            </a:r>
           </a:p>
         </p:txBody>
       </p:sp>
@@ -10741,13 +14495,116 @@
             <a:pPr marL="0" indent="0" defTabSz="576000">
               <a:buNone/>
             </a:pPr>
-            <a:endParaRPr lang="en-US" altLang="ko-KR" sz="2000" dirty="0">
-              <a:solidFill>
-                <a:schemeClr val="bg1"/>
-              </a:solidFill>
-              <a:latin typeface="Consolas" panose="020B0609020204030204" pitchFamily="49" charset="0"/>
-              <a:ea typeface="돋움체" panose="020B0609000101010101" pitchFamily="49" charset="-127"/>
-            </a:endParaRPr>
+            <a:r>
+              <a:rPr lang="en-US" altLang="ko-KR" sz="2000" dirty="0">
+                <a:solidFill>
+                  <a:srgbClr val="00B050"/>
+                </a:solidFill>
+                <a:latin typeface="Consolas" panose="020B0609020204030204" pitchFamily="49" charset="0"/>
+                <a:ea typeface="돋움체" panose="020B0609000101010101" pitchFamily="49" charset="-127"/>
+              </a:rPr>
+              <a:t>		//</a:t>
+            </a:r>
+            <a:r>
+              <a:rPr lang="ko-KR" altLang="en-US" sz="2000" dirty="0">
+                <a:solidFill>
+                  <a:srgbClr val="00B050"/>
+                </a:solidFill>
+                <a:latin typeface="Consolas" panose="020B0609020204030204" pitchFamily="49" charset="0"/>
+                <a:ea typeface="돋움체" panose="020B0609000101010101" pitchFamily="49" charset="-127"/>
+              </a:rPr>
+              <a:t> 아직 </a:t>
+            </a:r>
+            <a:r>
+              <a:rPr lang="en-US" altLang="ko-KR" sz="2000" dirty="0">
+                <a:solidFill>
+                  <a:srgbClr val="00B050"/>
+                </a:solidFill>
+                <a:latin typeface="Consolas" panose="020B0609020204030204" pitchFamily="49" charset="0"/>
+                <a:ea typeface="돋움체" panose="020B0609000101010101" pitchFamily="49" charset="-127"/>
+              </a:rPr>
+              <a:t>joinable() </a:t>
+            </a:r>
+            <a:r>
+              <a:rPr lang="ko-KR" altLang="en-US" sz="2000" dirty="0">
+                <a:solidFill>
+                  <a:srgbClr val="00B050"/>
+                </a:solidFill>
+                <a:latin typeface="Consolas" panose="020B0609020204030204" pitchFamily="49" charset="0"/>
+                <a:ea typeface="돋움체" panose="020B0609000101010101" pitchFamily="49" charset="-127"/>
+              </a:rPr>
+              <a:t>이 </a:t>
+            </a:r>
+            <a:r>
+              <a:rPr lang="en-US" altLang="ko-KR" sz="2000" dirty="0">
+                <a:solidFill>
+                  <a:srgbClr val="00B050"/>
+                </a:solidFill>
+                <a:latin typeface="Consolas" panose="020B0609020204030204" pitchFamily="49" charset="0"/>
+                <a:ea typeface="돋움체" panose="020B0609000101010101" pitchFamily="49" charset="-127"/>
+              </a:rPr>
+              <a:t>true </a:t>
+            </a:r>
+            <a:r>
+              <a:rPr lang="ko-KR" altLang="en-US" sz="2000" dirty="0">
+                <a:solidFill>
+                  <a:srgbClr val="00B050"/>
+                </a:solidFill>
+                <a:latin typeface="Consolas" panose="020B0609020204030204" pitchFamily="49" charset="0"/>
+                <a:ea typeface="돋움체" panose="020B0609000101010101" pitchFamily="49" charset="-127"/>
+              </a:rPr>
+              <a:t>이면 </a:t>
+            </a:r>
+            <a:r>
+              <a:rPr lang="en-US" altLang="ko-KR" sz="2000" dirty="0">
+                <a:solidFill>
+                  <a:srgbClr val="00B050"/>
+                </a:solidFill>
+                <a:latin typeface="Consolas" panose="020B0609020204030204" pitchFamily="49" charset="0"/>
+                <a:ea typeface="돋움체" panose="020B0609000101010101" pitchFamily="49" charset="-127"/>
+              </a:rPr>
+              <a:t>(</a:t>
+            </a:r>
+            <a:r>
+              <a:rPr lang="en-US" altLang="ko-KR" sz="2000" dirty="0" err="1">
+                <a:solidFill>
+                  <a:srgbClr val="00B050"/>
+                </a:solidFill>
+                <a:latin typeface="Consolas" panose="020B0609020204030204" pitchFamily="49" charset="0"/>
+                <a:ea typeface="돋움체" panose="020B0609000101010101" pitchFamily="49" charset="-127"/>
+              </a:rPr>
+              <a:t>threadEntry</a:t>
+            </a:r>
+            <a:r>
+              <a:rPr lang="ko-KR" altLang="en-US" sz="2000" dirty="0">
+                <a:solidFill>
+                  <a:srgbClr val="00B050"/>
+                </a:solidFill>
+                <a:latin typeface="Consolas" panose="020B0609020204030204" pitchFamily="49" charset="0"/>
+                <a:ea typeface="돋움체" panose="020B0609000101010101" pitchFamily="49" charset="-127"/>
+              </a:rPr>
+              <a:t> </a:t>
+            </a:r>
+            <a:r>
+              <a:rPr lang="ko-KR" altLang="en-US" sz="2000" dirty="0" err="1">
+                <a:solidFill>
+                  <a:srgbClr val="00B050"/>
+                </a:solidFill>
+                <a:latin typeface="Consolas" panose="020B0609020204030204" pitchFamily="49" charset="0"/>
+                <a:ea typeface="돋움체" panose="020B0609000101010101" pitchFamily="49" charset="-127"/>
+              </a:rPr>
+              <a:t>덜끝남</a:t>
+            </a:r>
+            <a:r>
+              <a:rPr lang="en-US" altLang="ko-KR" sz="2000" dirty="0">
+                <a:solidFill>
+                  <a:srgbClr val="00B050"/>
+                </a:solidFill>
+                <a:latin typeface="Consolas" panose="020B0609020204030204" pitchFamily="49" charset="0"/>
+                <a:ea typeface="돋움체" panose="020B0609000101010101" pitchFamily="49" charset="-127"/>
+              </a:rPr>
+              <a:t>)</a:t>
+            </a:r>
           </a:p>
           <a:p>
             <a:pPr marL="0" indent="0" defTabSz="576000">
